--- a/00 Presentations/10 JavaScript Libraries, Frameworks and Tools (Links).pptx
+++ b/00 Presentations/10 JavaScript Libraries, Frameworks and Tools (Links).pptx
@@ -1,51 +1,51 @@
 
 <file path=ppt/presentation.xml><?xml version="1.0" encoding="utf-8"?>
-<p:presentation xmlns:a="http://schemas.openxmlformats.org/drawingml/2006/main" xmlns:r="http://schemas.openxmlformats.org/officeDocument/2006/relationships" xmlns:mc="http://schemas.openxmlformats.org/markup-compatibility/2006" xmlns:mv="urn:schemas-microsoft-com:mac:vml" xmlns:p="http://schemas.openxmlformats.org/presentationml/2006/main" xmlns:c="http://schemas.openxmlformats.org/drawingml/2006/chart" xmlns:dgm="http://schemas.openxmlformats.org/drawingml/2006/diagram" xmlns:o="urn:schemas-microsoft-com:office:office" xmlns:v="urn:schemas-microsoft-com:vml" xmlns:pvml="urn:schemas-microsoft-com:office:powerpoint" xmlns:com="http://schemas.openxmlformats.org/drawingml/2006/compatibility" xmlns:p14="http://schemas.microsoft.com/office/powerpoint/2010/main" xmlns:p15="http://schemas.microsoft.com/office/powerpoint/2012/main" xmlns:ahyp="http://schemas.microsoft.com/office/drawing/2018/hyperlinkcolor" autoCompressPictures="0" embedTrueTypeFonts="1" strictFirstAndLastChars="0" saveSubsetFonts="1">
+<p:presentation xmlns:a="http://schemas.openxmlformats.org/drawingml/2006/main" xmlns:r="http://schemas.openxmlformats.org/officeDocument/2006/relationships" xmlns:p="http://schemas.openxmlformats.org/presentationml/2006/main" strictFirstAndLastChars="0" embedTrueTypeFonts="1" saveSubsetFonts="1" autoCompressPictures="0">
   <p:sldMasterIdLst>
-    <p:sldMasterId id="2147483659" r:id="rId3"/>
+    <p:sldMasterId id="2147483659" r:id="rId1"/>
   </p:sldMasterIdLst>
   <p:notesMasterIdLst>
-    <p:notesMasterId r:id="rId4"/>
+    <p:notesMasterId r:id="rId12"/>
   </p:notesMasterIdLst>
   <p:sldIdLst>
-    <p:sldId id="256" r:id="rId5"/>
-    <p:sldId id="257" r:id="rId6"/>
-    <p:sldId id="258" r:id="rId7"/>
-    <p:sldId id="259" r:id="rId8"/>
-    <p:sldId id="260" r:id="rId9"/>
-    <p:sldId id="261" r:id="rId10"/>
-    <p:sldId id="262" r:id="rId11"/>
-    <p:sldId id="263" r:id="rId12"/>
-    <p:sldId id="264" r:id="rId13"/>
-    <p:sldId id="265" r:id="rId14"/>
+    <p:sldId id="256" r:id="rId2"/>
+    <p:sldId id="257" r:id="rId3"/>
+    <p:sldId id="258" r:id="rId4"/>
+    <p:sldId id="259" r:id="rId5"/>
+    <p:sldId id="260" r:id="rId6"/>
+    <p:sldId id="261" r:id="rId7"/>
+    <p:sldId id="262" r:id="rId8"/>
+    <p:sldId id="263" r:id="rId9"/>
+    <p:sldId id="264" r:id="rId10"/>
+    <p:sldId id="265" r:id="rId11"/>
   </p:sldIdLst>
-  <p:sldSz cy="5143500" cx="9144000"/>
+  <p:sldSz cx="9144000" cy="5143500" type="screen16x9"/>
   <p:notesSz cx="6858000" cy="9144000"/>
   <p:embeddedFontLst>
     <p:embeddedFont>
-      <p:font typeface="Roboto"/>
-      <p:regular r:id="rId15"/>
-      <p:bold r:id="rId16"/>
-      <p:italic r:id="rId17"/>
-      <p:boldItalic r:id="rId18"/>
+      <p:font typeface="Lato" panose="020B0604020202020204" charset="0"/>
+      <p:regular r:id="rId13"/>
+      <p:bold r:id="rId14"/>
+      <p:italic r:id="rId15"/>
+      <p:boldItalic r:id="rId16"/>
     </p:embeddedFont>
     <p:embeddedFont>
-      <p:font typeface="Montserrat"/>
-      <p:regular r:id="rId19"/>
-      <p:bold r:id="rId20"/>
-      <p:italic r:id="rId21"/>
-      <p:boldItalic r:id="rId22"/>
+      <p:font typeface="Montserrat" panose="020B0604020202020204" charset="-52"/>
+      <p:regular r:id="rId17"/>
+      <p:bold r:id="rId18"/>
+      <p:italic r:id="rId19"/>
+      <p:boldItalic r:id="rId20"/>
     </p:embeddedFont>
     <p:embeddedFont>
-      <p:font typeface="Lato"/>
-      <p:regular r:id="rId23"/>
-      <p:bold r:id="rId24"/>
-      <p:italic r:id="rId25"/>
-      <p:boldItalic r:id="rId26"/>
+      <p:font typeface="Roboto" panose="020B0604020202020204" charset="0"/>
+      <p:regular r:id="rId21"/>
+      <p:bold r:id="rId22"/>
+      <p:italic r:id="rId23"/>
+      <p:boldItalic r:id="rId24"/>
     </p:embeddedFont>
   </p:embeddedFontLst>
   <p:defaultTextStyle>
-    <a:defPPr lvl="0" marR="0" rtl="0" algn="l">
+    <a:defPPr marR="0" lvl="0" algn="l" rtl="0">
       <a:lnSpc>
         <a:spcPct val="100000"/>
       </a:lnSpc>
@@ -56,7 +56,7 @@
         <a:spcPts val="0"/>
       </a:spcAft>
     </a:defPPr>
-    <a:lvl1pPr lvl="0" marR="0" rtl="0" algn="l">
+    <a:lvl1pPr marR="0" lvl="0" algn="l" rtl="0">
       <a:lnSpc>
         <a:spcPct val="100000"/>
       </a:lnSpc>
@@ -70,7 +70,7 @@
         <a:srgbClr val="000000"/>
       </a:buClr>
       <a:buFont typeface="Arial"/>
-      <a:defRPr b="0" i="0" sz="1400" u="none" cap="none" strike="noStrike">
+      <a:defRPr sz="1400" b="0" i="0" u="none" strike="noStrike" cap="none">
         <a:solidFill>
           <a:srgbClr val="000000"/>
         </a:solidFill>
@@ -80,7 +80,7 @@
         <a:sym typeface="Arial"/>
       </a:defRPr>
     </a:lvl1pPr>
-    <a:lvl2pPr lvl="1" marR="0" rtl="0" algn="l">
+    <a:lvl2pPr marR="0" lvl="1" algn="l" rtl="0">
       <a:lnSpc>
         <a:spcPct val="100000"/>
       </a:lnSpc>
@@ -94,7 +94,7 @@
         <a:srgbClr val="000000"/>
       </a:buClr>
       <a:buFont typeface="Arial"/>
-      <a:defRPr b="0" i="0" sz="1400" u="none" cap="none" strike="noStrike">
+      <a:defRPr sz="1400" b="0" i="0" u="none" strike="noStrike" cap="none">
         <a:solidFill>
           <a:srgbClr val="000000"/>
         </a:solidFill>
@@ -104,7 +104,7 @@
         <a:sym typeface="Arial"/>
       </a:defRPr>
     </a:lvl2pPr>
-    <a:lvl3pPr lvl="2" marR="0" rtl="0" algn="l">
+    <a:lvl3pPr marR="0" lvl="2" algn="l" rtl="0">
       <a:lnSpc>
         <a:spcPct val="100000"/>
       </a:lnSpc>
@@ -118,7 +118,7 @@
         <a:srgbClr val="000000"/>
       </a:buClr>
       <a:buFont typeface="Arial"/>
-      <a:defRPr b="0" i="0" sz="1400" u="none" cap="none" strike="noStrike">
+      <a:defRPr sz="1400" b="0" i="0" u="none" strike="noStrike" cap="none">
         <a:solidFill>
           <a:srgbClr val="000000"/>
         </a:solidFill>
@@ -128,7 +128,7 @@
         <a:sym typeface="Arial"/>
       </a:defRPr>
     </a:lvl3pPr>
-    <a:lvl4pPr lvl="3" marR="0" rtl="0" algn="l">
+    <a:lvl4pPr marR="0" lvl="3" algn="l" rtl="0">
       <a:lnSpc>
         <a:spcPct val="100000"/>
       </a:lnSpc>
@@ -142,7 +142,7 @@
         <a:srgbClr val="000000"/>
       </a:buClr>
       <a:buFont typeface="Arial"/>
-      <a:defRPr b="0" i="0" sz="1400" u="none" cap="none" strike="noStrike">
+      <a:defRPr sz="1400" b="0" i="0" u="none" strike="noStrike" cap="none">
         <a:solidFill>
           <a:srgbClr val="000000"/>
         </a:solidFill>
@@ -152,7 +152,7 @@
         <a:sym typeface="Arial"/>
       </a:defRPr>
     </a:lvl4pPr>
-    <a:lvl5pPr lvl="4" marR="0" rtl="0" algn="l">
+    <a:lvl5pPr marR="0" lvl="4" algn="l" rtl="0">
       <a:lnSpc>
         <a:spcPct val="100000"/>
       </a:lnSpc>
@@ -166,7 +166,7 @@
         <a:srgbClr val="000000"/>
       </a:buClr>
       <a:buFont typeface="Arial"/>
-      <a:defRPr b="0" i="0" sz="1400" u="none" cap="none" strike="noStrike">
+      <a:defRPr sz="1400" b="0" i="0" u="none" strike="noStrike" cap="none">
         <a:solidFill>
           <a:srgbClr val="000000"/>
         </a:solidFill>
@@ -176,7 +176,7 @@
         <a:sym typeface="Arial"/>
       </a:defRPr>
     </a:lvl5pPr>
-    <a:lvl6pPr lvl="5" marR="0" rtl="0" algn="l">
+    <a:lvl6pPr marR="0" lvl="5" algn="l" rtl="0">
       <a:lnSpc>
         <a:spcPct val="100000"/>
       </a:lnSpc>
@@ -190,7 +190,7 @@
         <a:srgbClr val="000000"/>
       </a:buClr>
       <a:buFont typeface="Arial"/>
-      <a:defRPr b="0" i="0" sz="1400" u="none" cap="none" strike="noStrike">
+      <a:defRPr sz="1400" b="0" i="0" u="none" strike="noStrike" cap="none">
         <a:solidFill>
           <a:srgbClr val="000000"/>
         </a:solidFill>
@@ -200,7 +200,7 @@
         <a:sym typeface="Arial"/>
       </a:defRPr>
     </a:lvl6pPr>
-    <a:lvl7pPr lvl="6" marR="0" rtl="0" algn="l">
+    <a:lvl7pPr marR="0" lvl="6" algn="l" rtl="0">
       <a:lnSpc>
         <a:spcPct val="100000"/>
       </a:lnSpc>
@@ -214,7 +214,7 @@
         <a:srgbClr val="000000"/>
       </a:buClr>
       <a:buFont typeface="Arial"/>
-      <a:defRPr b="0" i="0" sz="1400" u="none" cap="none" strike="noStrike">
+      <a:defRPr sz="1400" b="0" i="0" u="none" strike="noStrike" cap="none">
         <a:solidFill>
           <a:srgbClr val="000000"/>
         </a:solidFill>
@@ -224,7 +224,7 @@
         <a:sym typeface="Arial"/>
       </a:defRPr>
     </a:lvl7pPr>
-    <a:lvl8pPr lvl="7" marR="0" rtl="0" algn="l">
+    <a:lvl8pPr marR="0" lvl="7" algn="l" rtl="0">
       <a:lnSpc>
         <a:spcPct val="100000"/>
       </a:lnSpc>
@@ -238,7 +238,7 @@
         <a:srgbClr val="000000"/>
       </a:buClr>
       <a:buFont typeface="Arial"/>
-      <a:defRPr b="0" i="0" sz="1400" u="none" cap="none" strike="noStrike">
+      <a:defRPr sz="1400" b="0" i="0" u="none" strike="noStrike" cap="none">
         <a:solidFill>
           <a:srgbClr val="000000"/>
         </a:solidFill>
@@ -248,7 +248,7 @@
         <a:sym typeface="Arial"/>
       </a:defRPr>
     </a:lvl8pPr>
-    <a:lvl9pPr lvl="8" marR="0" rtl="0" algn="l">
+    <a:lvl9pPr marR="0" lvl="8" algn="l" rtl="0">
       <a:lnSpc>
         <a:spcPct val="100000"/>
       </a:lnSpc>
@@ -262,7 +262,7 @@
         <a:srgbClr val="000000"/>
       </a:buClr>
       <a:buFont typeface="Arial"/>
-      <a:defRPr b="0" i="0" sz="1400" u="none" cap="none" strike="noStrike">
+      <a:defRPr sz="1400" b="0" i="0" u="none" strike="noStrike" cap="none">
         <a:solidFill>
           <a:srgbClr val="000000"/>
         </a:solidFill>
@@ -277,18 +277,19 @@
 </file>
 
 <file path=ppt/notesMasters/notesMaster1.xml><?xml version="1.0" encoding="utf-8"?>
-<p:notesMaster xmlns:a="http://schemas.openxmlformats.org/drawingml/2006/main" xmlns:r="http://schemas.openxmlformats.org/officeDocument/2006/relationships" xmlns:mc="http://schemas.openxmlformats.org/markup-compatibility/2006" xmlns:mv="urn:schemas-microsoft-com:mac:vml" xmlns:p="http://schemas.openxmlformats.org/presentationml/2006/main" xmlns:c="http://schemas.openxmlformats.org/drawingml/2006/chart" xmlns:dgm="http://schemas.openxmlformats.org/drawingml/2006/diagram" xmlns:o="urn:schemas-microsoft-com:office:office" xmlns:v="urn:schemas-microsoft-com:vml" xmlns:pvml="urn:schemas-microsoft-com:office:powerpoint" xmlns:com="http://schemas.openxmlformats.org/drawingml/2006/compatibility" xmlns:p14="http://schemas.microsoft.com/office/powerpoint/2010/main" xmlns:p15="http://schemas.microsoft.com/office/powerpoint/2012/main" xmlns:ahyp="http://schemas.microsoft.com/office/drawing/2018/hyperlinkcolor">
+<p:notesMaster xmlns:a="http://schemas.openxmlformats.org/drawingml/2006/main" xmlns:r="http://schemas.openxmlformats.org/officeDocument/2006/relationships" xmlns:p="http://schemas.openxmlformats.org/presentationml/2006/main">
   <p:cSld>
     <p:bg>
       <p:bgPr>
         <a:solidFill>
           <a:schemeClr val="lt1"/>
         </a:solidFill>
+        <a:effectLst/>
       </p:bgPr>
     </p:bg>
     <p:spTree>
       <p:nvGrpSpPr>
-        <p:cNvPr id="2" name="Shape 2"/>
+        <p:cNvPr id="1" name="Shape 2"/>
         <p:cNvGrpSpPr/>
         <p:nvPr/>
       </p:nvGrpSpPr>
@@ -303,9 +304,11 @@
       <p:sp>
         <p:nvSpPr>
           <p:cNvPr id="3" name="Google Shape;3;n"/>
-          <p:cNvSpPr/>
+          <p:cNvSpPr>
+            <a:spLocks noGrp="1" noRot="1" noChangeAspect="1"/>
+          </p:cNvSpPr>
           <p:nvPr>
-            <p:ph idx="2" type="sldImg"/>
+            <p:ph type="sldImg" idx="2"/>
           </p:nvPr>
         </p:nvSpPr>
         <p:spPr>
@@ -314,9 +317,13 @@
             <a:ext cx="6096075" cy="3429000"/>
           </a:xfrm>
           <a:custGeom>
-            <a:rect b="b" l="l" r="r" t="t"/>
+            <a:avLst/>
+            <a:gdLst/>
+            <a:ahLst/>
+            <a:cxnLst/>
+            <a:rect l="l" t="t" r="r" b="b"/>
             <a:pathLst>
-              <a:path extrusionOk="0" h="120000" w="120000">
+              <a:path w="120000" h="120000" extrusionOk="0">
                 <a:moveTo>
                   <a:pt x="0" y="0"/>
                 </a:moveTo>
@@ -334,23 +341,25 @@
             </a:pathLst>
           </a:custGeom>
           <a:noFill/>
-          <a:ln cap="flat" cmpd="sng" w="9525">
+          <a:ln w="9525" cap="flat" cmpd="sng">
             <a:solidFill>
               <a:srgbClr val="000000"/>
             </a:solidFill>
             <a:prstDash val="solid"/>
             <a:round/>
-            <a:headEnd len="sm" w="sm" type="none"/>
-            <a:tailEnd len="sm" w="sm" type="none"/>
+            <a:headEnd type="none" w="sm" len="sm"/>
+            <a:tailEnd type="none" w="sm" len="sm"/>
           </a:ln>
         </p:spPr>
       </p:sp>
       <p:sp>
         <p:nvSpPr>
           <p:cNvPr id="4" name="Google Shape;4;n"/>
-          <p:cNvSpPr txBox="1"/>
+          <p:cNvSpPr txBox="1">
+            <a:spLocks noGrp="1"/>
+          </p:cNvSpPr>
           <p:nvPr>
-            <p:ph idx="1" type="body"/>
+            <p:ph type="body" idx="1"/>
           </p:nvPr>
         </p:nvSpPr>
         <p:spPr>
@@ -367,11 +376,11 @@
           </a:ln>
         </p:spPr>
         <p:txBody>
-          <a:bodyPr anchorCtr="0" anchor="t" bIns="91425" lIns="91425" spcFirstLastPara="1" rIns="91425" wrap="square" tIns="91425">
+          <a:bodyPr spcFirstLastPara="1" wrap="square" lIns="91425" tIns="91425" rIns="91425" bIns="91425" anchor="t" anchorCtr="0">
             <a:noAutofit/>
           </a:bodyPr>
           <a:lstStyle>
-            <a:lvl1pPr indent="-228600" lvl="0" marL="457200" marR="0" rtl="0" algn="l">
+            <a:lvl1pPr marL="457200" marR="0" lvl="0" indent="-228600" algn="l" rtl="0">
               <a:spcBef>
                 <a:spcPts val="0"/>
               </a:spcBef>
@@ -380,7 +389,7 @@
               </a:spcAft>
               <a:buSzPts val="1400"/>
               <a:buNone/>
-              <a:defRPr b="0" i="0" sz="1100" u="none" cap="none" strike="noStrike">
+              <a:defRPr sz="1100" b="0" i="0" u="none" strike="noStrike" cap="none">
                 <a:solidFill>
                   <a:schemeClr val="dk1"/>
                 </a:solidFill>
@@ -390,7 +399,7 @@
                 <a:sym typeface="Arial"/>
               </a:defRPr>
             </a:lvl1pPr>
-            <a:lvl2pPr indent="-228600" lvl="1" marL="914400" marR="0" rtl="0" algn="l">
+            <a:lvl2pPr marL="914400" marR="0" lvl="1" indent="-228600" algn="l" rtl="0">
               <a:spcBef>
                 <a:spcPts val="0"/>
               </a:spcBef>
@@ -399,7 +408,7 @@
               </a:spcAft>
               <a:buSzPts val="1400"/>
               <a:buNone/>
-              <a:defRPr b="0" i="0" sz="1100" u="none" cap="none" strike="noStrike">
+              <a:defRPr sz="1100" b="0" i="0" u="none" strike="noStrike" cap="none">
                 <a:solidFill>
                   <a:schemeClr val="dk1"/>
                 </a:solidFill>
@@ -409,7 +418,7 @@
                 <a:sym typeface="Arial"/>
               </a:defRPr>
             </a:lvl2pPr>
-            <a:lvl3pPr indent="-228600" lvl="2" marL="1371600" marR="0" rtl="0" algn="l">
+            <a:lvl3pPr marL="1371600" marR="0" lvl="2" indent="-228600" algn="l" rtl="0">
               <a:spcBef>
                 <a:spcPts val="0"/>
               </a:spcBef>
@@ -418,7 +427,7 @@
               </a:spcAft>
               <a:buSzPts val="1400"/>
               <a:buNone/>
-              <a:defRPr b="0" i="0" sz="1100" u="none" cap="none" strike="noStrike">
+              <a:defRPr sz="1100" b="0" i="0" u="none" strike="noStrike" cap="none">
                 <a:solidFill>
                   <a:schemeClr val="dk1"/>
                 </a:solidFill>
@@ -428,7 +437,7 @@
                 <a:sym typeface="Arial"/>
               </a:defRPr>
             </a:lvl3pPr>
-            <a:lvl4pPr indent="-228600" lvl="3" marL="1828800" marR="0" rtl="0" algn="l">
+            <a:lvl4pPr marL="1828800" marR="0" lvl="3" indent="-228600" algn="l" rtl="0">
               <a:spcBef>
                 <a:spcPts val="0"/>
               </a:spcBef>
@@ -437,7 +446,7 @@
               </a:spcAft>
               <a:buSzPts val="1400"/>
               <a:buNone/>
-              <a:defRPr b="0" i="0" sz="1100" u="none" cap="none" strike="noStrike">
+              <a:defRPr sz="1100" b="0" i="0" u="none" strike="noStrike" cap="none">
                 <a:solidFill>
                   <a:schemeClr val="dk1"/>
                 </a:solidFill>
@@ -447,7 +456,7 @@
                 <a:sym typeface="Arial"/>
               </a:defRPr>
             </a:lvl4pPr>
-            <a:lvl5pPr indent="-228600" lvl="4" marL="2286000" marR="0" rtl="0" algn="l">
+            <a:lvl5pPr marL="2286000" marR="0" lvl="4" indent="-228600" algn="l" rtl="0">
               <a:spcBef>
                 <a:spcPts val="0"/>
               </a:spcBef>
@@ -456,7 +465,7 @@
               </a:spcAft>
               <a:buSzPts val="1400"/>
               <a:buNone/>
-              <a:defRPr b="0" i="0" sz="1100" u="none" cap="none" strike="noStrike">
+              <a:defRPr sz="1100" b="0" i="0" u="none" strike="noStrike" cap="none">
                 <a:solidFill>
                   <a:schemeClr val="dk1"/>
                 </a:solidFill>
@@ -466,7 +475,7 @@
                 <a:sym typeface="Arial"/>
               </a:defRPr>
             </a:lvl5pPr>
-            <a:lvl6pPr indent="-228600" lvl="5" marL="2743200" marR="0" rtl="0" algn="l">
+            <a:lvl6pPr marL="2743200" marR="0" lvl="5" indent="-228600" algn="l" rtl="0">
               <a:spcBef>
                 <a:spcPts val="0"/>
               </a:spcBef>
@@ -475,7 +484,7 @@
               </a:spcAft>
               <a:buSzPts val="1400"/>
               <a:buNone/>
-              <a:defRPr b="0" i="0" sz="1100" u="none" cap="none" strike="noStrike">
+              <a:defRPr sz="1100" b="0" i="0" u="none" strike="noStrike" cap="none">
                 <a:solidFill>
                   <a:schemeClr val="dk1"/>
                 </a:solidFill>
@@ -485,7 +494,7 @@
                 <a:sym typeface="Arial"/>
               </a:defRPr>
             </a:lvl6pPr>
-            <a:lvl7pPr indent="-228600" lvl="6" marL="3200400" marR="0" rtl="0" algn="l">
+            <a:lvl7pPr marL="3200400" marR="0" lvl="6" indent="-228600" algn="l" rtl="0">
               <a:spcBef>
                 <a:spcPts val="0"/>
               </a:spcBef>
@@ -494,7 +503,7 @@
               </a:spcAft>
               <a:buSzPts val="1400"/>
               <a:buNone/>
-              <a:defRPr b="0" i="0" sz="1100" u="none" cap="none" strike="noStrike">
+              <a:defRPr sz="1100" b="0" i="0" u="none" strike="noStrike" cap="none">
                 <a:solidFill>
                   <a:schemeClr val="dk1"/>
                 </a:solidFill>
@@ -504,7 +513,7 @@
                 <a:sym typeface="Arial"/>
               </a:defRPr>
             </a:lvl7pPr>
-            <a:lvl8pPr indent="-228600" lvl="7" marL="3657600" marR="0" rtl="0" algn="l">
+            <a:lvl8pPr marL="3657600" marR="0" lvl="7" indent="-228600" algn="l" rtl="0">
               <a:spcBef>
                 <a:spcPts val="0"/>
               </a:spcBef>
@@ -513,7 +522,7 @@
               </a:spcAft>
               <a:buSzPts val="1400"/>
               <a:buNone/>
-              <a:defRPr b="0" i="0" sz="1100" u="none" cap="none" strike="noStrike">
+              <a:defRPr sz="1100" b="0" i="0" u="none" strike="noStrike" cap="none">
                 <a:solidFill>
                   <a:schemeClr val="dk1"/>
                 </a:solidFill>
@@ -523,7 +532,7 @@
                 <a:sym typeface="Arial"/>
               </a:defRPr>
             </a:lvl8pPr>
-            <a:lvl9pPr indent="-228600" lvl="8" marL="4114800" marR="0" rtl="0" algn="l">
+            <a:lvl9pPr marL="4114800" marR="0" lvl="8" indent="-228600" algn="l" rtl="0">
               <a:spcBef>
                 <a:spcPts val="0"/>
               </a:spcBef>
@@ -532,7 +541,7 @@
               </a:spcAft>
               <a:buSzPts val="1400"/>
               <a:buNone/>
-              <a:defRPr b="0" i="0" sz="1100" u="none" cap="none" strike="noStrike">
+              <a:defRPr sz="1100" b="0" i="0" u="none" strike="noStrike" cap="none">
                 <a:solidFill>
                   <a:schemeClr val="dk1"/>
                 </a:solidFill>
@@ -543,14 +552,16 @@
               </a:defRPr>
             </a:lvl9pPr>
           </a:lstStyle>
-          <a:p/>
+          <a:p>
+            <a:endParaRPr/>
+          </a:p>
         </p:txBody>
       </p:sp>
     </p:spTree>
   </p:cSld>
-  <p:clrMap accent1="accent1" accent2="accent2" accent3="accent3" accent4="accent4" accent5="accent5" accent6="accent6" bg1="lt1" bg2="dk2" tx1="dk1" tx2="lt2" folHlink="folHlink" hlink="hlink"/>
+  <p:clrMap bg1="lt1" tx1="dk1" bg2="dk2" tx2="lt2" accent1="accent1" accent2="accent2" accent3="accent3" accent4="accent4" accent5="accent5" accent6="accent6" hlink="hlink" folHlink="folHlink"/>
   <p:notesStyle>
-    <a:defPPr lvl="0" marR="0" rtl="0" algn="l">
+    <a:defPPr marR="0" lvl="0" algn="l" rtl="0">
       <a:lnSpc>
         <a:spcPct val="100000"/>
       </a:lnSpc>
@@ -561,7 +572,7 @@
         <a:spcPts val="0"/>
       </a:spcAft>
     </a:defPPr>
-    <a:lvl1pPr lvl="0" marR="0" rtl="0" algn="l">
+    <a:lvl1pPr marR="0" lvl="0" algn="l" rtl="0">
       <a:lnSpc>
         <a:spcPct val="100000"/>
       </a:lnSpc>
@@ -575,7 +586,7 @@
         <a:srgbClr val="000000"/>
       </a:buClr>
       <a:buFont typeface="Arial"/>
-      <a:defRPr b="0" i="0" sz="1400" u="none" cap="none" strike="noStrike">
+      <a:defRPr sz="1400" b="0" i="0" u="none" strike="noStrike" cap="none">
         <a:solidFill>
           <a:srgbClr val="000000"/>
         </a:solidFill>
@@ -585,7 +596,7 @@
         <a:sym typeface="Arial"/>
       </a:defRPr>
     </a:lvl1pPr>
-    <a:lvl2pPr lvl="1" marR="0" rtl="0" algn="l">
+    <a:lvl2pPr marR="0" lvl="1" algn="l" rtl="0">
       <a:lnSpc>
         <a:spcPct val="100000"/>
       </a:lnSpc>
@@ -599,7 +610,7 @@
         <a:srgbClr val="000000"/>
       </a:buClr>
       <a:buFont typeface="Arial"/>
-      <a:defRPr b="0" i="0" sz="1400" u="none" cap="none" strike="noStrike">
+      <a:defRPr sz="1400" b="0" i="0" u="none" strike="noStrike" cap="none">
         <a:solidFill>
           <a:srgbClr val="000000"/>
         </a:solidFill>
@@ -609,7 +620,7 @@
         <a:sym typeface="Arial"/>
       </a:defRPr>
     </a:lvl2pPr>
-    <a:lvl3pPr lvl="2" marR="0" rtl="0" algn="l">
+    <a:lvl3pPr marR="0" lvl="2" algn="l" rtl="0">
       <a:lnSpc>
         <a:spcPct val="100000"/>
       </a:lnSpc>
@@ -623,7 +634,7 @@
         <a:srgbClr val="000000"/>
       </a:buClr>
       <a:buFont typeface="Arial"/>
-      <a:defRPr b="0" i="0" sz="1400" u="none" cap="none" strike="noStrike">
+      <a:defRPr sz="1400" b="0" i="0" u="none" strike="noStrike" cap="none">
         <a:solidFill>
           <a:srgbClr val="000000"/>
         </a:solidFill>
@@ -633,7 +644,7 @@
         <a:sym typeface="Arial"/>
       </a:defRPr>
     </a:lvl3pPr>
-    <a:lvl4pPr lvl="3" marR="0" rtl="0" algn="l">
+    <a:lvl4pPr marR="0" lvl="3" algn="l" rtl="0">
       <a:lnSpc>
         <a:spcPct val="100000"/>
       </a:lnSpc>
@@ -647,7 +658,7 @@
         <a:srgbClr val="000000"/>
       </a:buClr>
       <a:buFont typeface="Arial"/>
-      <a:defRPr b="0" i="0" sz="1400" u="none" cap="none" strike="noStrike">
+      <a:defRPr sz="1400" b="0" i="0" u="none" strike="noStrike" cap="none">
         <a:solidFill>
           <a:srgbClr val="000000"/>
         </a:solidFill>
@@ -657,7 +668,7 @@
         <a:sym typeface="Arial"/>
       </a:defRPr>
     </a:lvl4pPr>
-    <a:lvl5pPr lvl="4" marR="0" rtl="0" algn="l">
+    <a:lvl5pPr marR="0" lvl="4" algn="l" rtl="0">
       <a:lnSpc>
         <a:spcPct val="100000"/>
       </a:lnSpc>
@@ -671,7 +682,7 @@
         <a:srgbClr val="000000"/>
       </a:buClr>
       <a:buFont typeface="Arial"/>
-      <a:defRPr b="0" i="0" sz="1400" u="none" cap="none" strike="noStrike">
+      <a:defRPr sz="1400" b="0" i="0" u="none" strike="noStrike" cap="none">
         <a:solidFill>
           <a:srgbClr val="000000"/>
         </a:solidFill>
@@ -681,7 +692,7 @@
         <a:sym typeface="Arial"/>
       </a:defRPr>
     </a:lvl5pPr>
-    <a:lvl6pPr lvl="5" marR="0" rtl="0" algn="l">
+    <a:lvl6pPr marR="0" lvl="5" algn="l" rtl="0">
       <a:lnSpc>
         <a:spcPct val="100000"/>
       </a:lnSpc>
@@ -695,7 +706,7 @@
         <a:srgbClr val="000000"/>
       </a:buClr>
       <a:buFont typeface="Arial"/>
-      <a:defRPr b="0" i="0" sz="1400" u="none" cap="none" strike="noStrike">
+      <a:defRPr sz="1400" b="0" i="0" u="none" strike="noStrike" cap="none">
         <a:solidFill>
           <a:srgbClr val="000000"/>
         </a:solidFill>
@@ -705,7 +716,7 @@
         <a:sym typeface="Arial"/>
       </a:defRPr>
     </a:lvl6pPr>
-    <a:lvl7pPr lvl="6" marR="0" rtl="0" algn="l">
+    <a:lvl7pPr marR="0" lvl="6" algn="l" rtl="0">
       <a:lnSpc>
         <a:spcPct val="100000"/>
       </a:lnSpc>
@@ -719,7 +730,7 @@
         <a:srgbClr val="000000"/>
       </a:buClr>
       <a:buFont typeface="Arial"/>
-      <a:defRPr b="0" i="0" sz="1400" u="none" cap="none" strike="noStrike">
+      <a:defRPr sz="1400" b="0" i="0" u="none" strike="noStrike" cap="none">
         <a:solidFill>
           <a:srgbClr val="000000"/>
         </a:solidFill>
@@ -729,7 +740,7 @@
         <a:sym typeface="Arial"/>
       </a:defRPr>
     </a:lvl7pPr>
-    <a:lvl8pPr lvl="7" marR="0" rtl="0" algn="l">
+    <a:lvl8pPr marR="0" lvl="7" algn="l" rtl="0">
       <a:lnSpc>
         <a:spcPct val="100000"/>
       </a:lnSpc>
@@ -743,7 +754,7 @@
         <a:srgbClr val="000000"/>
       </a:buClr>
       <a:buFont typeface="Arial"/>
-      <a:defRPr b="0" i="0" sz="1400" u="none" cap="none" strike="noStrike">
+      <a:defRPr sz="1400" b="0" i="0" u="none" strike="noStrike" cap="none">
         <a:solidFill>
           <a:srgbClr val="000000"/>
         </a:solidFill>
@@ -753,7 +764,7 @@
         <a:sym typeface="Arial"/>
       </a:defRPr>
     </a:lvl8pPr>
-    <a:lvl9pPr lvl="8" marR="0" rtl="0" algn="l">
+    <a:lvl9pPr marR="0" lvl="8" algn="l" rtl="0">
       <a:lnSpc>
         <a:spcPct val="100000"/>
       </a:lnSpc>
@@ -767,7 +778,7 @@
         <a:srgbClr val="000000"/>
       </a:buClr>
       <a:buFont typeface="Arial"/>
-      <a:defRPr b="0" i="0" sz="1400" u="none" cap="none" strike="noStrike">
+      <a:defRPr sz="1400" b="0" i="0" u="none" strike="noStrike" cap="none">
         <a:solidFill>
           <a:srgbClr val="000000"/>
         </a:solidFill>
@@ -782,11 +793,11 @@
 </file>
 
 <file path=ppt/notesSlides/notesSlide1.xml><?xml version="1.0" encoding="utf-8"?>
-<p:notes xmlns:a="http://schemas.openxmlformats.org/drawingml/2006/main" xmlns:r="http://schemas.openxmlformats.org/officeDocument/2006/relationships" xmlns:mc="http://schemas.openxmlformats.org/markup-compatibility/2006" xmlns:mv="urn:schemas-microsoft-com:mac:vml" xmlns:p="http://schemas.openxmlformats.org/presentationml/2006/main" xmlns:c="http://schemas.openxmlformats.org/drawingml/2006/chart" xmlns:dgm="http://schemas.openxmlformats.org/drawingml/2006/diagram" xmlns:o="urn:schemas-microsoft-com:office:office" xmlns:v="urn:schemas-microsoft-com:vml" xmlns:pvml="urn:schemas-microsoft-com:office:powerpoint" xmlns:com="http://schemas.openxmlformats.org/drawingml/2006/compatibility" xmlns:p14="http://schemas.microsoft.com/office/powerpoint/2010/main" xmlns:p15="http://schemas.microsoft.com/office/powerpoint/2012/main" xmlns:ahyp="http://schemas.microsoft.com/office/drawing/2018/hyperlinkcolor" showMasterPhAnim="0" showMasterSp="0">
+<p:notes xmlns:a="http://schemas.openxmlformats.org/drawingml/2006/main" xmlns:r="http://schemas.openxmlformats.org/officeDocument/2006/relationships" xmlns:p="http://schemas.openxmlformats.org/presentationml/2006/main" showMasterSp="0" showMasterPhAnim="0">
   <p:cSld>
     <p:spTree>
       <p:nvGrpSpPr>
-        <p:cNvPr id="130" name="Shape 130"/>
+        <p:cNvPr id="1" name="Shape 130"/>
         <p:cNvGrpSpPr/>
         <p:nvPr/>
       </p:nvGrpSpPr>
@@ -801,9 +812,11 @@
       <p:sp>
         <p:nvSpPr>
           <p:cNvPr id="131" name="Google Shape;131;p4:notes"/>
-          <p:cNvSpPr/>
+          <p:cNvSpPr>
+            <a:spLocks noGrp="1" noRot="1" noChangeAspect="1"/>
+          </p:cNvSpPr>
           <p:nvPr>
-            <p:ph idx="2" type="sldImg"/>
+            <p:ph type="sldImg" idx="2"/>
           </p:nvPr>
         </p:nvSpPr>
         <p:spPr>
@@ -812,9 +825,13 @@
             <a:ext cx="6096075" cy="3429000"/>
           </a:xfrm>
           <a:custGeom>
-            <a:rect b="b" l="l" r="r" t="t"/>
+            <a:avLst/>
+            <a:gdLst/>
+            <a:ahLst/>
+            <a:cxnLst/>
+            <a:rect l="l" t="t" r="r" b="b"/>
             <a:pathLst>
-              <a:path extrusionOk="0" h="120000" w="120000">
+              <a:path w="120000" h="120000" extrusionOk="0">
                 <a:moveTo>
                   <a:pt x="0" y="0"/>
                 </a:moveTo>
@@ -832,23 +849,25 @@
             </a:pathLst>
           </a:custGeom>
           <a:noFill/>
-          <a:ln cap="flat" cmpd="sng" w="9525">
+          <a:ln w="9525" cap="flat" cmpd="sng">
             <a:solidFill>
               <a:srgbClr val="000000"/>
             </a:solidFill>
             <a:prstDash val="solid"/>
             <a:round/>
-            <a:headEnd len="sm" w="sm" type="none"/>
-            <a:tailEnd len="sm" w="sm" type="none"/>
+            <a:headEnd type="none" w="sm" len="sm"/>
+            <a:tailEnd type="none" w="sm" len="sm"/>
           </a:ln>
         </p:spPr>
       </p:sp>
       <p:sp>
         <p:nvSpPr>
           <p:cNvPr id="132" name="Google Shape;132;p4:notes"/>
-          <p:cNvSpPr txBox="1"/>
+          <p:cNvSpPr txBox="1">
+            <a:spLocks noGrp="1"/>
+          </p:cNvSpPr>
           <p:nvPr>
-            <p:ph idx="1" type="body"/>
+            <p:ph type="body" idx="1"/>
           </p:nvPr>
         </p:nvSpPr>
         <p:spPr>
@@ -865,12 +884,12 @@
           </a:ln>
         </p:spPr>
         <p:txBody>
-          <a:bodyPr anchorCtr="0" anchor="t" bIns="91425" lIns="91425" spcFirstLastPara="1" rIns="91425" wrap="square" tIns="91425">
+          <a:bodyPr spcFirstLastPara="1" wrap="square" lIns="91425" tIns="91425" rIns="91425" bIns="91425" anchor="t" anchorCtr="0">
             <a:noAutofit/>
           </a:bodyPr>
           <a:lstStyle/>
           <a:p>
-            <a:pPr indent="0" lvl="0" marL="0" marR="0" rtl="0" algn="l">
+            <a:pPr marL="0" marR="0" lvl="0" indent="0" algn="l" rtl="0">
               <a:spcBef>
                 <a:spcPts val="0"/>
               </a:spcBef>
@@ -883,10 +902,7 @@
               <a:buFont typeface="Arial"/>
               <a:buNone/>
             </a:pPr>
-            <a:r>
-              <a:t/>
-            </a:r>
-            <a:endParaRPr b="0" i="0" sz="1100" u="none" cap="none" strike="noStrike">
+            <a:endParaRPr sz="1100" b="0" i="0" u="none" strike="noStrike" cap="none">
               <a:solidFill>
                 <a:schemeClr val="dk1"/>
               </a:solidFill>
@@ -907,11 +923,11 @@
 </file>
 
 <file path=ppt/notesSlides/notesSlide10.xml><?xml version="1.0" encoding="utf-8"?>
-<p:notes xmlns:a="http://schemas.openxmlformats.org/drawingml/2006/main" xmlns:r="http://schemas.openxmlformats.org/officeDocument/2006/relationships" xmlns:mc="http://schemas.openxmlformats.org/markup-compatibility/2006" xmlns:mv="urn:schemas-microsoft-com:mac:vml" xmlns:p="http://schemas.openxmlformats.org/presentationml/2006/main" xmlns:c="http://schemas.openxmlformats.org/drawingml/2006/chart" xmlns:dgm="http://schemas.openxmlformats.org/drawingml/2006/diagram" xmlns:o="urn:schemas-microsoft-com:office:office" xmlns:v="urn:schemas-microsoft-com:vml" xmlns:pvml="urn:schemas-microsoft-com:office:powerpoint" xmlns:com="http://schemas.openxmlformats.org/drawingml/2006/compatibility" xmlns:p14="http://schemas.microsoft.com/office/powerpoint/2010/main" xmlns:p15="http://schemas.microsoft.com/office/powerpoint/2012/main" xmlns:ahyp="http://schemas.microsoft.com/office/drawing/2018/hyperlinkcolor" showMasterPhAnim="0" showMasterSp="0">
+<p:notes xmlns:a="http://schemas.openxmlformats.org/drawingml/2006/main" xmlns:r="http://schemas.openxmlformats.org/officeDocument/2006/relationships" xmlns:p="http://schemas.openxmlformats.org/presentationml/2006/main" showMasterSp="0" showMasterPhAnim="0">
   <p:cSld>
     <p:spTree>
       <p:nvGrpSpPr>
-        <p:cNvPr id="184" name="Shape 184"/>
+        <p:cNvPr id="1" name="Shape 184"/>
         <p:cNvGrpSpPr/>
         <p:nvPr/>
       </p:nvGrpSpPr>
@@ -926,9 +942,11 @@
       <p:sp>
         <p:nvSpPr>
           <p:cNvPr id="185" name="Google Shape;185;g213ad2c65c_0_23:notes"/>
-          <p:cNvSpPr/>
+          <p:cNvSpPr>
+            <a:spLocks noGrp="1" noRot="1" noChangeAspect="1"/>
+          </p:cNvSpPr>
           <p:nvPr>
-            <p:ph idx="2" type="sldImg"/>
+            <p:ph type="sldImg" idx="2"/>
           </p:nvPr>
         </p:nvSpPr>
         <p:spPr>
@@ -937,9 +955,13 @@
             <a:ext cx="6096000" cy="3429000"/>
           </a:xfrm>
           <a:custGeom>
-            <a:rect b="b" l="l" r="r" t="t"/>
+            <a:avLst/>
+            <a:gdLst/>
+            <a:ahLst/>
+            <a:cxnLst/>
+            <a:rect l="l" t="t" r="r" b="b"/>
             <a:pathLst>
-              <a:path extrusionOk="0" h="120000" w="120000">
+              <a:path w="120000" h="120000" extrusionOk="0">
                 <a:moveTo>
                   <a:pt x="0" y="0"/>
                 </a:moveTo>
@@ -961,9 +983,11 @@
       <p:sp>
         <p:nvSpPr>
           <p:cNvPr id="186" name="Google Shape;186;g213ad2c65c_0_23:notes"/>
-          <p:cNvSpPr txBox="1"/>
+          <p:cNvSpPr txBox="1">
+            <a:spLocks noGrp="1"/>
+          </p:cNvSpPr>
           <p:nvPr>
-            <p:ph idx="1" type="body"/>
+            <p:ph type="body" idx="1"/>
           </p:nvPr>
         </p:nvSpPr>
         <p:spPr>
@@ -976,12 +1000,12 @@
           </a:prstGeom>
         </p:spPr>
         <p:txBody>
-          <a:bodyPr anchorCtr="0" anchor="t" bIns="91425" lIns="91425" spcFirstLastPara="1" rIns="91425" wrap="square" tIns="91425">
+          <a:bodyPr spcFirstLastPara="1" wrap="square" lIns="91425" tIns="91425" rIns="91425" bIns="91425" anchor="t" anchorCtr="0">
             <a:noAutofit/>
           </a:bodyPr>
           <a:lstStyle/>
           <a:p>
-            <a:pPr indent="0" lvl="0" marL="0" rtl="0" algn="l">
+            <a:pPr marL="0" lvl="0" indent="0" algn="l" rtl="0">
               <a:spcBef>
                 <a:spcPts val="0"/>
               </a:spcBef>
@@ -990,9 +1014,6 @@
               </a:spcAft>
               <a:buNone/>
             </a:pPr>
-            <a:r>
-              <a:t/>
-            </a:r>
             <a:endParaRPr/>
           </a:p>
         </p:txBody>
@@ -1006,11 +1027,11 @@
 </file>
 
 <file path=ppt/notesSlides/notesSlide2.xml><?xml version="1.0" encoding="utf-8"?>
-<p:notes xmlns:a="http://schemas.openxmlformats.org/drawingml/2006/main" xmlns:r="http://schemas.openxmlformats.org/officeDocument/2006/relationships" xmlns:mc="http://schemas.openxmlformats.org/markup-compatibility/2006" xmlns:mv="urn:schemas-microsoft-com:mac:vml" xmlns:p="http://schemas.openxmlformats.org/presentationml/2006/main" xmlns:c="http://schemas.openxmlformats.org/drawingml/2006/chart" xmlns:dgm="http://schemas.openxmlformats.org/drawingml/2006/diagram" xmlns:o="urn:schemas-microsoft-com:office:office" xmlns:v="urn:schemas-microsoft-com:vml" xmlns:pvml="urn:schemas-microsoft-com:office:powerpoint" xmlns:com="http://schemas.openxmlformats.org/drawingml/2006/compatibility" xmlns:p14="http://schemas.microsoft.com/office/powerpoint/2010/main" xmlns:p15="http://schemas.microsoft.com/office/powerpoint/2012/main" xmlns:ahyp="http://schemas.microsoft.com/office/drawing/2018/hyperlinkcolor" showMasterPhAnim="0" showMasterSp="0">
+<p:notes xmlns:a="http://schemas.openxmlformats.org/drawingml/2006/main" xmlns:r="http://schemas.openxmlformats.org/officeDocument/2006/relationships" xmlns:p="http://schemas.openxmlformats.org/presentationml/2006/main" showMasterSp="0" showMasterPhAnim="0">
   <p:cSld>
     <p:spTree>
       <p:nvGrpSpPr>
-        <p:cNvPr id="136" name="Shape 136"/>
+        <p:cNvPr id="1" name="Shape 136"/>
         <p:cNvGrpSpPr/>
         <p:nvPr/>
       </p:nvGrpSpPr>
@@ -1025,9 +1046,11 @@
       <p:sp>
         <p:nvSpPr>
           <p:cNvPr id="137" name="Google Shape;137;p7:notes"/>
-          <p:cNvSpPr/>
+          <p:cNvSpPr>
+            <a:spLocks noGrp="1" noRot="1" noChangeAspect="1"/>
+          </p:cNvSpPr>
           <p:nvPr>
-            <p:ph idx="2" type="sldImg"/>
+            <p:ph type="sldImg" idx="2"/>
           </p:nvPr>
         </p:nvSpPr>
         <p:spPr>
@@ -1036,9 +1059,13 @@
             <a:ext cx="6096000" cy="3429000"/>
           </a:xfrm>
           <a:custGeom>
-            <a:rect b="b" l="l" r="r" t="t"/>
+            <a:avLst/>
+            <a:gdLst/>
+            <a:ahLst/>
+            <a:cxnLst/>
+            <a:rect l="l" t="t" r="r" b="b"/>
             <a:pathLst>
-              <a:path extrusionOk="0" h="120000" w="120000">
+              <a:path w="120000" h="120000" extrusionOk="0">
                 <a:moveTo>
                   <a:pt x="0" y="0"/>
                 </a:moveTo>
@@ -1056,23 +1083,25 @@
             </a:pathLst>
           </a:custGeom>
           <a:noFill/>
-          <a:ln cap="flat" cmpd="sng" w="9525">
+          <a:ln w="9525" cap="flat" cmpd="sng">
             <a:solidFill>
               <a:srgbClr val="000000"/>
             </a:solidFill>
             <a:prstDash val="solid"/>
             <a:round/>
-            <a:headEnd len="sm" w="sm" type="none"/>
-            <a:tailEnd len="sm" w="sm" type="none"/>
+            <a:headEnd type="none" w="sm" len="sm"/>
+            <a:tailEnd type="none" w="sm" len="sm"/>
           </a:ln>
         </p:spPr>
       </p:sp>
       <p:sp>
         <p:nvSpPr>
           <p:cNvPr id="138" name="Google Shape;138;p7:notes"/>
-          <p:cNvSpPr txBox="1"/>
+          <p:cNvSpPr txBox="1">
+            <a:spLocks noGrp="1"/>
+          </p:cNvSpPr>
           <p:nvPr>
-            <p:ph idx="1" type="body"/>
+            <p:ph type="body" idx="1"/>
           </p:nvPr>
         </p:nvSpPr>
         <p:spPr>
@@ -1089,12 +1118,12 @@
           </a:ln>
         </p:spPr>
         <p:txBody>
-          <a:bodyPr anchorCtr="0" anchor="t" bIns="91425" lIns="91425" spcFirstLastPara="1" rIns="91425" wrap="square" tIns="91425">
+          <a:bodyPr spcFirstLastPara="1" wrap="square" lIns="91425" tIns="91425" rIns="91425" bIns="91425" anchor="t" anchorCtr="0">
             <a:noAutofit/>
           </a:bodyPr>
           <a:lstStyle/>
           <a:p>
-            <a:pPr indent="0" lvl="0" marL="0" marR="0" rtl="0" algn="l">
+            <a:pPr marL="0" marR="0" lvl="0" indent="0" algn="l" rtl="0">
               <a:spcBef>
                 <a:spcPts val="0"/>
               </a:spcBef>
@@ -1107,10 +1136,7 @@
               <a:buFont typeface="Arial"/>
               <a:buNone/>
             </a:pPr>
-            <a:r>
-              <a:t/>
-            </a:r>
-            <a:endParaRPr b="0" i="0" sz="1100" u="none" cap="none" strike="noStrike">
+            <a:endParaRPr sz="1100" b="0" i="0" u="none" strike="noStrike" cap="none">
               <a:solidFill>
                 <a:schemeClr val="dk1"/>
               </a:solidFill>
@@ -1131,11 +1157,11 @@
 </file>
 
 <file path=ppt/notesSlides/notesSlide3.xml><?xml version="1.0" encoding="utf-8"?>
-<p:notes xmlns:a="http://schemas.openxmlformats.org/drawingml/2006/main" xmlns:r="http://schemas.openxmlformats.org/officeDocument/2006/relationships" xmlns:mc="http://schemas.openxmlformats.org/markup-compatibility/2006" xmlns:mv="urn:schemas-microsoft-com:mac:vml" xmlns:p="http://schemas.openxmlformats.org/presentationml/2006/main" xmlns:c="http://schemas.openxmlformats.org/drawingml/2006/chart" xmlns:dgm="http://schemas.openxmlformats.org/drawingml/2006/diagram" xmlns:o="urn:schemas-microsoft-com:office:office" xmlns:v="urn:schemas-microsoft-com:vml" xmlns:pvml="urn:schemas-microsoft-com:office:powerpoint" xmlns:com="http://schemas.openxmlformats.org/drawingml/2006/compatibility" xmlns:p14="http://schemas.microsoft.com/office/powerpoint/2010/main" xmlns:p15="http://schemas.microsoft.com/office/powerpoint/2012/main" xmlns:ahyp="http://schemas.microsoft.com/office/drawing/2018/hyperlinkcolor" showMasterPhAnim="0" showMasterSp="0">
+<p:notes xmlns:a="http://schemas.openxmlformats.org/drawingml/2006/main" xmlns:r="http://schemas.openxmlformats.org/officeDocument/2006/relationships" xmlns:p="http://schemas.openxmlformats.org/presentationml/2006/main" showMasterSp="0" showMasterPhAnim="0">
   <p:cSld>
     <p:spTree>
       <p:nvGrpSpPr>
-        <p:cNvPr id="142" name="Shape 142"/>
+        <p:cNvPr id="1" name="Shape 142"/>
         <p:cNvGrpSpPr/>
         <p:nvPr/>
       </p:nvGrpSpPr>
@@ -1150,20 +1176,26 @@
       <p:sp>
         <p:nvSpPr>
           <p:cNvPr id="143" name="Google Shape;143;p9:notes"/>
-          <p:cNvSpPr/>
+          <p:cNvSpPr>
+            <a:spLocks noGrp="1" noRot="1" noChangeAspect="1"/>
+          </p:cNvSpPr>
           <p:nvPr>
-            <p:ph idx="2" type="sldImg"/>
+            <p:ph type="sldImg" idx="2"/>
           </p:nvPr>
         </p:nvSpPr>
         <p:spPr>
           <a:xfrm>
-            <a:off x="381300" y="685800"/>
+            <a:off x="381000" y="685800"/>
             <a:ext cx="6096000" cy="3429000"/>
           </a:xfrm>
           <a:custGeom>
-            <a:rect b="b" l="l" r="r" t="t"/>
+            <a:avLst/>
+            <a:gdLst/>
+            <a:ahLst/>
+            <a:cxnLst/>
+            <a:rect l="l" t="t" r="r" b="b"/>
             <a:pathLst>
-              <a:path extrusionOk="0" h="120000" w="120000">
+              <a:path w="120000" h="120000" extrusionOk="0">
                 <a:moveTo>
                   <a:pt x="0" y="0"/>
                 </a:moveTo>
@@ -1181,23 +1213,25 @@
             </a:pathLst>
           </a:custGeom>
           <a:noFill/>
-          <a:ln cap="flat" cmpd="sng" w="9525">
+          <a:ln w="9525" cap="flat" cmpd="sng">
             <a:solidFill>
               <a:srgbClr val="000000"/>
             </a:solidFill>
             <a:prstDash val="solid"/>
             <a:round/>
-            <a:headEnd len="sm" w="sm" type="none"/>
-            <a:tailEnd len="sm" w="sm" type="none"/>
+            <a:headEnd type="none" w="sm" len="sm"/>
+            <a:tailEnd type="none" w="sm" len="sm"/>
           </a:ln>
         </p:spPr>
       </p:sp>
       <p:sp>
         <p:nvSpPr>
           <p:cNvPr id="144" name="Google Shape;144;p9:notes"/>
-          <p:cNvSpPr txBox="1"/>
+          <p:cNvSpPr txBox="1">
+            <a:spLocks noGrp="1"/>
+          </p:cNvSpPr>
           <p:nvPr>
-            <p:ph idx="1" type="body"/>
+            <p:ph type="body" idx="1"/>
           </p:nvPr>
         </p:nvSpPr>
         <p:spPr>
@@ -1214,12 +1248,12 @@
           </a:ln>
         </p:spPr>
         <p:txBody>
-          <a:bodyPr anchorCtr="0" anchor="t" bIns="91425" lIns="91425" spcFirstLastPara="1" rIns="91425" wrap="square" tIns="91425">
+          <a:bodyPr spcFirstLastPara="1" wrap="square" lIns="91425" tIns="91425" rIns="91425" bIns="91425" anchor="t" anchorCtr="0">
             <a:noAutofit/>
           </a:bodyPr>
           <a:lstStyle/>
           <a:p>
-            <a:pPr indent="0" lvl="0" marL="0" marR="0" rtl="0" algn="l">
+            <a:pPr marL="0" marR="0" lvl="0" indent="0" algn="l" rtl="0">
               <a:spcBef>
                 <a:spcPts val="0"/>
               </a:spcBef>
@@ -1232,10 +1266,7 @@
               <a:buFont typeface="Arial"/>
               <a:buNone/>
             </a:pPr>
-            <a:r>
-              <a:t/>
-            </a:r>
-            <a:endParaRPr b="0" i="0" sz="1100" u="none" cap="none" strike="noStrike">
+            <a:endParaRPr sz="1100" b="0" i="0" u="none" strike="noStrike" cap="none">
               <a:solidFill>
                 <a:schemeClr val="dk1"/>
               </a:solidFill>
@@ -1256,11 +1287,11 @@
 </file>
 
 <file path=ppt/notesSlides/notesSlide4.xml><?xml version="1.0" encoding="utf-8"?>
-<p:notes xmlns:a="http://schemas.openxmlformats.org/drawingml/2006/main" xmlns:r="http://schemas.openxmlformats.org/officeDocument/2006/relationships" xmlns:mc="http://schemas.openxmlformats.org/markup-compatibility/2006" xmlns:mv="urn:schemas-microsoft-com:mac:vml" xmlns:p="http://schemas.openxmlformats.org/presentationml/2006/main" xmlns:c="http://schemas.openxmlformats.org/drawingml/2006/chart" xmlns:dgm="http://schemas.openxmlformats.org/drawingml/2006/diagram" xmlns:o="urn:schemas-microsoft-com:office:office" xmlns:v="urn:schemas-microsoft-com:vml" xmlns:pvml="urn:schemas-microsoft-com:office:powerpoint" xmlns:com="http://schemas.openxmlformats.org/drawingml/2006/compatibility" xmlns:p14="http://schemas.microsoft.com/office/powerpoint/2010/main" xmlns:p15="http://schemas.microsoft.com/office/powerpoint/2012/main" xmlns:ahyp="http://schemas.microsoft.com/office/drawing/2018/hyperlinkcolor" showMasterPhAnim="0" showMasterSp="0">
+<p:notes xmlns:a="http://schemas.openxmlformats.org/drawingml/2006/main" xmlns:r="http://schemas.openxmlformats.org/officeDocument/2006/relationships" xmlns:p="http://schemas.openxmlformats.org/presentationml/2006/main" showMasterSp="0" showMasterPhAnim="0">
   <p:cSld>
     <p:spTree>
       <p:nvGrpSpPr>
-        <p:cNvPr id="148" name="Shape 148"/>
+        <p:cNvPr id="1" name="Shape 148"/>
         <p:cNvGrpSpPr/>
         <p:nvPr/>
       </p:nvGrpSpPr>
@@ -1275,9 +1306,11 @@
       <p:sp>
         <p:nvSpPr>
           <p:cNvPr id="149" name="Google Shape;149;g213ad2c65c_0_38:notes"/>
-          <p:cNvSpPr/>
+          <p:cNvSpPr>
+            <a:spLocks noGrp="1" noRot="1" noChangeAspect="1"/>
+          </p:cNvSpPr>
           <p:nvPr>
-            <p:ph idx="2" type="sldImg"/>
+            <p:ph type="sldImg" idx="2"/>
           </p:nvPr>
         </p:nvSpPr>
         <p:spPr>
@@ -1286,9 +1319,13 @@
             <a:ext cx="6096000" cy="3429000"/>
           </a:xfrm>
           <a:custGeom>
-            <a:rect b="b" l="l" r="r" t="t"/>
+            <a:avLst/>
+            <a:gdLst/>
+            <a:ahLst/>
+            <a:cxnLst/>
+            <a:rect l="l" t="t" r="r" b="b"/>
             <a:pathLst>
-              <a:path extrusionOk="0" h="120000" w="120000">
+              <a:path w="120000" h="120000" extrusionOk="0">
                 <a:moveTo>
                   <a:pt x="0" y="0"/>
                 </a:moveTo>
@@ -1310,9 +1347,11 @@
       <p:sp>
         <p:nvSpPr>
           <p:cNvPr id="150" name="Google Shape;150;g213ad2c65c_0_38:notes"/>
-          <p:cNvSpPr txBox="1"/>
+          <p:cNvSpPr txBox="1">
+            <a:spLocks noGrp="1"/>
+          </p:cNvSpPr>
           <p:nvPr>
-            <p:ph idx="1" type="body"/>
+            <p:ph type="body" idx="1"/>
           </p:nvPr>
         </p:nvSpPr>
         <p:spPr>
@@ -1325,12 +1364,12 @@
           </a:prstGeom>
         </p:spPr>
         <p:txBody>
-          <a:bodyPr anchorCtr="0" anchor="t" bIns="91425" lIns="91425" spcFirstLastPara="1" rIns="91425" wrap="square" tIns="91425">
+          <a:bodyPr spcFirstLastPara="1" wrap="square" lIns="91425" tIns="91425" rIns="91425" bIns="91425" anchor="t" anchorCtr="0">
             <a:noAutofit/>
           </a:bodyPr>
           <a:lstStyle/>
           <a:p>
-            <a:pPr indent="0" lvl="0" marL="0" rtl="0" algn="l">
+            <a:pPr marL="0" lvl="0" indent="0" algn="l" rtl="0">
               <a:spcBef>
                 <a:spcPts val="0"/>
               </a:spcBef>
@@ -1339,9 +1378,6 @@
               </a:spcAft>
               <a:buNone/>
             </a:pPr>
-            <a:r>
-              <a:t/>
-            </a:r>
             <a:endParaRPr/>
           </a:p>
         </p:txBody>
@@ -1355,11 +1391,11 @@
 </file>
 
 <file path=ppt/notesSlides/notesSlide5.xml><?xml version="1.0" encoding="utf-8"?>
-<p:notes xmlns:a="http://schemas.openxmlformats.org/drawingml/2006/main" xmlns:r="http://schemas.openxmlformats.org/officeDocument/2006/relationships" xmlns:mc="http://schemas.openxmlformats.org/markup-compatibility/2006" xmlns:mv="urn:schemas-microsoft-com:mac:vml" xmlns:p="http://schemas.openxmlformats.org/presentationml/2006/main" xmlns:c="http://schemas.openxmlformats.org/drawingml/2006/chart" xmlns:dgm="http://schemas.openxmlformats.org/drawingml/2006/diagram" xmlns:o="urn:schemas-microsoft-com:office:office" xmlns:v="urn:schemas-microsoft-com:vml" xmlns:pvml="urn:schemas-microsoft-com:office:powerpoint" xmlns:com="http://schemas.openxmlformats.org/drawingml/2006/compatibility" xmlns:p14="http://schemas.microsoft.com/office/powerpoint/2010/main" xmlns:p15="http://schemas.microsoft.com/office/powerpoint/2012/main" xmlns:ahyp="http://schemas.microsoft.com/office/drawing/2018/hyperlinkcolor" showMasterPhAnim="0" showMasterSp="0">
+<p:notes xmlns:a="http://schemas.openxmlformats.org/drawingml/2006/main" xmlns:r="http://schemas.openxmlformats.org/officeDocument/2006/relationships" xmlns:p="http://schemas.openxmlformats.org/presentationml/2006/main" showMasterSp="0" showMasterPhAnim="0">
   <p:cSld>
     <p:spTree>
       <p:nvGrpSpPr>
-        <p:cNvPr id="154" name="Shape 154"/>
+        <p:cNvPr id="1" name="Shape 154"/>
         <p:cNvGrpSpPr/>
         <p:nvPr/>
       </p:nvGrpSpPr>
@@ -1374,9 +1410,11 @@
       <p:sp>
         <p:nvSpPr>
           <p:cNvPr id="155" name="Google Shape;155;p11:notes"/>
-          <p:cNvSpPr/>
+          <p:cNvSpPr>
+            <a:spLocks noGrp="1" noRot="1" noChangeAspect="1"/>
+          </p:cNvSpPr>
           <p:nvPr>
-            <p:ph idx="2" type="sldImg"/>
+            <p:ph type="sldImg" idx="2"/>
           </p:nvPr>
         </p:nvSpPr>
         <p:spPr>
@@ -1385,9 +1423,13 @@
             <a:ext cx="6096000" cy="3429000"/>
           </a:xfrm>
           <a:custGeom>
-            <a:rect b="b" l="l" r="r" t="t"/>
+            <a:avLst/>
+            <a:gdLst/>
+            <a:ahLst/>
+            <a:cxnLst/>
+            <a:rect l="l" t="t" r="r" b="b"/>
             <a:pathLst>
-              <a:path extrusionOk="0" h="120000" w="120000">
+              <a:path w="120000" h="120000" extrusionOk="0">
                 <a:moveTo>
                   <a:pt x="0" y="0"/>
                 </a:moveTo>
@@ -1405,23 +1447,25 @@
             </a:pathLst>
           </a:custGeom>
           <a:noFill/>
-          <a:ln cap="flat" cmpd="sng" w="9525">
+          <a:ln w="9525" cap="flat" cmpd="sng">
             <a:solidFill>
               <a:srgbClr val="000000"/>
             </a:solidFill>
             <a:prstDash val="solid"/>
             <a:round/>
-            <a:headEnd len="sm" w="sm" type="none"/>
-            <a:tailEnd len="sm" w="sm" type="none"/>
+            <a:headEnd type="none" w="sm" len="sm"/>
+            <a:tailEnd type="none" w="sm" len="sm"/>
           </a:ln>
         </p:spPr>
       </p:sp>
       <p:sp>
         <p:nvSpPr>
           <p:cNvPr id="156" name="Google Shape;156;p11:notes"/>
-          <p:cNvSpPr txBox="1"/>
+          <p:cNvSpPr txBox="1">
+            <a:spLocks noGrp="1"/>
+          </p:cNvSpPr>
           <p:nvPr>
-            <p:ph idx="1" type="body"/>
+            <p:ph type="body" idx="1"/>
           </p:nvPr>
         </p:nvSpPr>
         <p:spPr>
@@ -1438,12 +1482,12 @@
           </a:ln>
         </p:spPr>
         <p:txBody>
-          <a:bodyPr anchorCtr="0" anchor="t" bIns="91425" lIns="91425" spcFirstLastPara="1" rIns="91425" wrap="square" tIns="91425">
+          <a:bodyPr spcFirstLastPara="1" wrap="square" lIns="91425" tIns="91425" rIns="91425" bIns="91425" anchor="t" anchorCtr="0">
             <a:noAutofit/>
           </a:bodyPr>
           <a:lstStyle/>
           <a:p>
-            <a:pPr indent="0" lvl="0" marL="0" marR="0" rtl="0" algn="l">
+            <a:pPr marL="0" marR="0" lvl="0" indent="0" algn="l" rtl="0">
               <a:spcBef>
                 <a:spcPts val="0"/>
               </a:spcBef>
@@ -1456,10 +1500,7 @@
               <a:buFont typeface="Arial"/>
               <a:buNone/>
             </a:pPr>
-            <a:r>
-              <a:t/>
-            </a:r>
-            <a:endParaRPr b="0" i="0" sz="1100" u="none" cap="none" strike="noStrike">
+            <a:endParaRPr sz="1100" b="0" i="0" u="none" strike="noStrike" cap="none">
               <a:solidFill>
                 <a:schemeClr val="dk1"/>
               </a:solidFill>
@@ -1480,11 +1521,11 @@
 </file>
 
 <file path=ppt/notesSlides/notesSlide6.xml><?xml version="1.0" encoding="utf-8"?>
-<p:notes xmlns:a="http://schemas.openxmlformats.org/drawingml/2006/main" xmlns:r="http://schemas.openxmlformats.org/officeDocument/2006/relationships" xmlns:mc="http://schemas.openxmlformats.org/markup-compatibility/2006" xmlns:mv="urn:schemas-microsoft-com:mac:vml" xmlns:p="http://schemas.openxmlformats.org/presentationml/2006/main" xmlns:c="http://schemas.openxmlformats.org/drawingml/2006/chart" xmlns:dgm="http://schemas.openxmlformats.org/drawingml/2006/diagram" xmlns:o="urn:schemas-microsoft-com:office:office" xmlns:v="urn:schemas-microsoft-com:vml" xmlns:pvml="urn:schemas-microsoft-com:office:powerpoint" xmlns:com="http://schemas.openxmlformats.org/drawingml/2006/compatibility" xmlns:p14="http://schemas.microsoft.com/office/powerpoint/2010/main" xmlns:p15="http://schemas.microsoft.com/office/powerpoint/2012/main" xmlns:ahyp="http://schemas.microsoft.com/office/drawing/2018/hyperlinkcolor" showMasterPhAnim="0" showMasterSp="0">
+<p:notes xmlns:a="http://schemas.openxmlformats.org/drawingml/2006/main" xmlns:r="http://schemas.openxmlformats.org/officeDocument/2006/relationships" xmlns:p="http://schemas.openxmlformats.org/presentationml/2006/main" showMasterSp="0" showMasterPhAnim="0">
   <p:cSld>
     <p:spTree>
       <p:nvGrpSpPr>
-        <p:cNvPr id="160" name="Shape 160"/>
+        <p:cNvPr id="1" name="Shape 160"/>
         <p:cNvGrpSpPr/>
         <p:nvPr/>
       </p:nvGrpSpPr>
@@ -1499,9 +1540,11 @@
       <p:sp>
         <p:nvSpPr>
           <p:cNvPr id="161" name="Google Shape;161;p13:notes"/>
-          <p:cNvSpPr/>
+          <p:cNvSpPr>
+            <a:spLocks noGrp="1" noRot="1" noChangeAspect="1"/>
+          </p:cNvSpPr>
           <p:nvPr>
-            <p:ph idx="2" type="sldImg"/>
+            <p:ph type="sldImg" idx="2"/>
           </p:nvPr>
         </p:nvSpPr>
         <p:spPr>
@@ -1510,9 +1553,13 @@
             <a:ext cx="6096000" cy="3429000"/>
           </a:xfrm>
           <a:custGeom>
-            <a:rect b="b" l="l" r="r" t="t"/>
+            <a:avLst/>
+            <a:gdLst/>
+            <a:ahLst/>
+            <a:cxnLst/>
+            <a:rect l="l" t="t" r="r" b="b"/>
             <a:pathLst>
-              <a:path extrusionOk="0" h="120000" w="120000">
+              <a:path w="120000" h="120000" extrusionOk="0">
                 <a:moveTo>
                   <a:pt x="0" y="0"/>
                 </a:moveTo>
@@ -1530,23 +1577,25 @@
             </a:pathLst>
           </a:custGeom>
           <a:noFill/>
-          <a:ln cap="flat" cmpd="sng" w="9525">
+          <a:ln w="9525" cap="flat" cmpd="sng">
             <a:solidFill>
               <a:srgbClr val="000000"/>
             </a:solidFill>
             <a:prstDash val="solid"/>
             <a:round/>
-            <a:headEnd len="sm" w="sm" type="none"/>
-            <a:tailEnd len="sm" w="sm" type="none"/>
+            <a:headEnd type="none" w="sm" len="sm"/>
+            <a:tailEnd type="none" w="sm" len="sm"/>
           </a:ln>
         </p:spPr>
       </p:sp>
       <p:sp>
         <p:nvSpPr>
           <p:cNvPr id="162" name="Google Shape;162;p13:notes"/>
-          <p:cNvSpPr txBox="1"/>
+          <p:cNvSpPr txBox="1">
+            <a:spLocks noGrp="1"/>
+          </p:cNvSpPr>
           <p:nvPr>
-            <p:ph idx="1" type="body"/>
+            <p:ph type="body" idx="1"/>
           </p:nvPr>
         </p:nvSpPr>
         <p:spPr>
@@ -1563,12 +1612,12 @@
           </a:ln>
         </p:spPr>
         <p:txBody>
-          <a:bodyPr anchorCtr="0" anchor="t" bIns="91425" lIns="91425" spcFirstLastPara="1" rIns="91425" wrap="square" tIns="91425">
+          <a:bodyPr spcFirstLastPara="1" wrap="square" lIns="91425" tIns="91425" rIns="91425" bIns="91425" anchor="t" anchorCtr="0">
             <a:noAutofit/>
           </a:bodyPr>
           <a:lstStyle/>
           <a:p>
-            <a:pPr indent="0" lvl="0" marL="0" marR="0" rtl="0" algn="l">
+            <a:pPr marL="0" marR="0" lvl="0" indent="0" algn="l" rtl="0">
               <a:spcBef>
                 <a:spcPts val="0"/>
               </a:spcBef>
@@ -1581,10 +1630,7 @@
               <a:buFont typeface="Arial"/>
               <a:buNone/>
             </a:pPr>
-            <a:r>
-              <a:t/>
-            </a:r>
-            <a:endParaRPr b="0" i="0" sz="1100" u="none" cap="none" strike="noStrike">
+            <a:endParaRPr sz="1100" b="0" i="0" u="none" strike="noStrike" cap="none">
               <a:solidFill>
                 <a:schemeClr val="dk1"/>
               </a:solidFill>
@@ -1605,11 +1651,11 @@
 </file>
 
 <file path=ppt/notesSlides/notesSlide7.xml><?xml version="1.0" encoding="utf-8"?>
-<p:notes xmlns:a="http://schemas.openxmlformats.org/drawingml/2006/main" xmlns:r="http://schemas.openxmlformats.org/officeDocument/2006/relationships" xmlns:mc="http://schemas.openxmlformats.org/markup-compatibility/2006" xmlns:mv="urn:schemas-microsoft-com:mac:vml" xmlns:p="http://schemas.openxmlformats.org/presentationml/2006/main" xmlns:c="http://schemas.openxmlformats.org/drawingml/2006/chart" xmlns:dgm="http://schemas.openxmlformats.org/drawingml/2006/diagram" xmlns:o="urn:schemas-microsoft-com:office:office" xmlns:v="urn:schemas-microsoft-com:vml" xmlns:pvml="urn:schemas-microsoft-com:office:powerpoint" xmlns:com="http://schemas.openxmlformats.org/drawingml/2006/compatibility" xmlns:p14="http://schemas.microsoft.com/office/powerpoint/2010/main" xmlns:p15="http://schemas.microsoft.com/office/powerpoint/2012/main" xmlns:ahyp="http://schemas.microsoft.com/office/drawing/2018/hyperlinkcolor" showMasterPhAnim="0" showMasterSp="0">
+<p:notes xmlns:a="http://schemas.openxmlformats.org/drawingml/2006/main" xmlns:r="http://schemas.openxmlformats.org/officeDocument/2006/relationships" xmlns:p="http://schemas.openxmlformats.org/presentationml/2006/main" showMasterSp="0" showMasterPhAnim="0">
   <p:cSld>
     <p:spTree>
       <p:nvGrpSpPr>
-        <p:cNvPr id="166" name="Shape 166"/>
+        <p:cNvPr id="1" name="Shape 166"/>
         <p:cNvGrpSpPr/>
         <p:nvPr/>
       </p:nvGrpSpPr>
@@ -1624,9 +1670,11 @@
       <p:sp>
         <p:nvSpPr>
           <p:cNvPr id="167" name="Google Shape;167;p15:notes"/>
-          <p:cNvSpPr/>
+          <p:cNvSpPr>
+            <a:spLocks noGrp="1" noRot="1" noChangeAspect="1"/>
+          </p:cNvSpPr>
           <p:nvPr>
-            <p:ph idx="2" type="sldImg"/>
+            <p:ph type="sldImg" idx="2"/>
           </p:nvPr>
         </p:nvSpPr>
         <p:spPr>
@@ -1635,9 +1683,13 @@
             <a:ext cx="6096000" cy="3429000"/>
           </a:xfrm>
           <a:custGeom>
-            <a:rect b="b" l="l" r="r" t="t"/>
+            <a:avLst/>
+            <a:gdLst/>
+            <a:ahLst/>
+            <a:cxnLst/>
+            <a:rect l="l" t="t" r="r" b="b"/>
             <a:pathLst>
-              <a:path extrusionOk="0" h="120000" w="120000">
+              <a:path w="120000" h="120000" extrusionOk="0">
                 <a:moveTo>
                   <a:pt x="0" y="0"/>
                 </a:moveTo>
@@ -1655,23 +1707,25 @@
             </a:pathLst>
           </a:custGeom>
           <a:noFill/>
-          <a:ln cap="flat" cmpd="sng" w="9525">
+          <a:ln w="9525" cap="flat" cmpd="sng">
             <a:solidFill>
               <a:srgbClr val="000000"/>
             </a:solidFill>
             <a:prstDash val="solid"/>
             <a:round/>
-            <a:headEnd len="sm" w="sm" type="none"/>
-            <a:tailEnd len="sm" w="sm" type="none"/>
+            <a:headEnd type="none" w="sm" len="sm"/>
+            <a:tailEnd type="none" w="sm" len="sm"/>
           </a:ln>
         </p:spPr>
       </p:sp>
       <p:sp>
         <p:nvSpPr>
           <p:cNvPr id="168" name="Google Shape;168;p15:notes"/>
-          <p:cNvSpPr txBox="1"/>
+          <p:cNvSpPr txBox="1">
+            <a:spLocks noGrp="1"/>
+          </p:cNvSpPr>
           <p:nvPr>
-            <p:ph idx="1" type="body"/>
+            <p:ph type="body" idx="1"/>
           </p:nvPr>
         </p:nvSpPr>
         <p:spPr>
@@ -1688,12 +1742,12 @@
           </a:ln>
         </p:spPr>
         <p:txBody>
-          <a:bodyPr anchorCtr="0" anchor="t" bIns="91425" lIns="91425" spcFirstLastPara="1" rIns="91425" wrap="square" tIns="91425">
+          <a:bodyPr spcFirstLastPara="1" wrap="square" lIns="91425" tIns="91425" rIns="91425" bIns="91425" anchor="t" anchorCtr="0">
             <a:noAutofit/>
           </a:bodyPr>
           <a:lstStyle/>
           <a:p>
-            <a:pPr indent="0" lvl="0" marL="0" marR="0" rtl="0" algn="l">
+            <a:pPr marL="0" marR="0" lvl="0" indent="0" algn="l" rtl="0">
               <a:spcBef>
                 <a:spcPts val="0"/>
               </a:spcBef>
@@ -1706,10 +1760,7 @@
               <a:buFont typeface="Arial"/>
               <a:buNone/>
             </a:pPr>
-            <a:r>
-              <a:t/>
-            </a:r>
-            <a:endParaRPr b="0" i="0" sz="1100" u="none" cap="none" strike="noStrike">
+            <a:endParaRPr sz="1100" b="0" i="0" u="none" strike="noStrike" cap="none">
               <a:solidFill>
                 <a:schemeClr val="dk1"/>
               </a:solidFill>
@@ -1730,11 +1781,11 @@
 </file>
 
 <file path=ppt/notesSlides/notesSlide8.xml><?xml version="1.0" encoding="utf-8"?>
-<p:notes xmlns:a="http://schemas.openxmlformats.org/drawingml/2006/main" xmlns:r="http://schemas.openxmlformats.org/officeDocument/2006/relationships" xmlns:mc="http://schemas.openxmlformats.org/markup-compatibility/2006" xmlns:mv="urn:schemas-microsoft-com:mac:vml" xmlns:p="http://schemas.openxmlformats.org/presentationml/2006/main" xmlns:c="http://schemas.openxmlformats.org/drawingml/2006/chart" xmlns:dgm="http://schemas.openxmlformats.org/drawingml/2006/diagram" xmlns:o="urn:schemas-microsoft-com:office:office" xmlns:v="urn:schemas-microsoft-com:vml" xmlns:pvml="urn:schemas-microsoft-com:office:powerpoint" xmlns:com="http://schemas.openxmlformats.org/drawingml/2006/compatibility" xmlns:p14="http://schemas.microsoft.com/office/powerpoint/2010/main" xmlns:p15="http://schemas.microsoft.com/office/powerpoint/2012/main" xmlns:ahyp="http://schemas.microsoft.com/office/drawing/2018/hyperlinkcolor" showMasterPhAnim="0" showMasterSp="0">
+<p:notes xmlns:a="http://schemas.openxmlformats.org/drawingml/2006/main" xmlns:r="http://schemas.openxmlformats.org/officeDocument/2006/relationships" xmlns:p="http://schemas.openxmlformats.org/presentationml/2006/main" showMasterSp="0" showMasterPhAnim="0">
   <p:cSld>
     <p:spTree>
       <p:nvGrpSpPr>
-        <p:cNvPr id="172" name="Shape 172"/>
+        <p:cNvPr id="1" name="Shape 172"/>
         <p:cNvGrpSpPr/>
         <p:nvPr/>
       </p:nvGrpSpPr>
@@ -1749,9 +1800,11 @@
       <p:sp>
         <p:nvSpPr>
           <p:cNvPr id="173" name="Google Shape;173;p19:notes"/>
-          <p:cNvSpPr/>
+          <p:cNvSpPr>
+            <a:spLocks noGrp="1" noRot="1" noChangeAspect="1"/>
+          </p:cNvSpPr>
           <p:nvPr>
-            <p:ph idx="2" type="sldImg"/>
+            <p:ph type="sldImg" idx="2"/>
           </p:nvPr>
         </p:nvSpPr>
         <p:spPr>
@@ -1760,9 +1813,13 @@
             <a:ext cx="6096000" cy="3429000"/>
           </a:xfrm>
           <a:custGeom>
-            <a:rect b="b" l="l" r="r" t="t"/>
+            <a:avLst/>
+            <a:gdLst/>
+            <a:ahLst/>
+            <a:cxnLst/>
+            <a:rect l="l" t="t" r="r" b="b"/>
             <a:pathLst>
-              <a:path extrusionOk="0" h="120000" w="120000">
+              <a:path w="120000" h="120000" extrusionOk="0">
                 <a:moveTo>
                   <a:pt x="0" y="0"/>
                 </a:moveTo>
@@ -1780,23 +1837,25 @@
             </a:pathLst>
           </a:custGeom>
           <a:noFill/>
-          <a:ln cap="flat" cmpd="sng" w="9525">
+          <a:ln w="9525" cap="flat" cmpd="sng">
             <a:solidFill>
               <a:srgbClr val="000000"/>
             </a:solidFill>
             <a:prstDash val="solid"/>
             <a:round/>
-            <a:headEnd len="sm" w="sm" type="none"/>
-            <a:tailEnd len="sm" w="sm" type="none"/>
+            <a:headEnd type="none" w="sm" len="sm"/>
+            <a:tailEnd type="none" w="sm" len="sm"/>
           </a:ln>
         </p:spPr>
       </p:sp>
       <p:sp>
         <p:nvSpPr>
           <p:cNvPr id="174" name="Google Shape;174;p19:notes"/>
-          <p:cNvSpPr txBox="1"/>
+          <p:cNvSpPr txBox="1">
+            <a:spLocks noGrp="1"/>
+          </p:cNvSpPr>
           <p:nvPr>
-            <p:ph idx="1" type="body"/>
+            <p:ph type="body" idx="1"/>
           </p:nvPr>
         </p:nvSpPr>
         <p:spPr>
@@ -1813,12 +1872,12 @@
           </a:ln>
         </p:spPr>
         <p:txBody>
-          <a:bodyPr anchorCtr="0" anchor="t" bIns="91425" lIns="91425" spcFirstLastPara="1" rIns="91425" wrap="square" tIns="91425">
+          <a:bodyPr spcFirstLastPara="1" wrap="square" lIns="91425" tIns="91425" rIns="91425" bIns="91425" anchor="t" anchorCtr="0">
             <a:noAutofit/>
           </a:bodyPr>
           <a:lstStyle/>
           <a:p>
-            <a:pPr indent="0" lvl="0" marL="0" marR="0" rtl="0" algn="l">
+            <a:pPr marL="0" marR="0" lvl="0" indent="0" algn="l" rtl="0">
               <a:spcBef>
                 <a:spcPts val="0"/>
               </a:spcBef>
@@ -1831,10 +1890,7 @@
               <a:buFont typeface="Arial"/>
               <a:buNone/>
             </a:pPr>
-            <a:r>
-              <a:t/>
-            </a:r>
-            <a:endParaRPr b="0" i="0" sz="1100" u="none" cap="none" strike="noStrike">
+            <a:endParaRPr sz="1100" b="0" i="0" u="none" strike="noStrike" cap="none">
               <a:solidFill>
                 <a:schemeClr val="dk1"/>
               </a:solidFill>
@@ -1855,11 +1911,11 @@
 </file>
 
 <file path=ppt/notesSlides/notesSlide9.xml><?xml version="1.0" encoding="utf-8"?>
-<p:notes xmlns:a="http://schemas.openxmlformats.org/drawingml/2006/main" xmlns:r="http://schemas.openxmlformats.org/officeDocument/2006/relationships" xmlns:mc="http://schemas.openxmlformats.org/markup-compatibility/2006" xmlns:mv="urn:schemas-microsoft-com:mac:vml" xmlns:p="http://schemas.openxmlformats.org/presentationml/2006/main" xmlns:c="http://schemas.openxmlformats.org/drawingml/2006/chart" xmlns:dgm="http://schemas.openxmlformats.org/drawingml/2006/diagram" xmlns:o="urn:schemas-microsoft-com:office:office" xmlns:v="urn:schemas-microsoft-com:vml" xmlns:pvml="urn:schemas-microsoft-com:office:powerpoint" xmlns:com="http://schemas.openxmlformats.org/drawingml/2006/compatibility" xmlns:p14="http://schemas.microsoft.com/office/powerpoint/2010/main" xmlns:p15="http://schemas.microsoft.com/office/powerpoint/2012/main" xmlns:ahyp="http://schemas.microsoft.com/office/drawing/2018/hyperlinkcolor" showMasterPhAnim="0" showMasterSp="0">
+<p:notes xmlns:a="http://schemas.openxmlformats.org/drawingml/2006/main" xmlns:r="http://schemas.openxmlformats.org/officeDocument/2006/relationships" xmlns:p="http://schemas.openxmlformats.org/presentationml/2006/main" showMasterSp="0" showMasterPhAnim="0">
   <p:cSld>
     <p:spTree>
       <p:nvGrpSpPr>
-        <p:cNvPr id="178" name="Shape 178"/>
+        <p:cNvPr id="1" name="Shape 178"/>
         <p:cNvGrpSpPr/>
         <p:nvPr/>
       </p:nvGrpSpPr>
@@ -1874,9 +1930,11 @@
       <p:sp>
         <p:nvSpPr>
           <p:cNvPr id="179" name="Google Shape;179;g213ad2c65c_0_6:notes"/>
-          <p:cNvSpPr/>
+          <p:cNvSpPr>
+            <a:spLocks noGrp="1" noRot="1" noChangeAspect="1"/>
+          </p:cNvSpPr>
           <p:nvPr>
-            <p:ph idx="2" type="sldImg"/>
+            <p:ph type="sldImg" idx="2"/>
           </p:nvPr>
         </p:nvSpPr>
         <p:spPr>
@@ -1885,9 +1943,13 @@
             <a:ext cx="6096000" cy="3429000"/>
           </a:xfrm>
           <a:custGeom>
-            <a:rect b="b" l="l" r="r" t="t"/>
+            <a:avLst/>
+            <a:gdLst/>
+            <a:ahLst/>
+            <a:cxnLst/>
+            <a:rect l="l" t="t" r="r" b="b"/>
             <a:pathLst>
-              <a:path extrusionOk="0" h="120000" w="120000">
+              <a:path w="120000" h="120000" extrusionOk="0">
                 <a:moveTo>
                   <a:pt x="0" y="0"/>
                 </a:moveTo>
@@ -1905,23 +1967,25 @@
             </a:pathLst>
           </a:custGeom>
           <a:noFill/>
-          <a:ln cap="flat" cmpd="sng" w="9525">
+          <a:ln w="9525" cap="flat" cmpd="sng">
             <a:solidFill>
               <a:srgbClr val="000000"/>
             </a:solidFill>
             <a:prstDash val="solid"/>
             <a:round/>
-            <a:headEnd len="sm" w="sm" type="none"/>
-            <a:tailEnd len="sm" w="sm" type="none"/>
+            <a:headEnd type="none" w="sm" len="sm"/>
+            <a:tailEnd type="none" w="sm" len="sm"/>
           </a:ln>
         </p:spPr>
       </p:sp>
       <p:sp>
         <p:nvSpPr>
           <p:cNvPr id="180" name="Google Shape;180;g213ad2c65c_0_6:notes"/>
-          <p:cNvSpPr txBox="1"/>
+          <p:cNvSpPr txBox="1">
+            <a:spLocks noGrp="1"/>
+          </p:cNvSpPr>
           <p:nvPr>
-            <p:ph idx="1" type="body"/>
+            <p:ph type="body" idx="1"/>
           </p:nvPr>
         </p:nvSpPr>
         <p:spPr>
@@ -1938,12 +2002,12 @@
           </a:ln>
         </p:spPr>
         <p:txBody>
-          <a:bodyPr anchorCtr="0" anchor="t" bIns="91425" lIns="91425" spcFirstLastPara="1" rIns="91425" wrap="square" tIns="91425">
+          <a:bodyPr spcFirstLastPara="1" wrap="square" lIns="91425" tIns="91425" rIns="91425" bIns="91425" anchor="t" anchorCtr="0">
             <a:noAutofit/>
           </a:bodyPr>
           <a:lstStyle/>
           <a:p>
-            <a:pPr indent="0" lvl="0" marL="0" marR="0" rtl="0" algn="l">
+            <a:pPr marL="0" marR="0" lvl="0" indent="0" algn="l" rtl="0">
               <a:spcBef>
                 <a:spcPts val="0"/>
               </a:spcBef>
@@ -1956,10 +2020,7 @@
               <a:buFont typeface="Arial"/>
               <a:buNone/>
             </a:pPr>
-            <a:r>
-              <a:t/>
-            </a:r>
-            <a:endParaRPr b="0" i="0" sz="1100" u="none" cap="none" strike="noStrike">
+            <a:endParaRPr sz="1100" b="0" i="0" u="none" strike="noStrike" cap="none">
               <a:solidFill>
                 <a:schemeClr val="dk1"/>
               </a:solidFill>
@@ -1980,11 +2041,11 @@
 </file>
 
 <file path=ppt/slideLayouts/slideLayout1.xml><?xml version="1.0" encoding="utf-8"?>
-<p:sldLayout xmlns:a="http://schemas.openxmlformats.org/drawingml/2006/main" xmlns:r="http://schemas.openxmlformats.org/officeDocument/2006/relationships" xmlns:mc="http://schemas.openxmlformats.org/markup-compatibility/2006" xmlns:mv="urn:schemas-microsoft-com:mac:vml" xmlns:p="http://schemas.openxmlformats.org/presentationml/2006/main" xmlns:c="http://schemas.openxmlformats.org/drawingml/2006/chart" xmlns:dgm="http://schemas.openxmlformats.org/drawingml/2006/diagram" xmlns:o="urn:schemas-microsoft-com:office:office" xmlns:v="urn:schemas-microsoft-com:vml" xmlns:pvml="urn:schemas-microsoft-com:office:powerpoint" xmlns:com="http://schemas.openxmlformats.org/drawingml/2006/compatibility" xmlns:p14="http://schemas.microsoft.com/office/powerpoint/2010/main" xmlns:p15="http://schemas.microsoft.com/office/powerpoint/2012/main" xmlns:ahyp="http://schemas.microsoft.com/office/drawing/2018/hyperlinkcolor" matchingName="Title slide" type="title">
+<p:sldLayout xmlns:a="http://schemas.openxmlformats.org/drawingml/2006/main" xmlns:r="http://schemas.openxmlformats.org/officeDocument/2006/relationships" xmlns:p="http://schemas.openxmlformats.org/presentationml/2006/main" matchingName="Title slide" type="title">
   <p:cSld name="TITLE">
     <p:spTree>
       <p:nvGrpSpPr>
-        <p:cNvPr id="9" name="Shape 9"/>
+        <p:cNvPr id="1" name="Shape 9"/>
         <p:cNvGrpSpPr/>
         <p:nvPr/>
       </p:nvGrpSpPr>
@@ -2009,7 +2070,7 @@
           </a:xfrm>
           <a:prstGeom prst="diagStripe">
             <a:avLst>
-              <a:gd fmla="val 0" name="adj"/>
+              <a:gd name="adj" fmla="val 0"/>
             </a:avLst>
           </a:prstGeom>
           <a:solidFill>
@@ -2022,12 +2083,12 @@
           </a:ln>
         </p:spPr>
         <p:txBody>
-          <a:bodyPr anchorCtr="0" anchor="ctr" bIns="91425" lIns="91425" spcFirstLastPara="1" rIns="91425" wrap="square" tIns="91425">
+          <a:bodyPr spcFirstLastPara="1" wrap="square" lIns="91425" tIns="91425" rIns="91425" bIns="91425" anchor="ctr" anchorCtr="0">
             <a:noAutofit/>
           </a:bodyPr>
           <a:lstStyle/>
           <a:p>
-            <a:pPr indent="0" lvl="0" marL="0" rtl="0" algn="l">
+            <a:pPr marL="0" lvl="0" indent="0" algn="l" rtl="0">
               <a:spcBef>
                 <a:spcPts val="0"/>
               </a:spcBef>
@@ -2036,9 +2097,6 @@
               </a:spcAft>
               <a:buNone/>
             </a:pPr>
-            <a:r>
-              <a:t/>
-            </a:r>
             <a:endParaRPr/>
           </a:p>
         </p:txBody>
@@ -2070,7 +2128,7 @@
             </a:xfrm>
             <a:prstGeom prst="diagStripe">
               <a:avLst>
-                <a:gd fmla="val 50000" name="adj"/>
+                <a:gd name="adj" fmla="val 50000"/>
               </a:avLst>
             </a:prstGeom>
             <a:solidFill>
@@ -2083,12 +2141,12 @@
             </a:ln>
           </p:spPr>
           <p:txBody>
-            <a:bodyPr anchorCtr="0" anchor="ctr" bIns="91425" lIns="91425" spcFirstLastPara="1" rIns="91425" wrap="square" tIns="91425">
+            <a:bodyPr spcFirstLastPara="1" wrap="square" lIns="91425" tIns="91425" rIns="91425" bIns="91425" anchor="ctr" anchorCtr="0">
               <a:noAutofit/>
             </a:bodyPr>
             <a:lstStyle/>
             <a:p>
-              <a:pPr indent="0" lvl="0" marL="0" rtl="0" algn="l">
+              <a:pPr marL="0" lvl="0" indent="0" algn="l" rtl="0">
                 <a:spcBef>
                   <a:spcPts val="0"/>
                 </a:spcBef>
@@ -2097,9 +2155,6 @@
                 </a:spcAft>
                 <a:buNone/>
               </a:pPr>
-              <a:r>
-                <a:t/>
-              </a:r>
               <a:endParaRPr/>
             </a:p>
           </p:txBody>
@@ -2117,7 +2172,7 @@
             </a:xfrm>
             <a:prstGeom prst="diagStripe">
               <a:avLst>
-                <a:gd fmla="val 58774" name="adj"/>
+                <a:gd name="adj" fmla="val 58774"/>
               </a:avLst>
             </a:prstGeom>
             <a:solidFill>
@@ -2130,12 +2185,12 @@
             </a:ln>
           </p:spPr>
           <p:txBody>
-            <a:bodyPr anchorCtr="0" anchor="ctr" bIns="91425" lIns="91425" spcFirstLastPara="1" rIns="91425" wrap="square" tIns="91425">
+            <a:bodyPr spcFirstLastPara="1" wrap="square" lIns="91425" tIns="91425" rIns="91425" bIns="91425" anchor="ctr" anchorCtr="0">
               <a:noAutofit/>
             </a:bodyPr>
             <a:lstStyle/>
             <a:p>
-              <a:pPr indent="0" lvl="0" marL="0" rtl="0" algn="l">
+              <a:pPr marL="0" lvl="0" indent="0" algn="l" rtl="0">
                 <a:spcBef>
                   <a:spcPts val="0"/>
                 </a:spcBef>
@@ -2144,9 +2199,6 @@
                 </a:spcAft>
                 <a:buNone/>
               </a:pPr>
-              <a:r>
-                <a:t/>
-              </a:r>
               <a:endParaRPr/>
             </a:p>
           </p:txBody>
@@ -2164,7 +2216,7 @@
             </a:xfrm>
             <a:prstGeom prst="diagStripe">
               <a:avLst>
-                <a:gd fmla="val 50000" name="adj"/>
+                <a:gd name="adj" fmla="val 50000"/>
               </a:avLst>
             </a:prstGeom>
             <a:solidFill>
@@ -2175,12 +2227,12 @@
             </a:ln>
           </p:spPr>
           <p:txBody>
-            <a:bodyPr anchorCtr="0" anchor="ctr" bIns="91425" lIns="91425" spcFirstLastPara="1" rIns="91425" wrap="square" tIns="91425">
+            <a:bodyPr spcFirstLastPara="1" wrap="square" lIns="91425" tIns="91425" rIns="91425" bIns="91425" anchor="ctr" anchorCtr="0">
               <a:noAutofit/>
             </a:bodyPr>
             <a:lstStyle/>
             <a:p>
-              <a:pPr indent="0" lvl="0" marL="0" rtl="0" algn="l">
+              <a:pPr marL="0" lvl="0" indent="0" algn="l" rtl="0">
                 <a:spcBef>
                   <a:spcPts val="0"/>
                 </a:spcBef>
@@ -2189,9 +2241,6 @@
                 </a:spcAft>
                 <a:buNone/>
               </a:pPr>
-              <a:r>
-                <a:t/>
-              </a:r>
               <a:endParaRPr/>
             </a:p>
           </p:txBody>
@@ -2209,7 +2258,7 @@
             </a:xfrm>
             <a:prstGeom prst="diagStripe">
               <a:avLst>
-                <a:gd fmla="val 50000" name="adj"/>
+                <a:gd name="adj" fmla="val 50000"/>
               </a:avLst>
             </a:prstGeom>
             <a:solidFill>
@@ -2220,12 +2269,12 @@
             </a:ln>
           </p:spPr>
           <p:txBody>
-            <a:bodyPr anchorCtr="0" anchor="ctr" bIns="91425" lIns="91425" spcFirstLastPara="1" rIns="91425" wrap="square" tIns="91425">
+            <a:bodyPr spcFirstLastPara="1" wrap="square" lIns="91425" tIns="91425" rIns="91425" bIns="91425" anchor="ctr" anchorCtr="0">
               <a:noAutofit/>
             </a:bodyPr>
             <a:lstStyle/>
             <a:p>
-              <a:pPr indent="0" lvl="0" marL="0" rtl="0" algn="l">
+              <a:pPr marL="0" lvl="0" indent="0" algn="l" rtl="0">
                 <a:spcBef>
                   <a:spcPts val="0"/>
                 </a:spcBef>
@@ -2234,9 +2283,6 @@
                 </a:spcAft>
                 <a:buNone/>
               </a:pPr>
-              <a:r>
-                <a:t/>
-              </a:r>
               <a:endParaRPr/>
             </a:p>
           </p:txBody>
@@ -2245,7 +2291,9 @@
       <p:sp>
         <p:nvSpPr>
           <p:cNvPr id="16" name="Google Shape;16;p2"/>
-          <p:cNvSpPr txBox="1"/>
+          <p:cNvSpPr txBox="1">
+            <a:spLocks noGrp="1"/>
+          </p:cNvSpPr>
           <p:nvPr>
             <p:ph type="ctrTitle"/>
           </p:nvPr>
@@ -2260,7 +2308,7 @@
           </a:prstGeom>
         </p:spPr>
         <p:txBody>
-          <a:bodyPr anchorCtr="0" anchor="t" bIns="91425" lIns="91425" spcFirstLastPara="1" rIns="91425" wrap="square" tIns="91425">
+          <a:bodyPr spcFirstLastPara="1" wrap="square" lIns="91425" tIns="91425" rIns="91425" bIns="91425" anchor="t" anchorCtr="0">
             <a:noAutofit/>
           </a:bodyPr>
           <a:lstStyle>
@@ -2364,15 +2412,19 @@
               <a:defRPr sz="4000"/>
             </a:lvl9pPr>
           </a:lstStyle>
-          <a:p/>
+          <a:p>
+            <a:endParaRPr/>
+          </a:p>
         </p:txBody>
       </p:sp>
       <p:sp>
         <p:nvSpPr>
           <p:cNvPr id="17" name="Google Shape;17;p2"/>
-          <p:cNvSpPr txBox="1"/>
+          <p:cNvSpPr txBox="1">
+            <a:spLocks noGrp="1"/>
+          </p:cNvSpPr>
           <p:nvPr>
-            <p:ph idx="1" type="subTitle"/>
+            <p:ph type="subTitle" idx="1"/>
           </p:nvPr>
         </p:nvSpPr>
         <p:spPr>
@@ -2385,7 +2437,7 @@
           </a:prstGeom>
         </p:spPr>
         <p:txBody>
-          <a:bodyPr anchorCtr="0" anchor="t" bIns="91425" lIns="91425" spcFirstLastPara="1" rIns="91425" wrap="square" tIns="91425">
+          <a:bodyPr spcFirstLastPara="1" wrap="square" lIns="91425" tIns="91425" rIns="91425" bIns="91425" anchor="t" anchorCtr="0">
             <a:noAutofit/>
           </a:bodyPr>
           <a:lstStyle>
@@ -2516,15 +2568,19 @@
               <a:defRPr sz="1300"/>
             </a:lvl9pPr>
           </a:lstStyle>
-          <a:p/>
+          <a:p>
+            <a:endParaRPr/>
+          </a:p>
         </p:txBody>
       </p:sp>
       <p:sp>
         <p:nvSpPr>
           <p:cNvPr id="18" name="Google Shape;18;p2"/>
-          <p:cNvSpPr txBox="1"/>
+          <p:cNvSpPr txBox="1">
+            <a:spLocks noGrp="1"/>
+          </p:cNvSpPr>
           <p:nvPr>
-            <p:ph idx="12" type="sldNum"/>
+            <p:ph type="sldNum" idx="12"/>
           </p:nvPr>
         </p:nvSpPr>
         <p:spPr>
@@ -2537,7 +2593,7 @@
           </a:prstGeom>
         </p:spPr>
         <p:txBody>
-          <a:bodyPr anchorCtr="0" anchor="ctr" bIns="91425" lIns="91425" spcFirstLastPara="1" rIns="91425" wrap="square" tIns="91425">
+          <a:bodyPr spcFirstLastPara="1" wrap="square" lIns="91425" tIns="91425" rIns="91425" bIns="91425" anchor="ctr" anchorCtr="0">
             <a:noAutofit/>
           </a:bodyPr>
           <a:lstStyle>
@@ -2579,7 +2635,7 @@
             </a:lvl9pPr>
           </a:lstStyle>
           <a:p>
-            <a:pPr indent="0" lvl="0" marL="0" rtl="0" algn="r">
+            <a:pPr marL="0" lvl="0" indent="0" algn="r" rtl="0">
               <a:spcBef>
                 <a:spcPts val="0"/>
               </a:spcBef>
@@ -2605,11 +2661,11 @@
 </file>
 
 <file path=ppt/slideLayouts/slideLayout10.xml><?xml version="1.0" encoding="utf-8"?>
-<p:sldLayout xmlns:a="http://schemas.openxmlformats.org/drawingml/2006/main" xmlns:r="http://schemas.openxmlformats.org/officeDocument/2006/relationships" xmlns:mc="http://schemas.openxmlformats.org/markup-compatibility/2006" xmlns:mv="urn:schemas-microsoft-com:mac:vml" xmlns:p="http://schemas.openxmlformats.org/presentationml/2006/main" xmlns:c="http://schemas.openxmlformats.org/drawingml/2006/chart" xmlns:dgm="http://schemas.openxmlformats.org/drawingml/2006/diagram" xmlns:o="urn:schemas-microsoft-com:office:office" xmlns:v="urn:schemas-microsoft-com:vml" xmlns:pvml="urn:schemas-microsoft-com:office:powerpoint" xmlns:com="http://schemas.openxmlformats.org/drawingml/2006/compatibility" xmlns:p14="http://schemas.microsoft.com/office/powerpoint/2010/main" xmlns:p15="http://schemas.microsoft.com/office/powerpoint/2012/main" xmlns:ahyp="http://schemas.microsoft.com/office/drawing/2018/hyperlinkcolor" matchingName="Big number">
+<p:sldLayout xmlns:a="http://schemas.openxmlformats.org/drawingml/2006/main" xmlns:r="http://schemas.openxmlformats.org/officeDocument/2006/relationships" xmlns:p="http://schemas.openxmlformats.org/presentationml/2006/main" matchingName="Big number">
   <p:cSld name="BIG_NUMBER">
     <p:spTree>
       <p:nvGrpSpPr>
-        <p:cNvPr id="105" name="Shape 105"/>
+        <p:cNvPr id="1" name="Shape 105"/>
         <p:cNvGrpSpPr/>
         <p:nvPr/>
       </p:nvGrpSpPr>
@@ -2648,7 +2704,7 @@
             </a:xfrm>
             <a:prstGeom prst="diagStripe">
               <a:avLst>
-                <a:gd fmla="val 49469" name="adj"/>
+                <a:gd name="adj" fmla="val 49469"/>
               </a:avLst>
             </a:prstGeom>
             <a:solidFill>
@@ -2661,12 +2717,12 @@
             </a:ln>
           </p:spPr>
           <p:txBody>
-            <a:bodyPr anchorCtr="0" anchor="ctr" bIns="91425" lIns="91425" spcFirstLastPara="1" rIns="91425" wrap="square" tIns="91425">
+            <a:bodyPr spcFirstLastPara="1" wrap="square" lIns="91425" tIns="91425" rIns="91425" bIns="91425" anchor="ctr" anchorCtr="0">
               <a:noAutofit/>
             </a:bodyPr>
             <a:lstStyle/>
             <a:p>
-              <a:pPr indent="0" lvl="0" marL="0" rtl="0" algn="l">
+              <a:pPr marL="0" lvl="0" indent="0" algn="l" rtl="0">
                 <a:spcBef>
                   <a:spcPts val="0"/>
                 </a:spcBef>
@@ -2675,9 +2731,6 @@
                 </a:spcAft>
                 <a:buNone/>
               </a:pPr>
-              <a:r>
-                <a:t/>
-              </a:r>
               <a:endParaRPr/>
             </a:p>
           </p:txBody>
@@ -2695,7 +2748,7 @@
             </a:xfrm>
             <a:prstGeom prst="diagStripe">
               <a:avLst>
-                <a:gd fmla="val 0" name="adj"/>
+                <a:gd name="adj" fmla="val 0"/>
               </a:avLst>
             </a:prstGeom>
             <a:solidFill>
@@ -2708,12 +2761,12 @@
             </a:ln>
           </p:spPr>
           <p:txBody>
-            <a:bodyPr anchorCtr="0" anchor="ctr" bIns="91425" lIns="91425" spcFirstLastPara="1" rIns="91425" wrap="square" tIns="91425">
+            <a:bodyPr spcFirstLastPara="1" wrap="square" lIns="91425" tIns="91425" rIns="91425" bIns="91425" anchor="ctr" anchorCtr="0">
               <a:noAutofit/>
             </a:bodyPr>
             <a:lstStyle/>
             <a:p>
-              <a:pPr indent="0" lvl="0" marL="0" rtl="0" algn="l">
+              <a:pPr marL="0" lvl="0" indent="0" algn="l" rtl="0">
                 <a:spcBef>
                   <a:spcPts val="0"/>
                 </a:spcBef>
@@ -2722,9 +2775,6 @@
                 </a:spcAft>
                 <a:buNone/>
               </a:pPr>
-              <a:r>
-                <a:t/>
-              </a:r>
               <a:endParaRPr/>
             </a:p>
           </p:txBody>
@@ -2742,7 +2792,7 @@
             </a:xfrm>
             <a:prstGeom prst="diagStripe">
               <a:avLst>
-                <a:gd fmla="val 50000" name="adj"/>
+                <a:gd name="adj" fmla="val 50000"/>
               </a:avLst>
             </a:prstGeom>
             <a:solidFill>
@@ -2755,12 +2805,12 @@
             </a:ln>
           </p:spPr>
           <p:txBody>
-            <a:bodyPr anchorCtr="0" anchor="ctr" bIns="91425" lIns="91425" spcFirstLastPara="1" rIns="91425" wrap="square" tIns="91425">
+            <a:bodyPr spcFirstLastPara="1" wrap="square" lIns="91425" tIns="91425" rIns="91425" bIns="91425" anchor="ctr" anchorCtr="0">
               <a:noAutofit/>
             </a:bodyPr>
             <a:lstStyle/>
             <a:p>
-              <a:pPr indent="0" lvl="0" marL="0" rtl="0" algn="l">
+              <a:pPr marL="0" lvl="0" indent="0" algn="l" rtl="0">
                 <a:spcBef>
                   <a:spcPts val="0"/>
                 </a:spcBef>
@@ -2769,9 +2819,6 @@
                 </a:spcAft>
                 <a:buNone/>
               </a:pPr>
-              <a:r>
-                <a:t/>
-              </a:r>
               <a:endParaRPr/>
             </a:p>
           </p:txBody>
@@ -2789,7 +2836,7 @@
             </a:xfrm>
             <a:prstGeom prst="diagStripe">
               <a:avLst>
-                <a:gd fmla="val 50000" name="adj"/>
+                <a:gd name="adj" fmla="val 50000"/>
               </a:avLst>
             </a:prstGeom>
             <a:solidFill>
@@ -2802,12 +2849,12 @@
             </a:ln>
           </p:spPr>
           <p:txBody>
-            <a:bodyPr anchorCtr="0" anchor="ctr" bIns="91425" lIns="91425" spcFirstLastPara="1" rIns="91425" wrap="square" tIns="91425">
+            <a:bodyPr spcFirstLastPara="1" wrap="square" lIns="91425" tIns="91425" rIns="91425" bIns="91425" anchor="ctr" anchorCtr="0">
               <a:noAutofit/>
             </a:bodyPr>
             <a:lstStyle/>
             <a:p>
-              <a:pPr indent="0" lvl="0" marL="0" rtl="0" algn="l">
+              <a:pPr marL="0" lvl="0" indent="0" algn="l" rtl="0">
                 <a:spcBef>
                   <a:spcPts val="0"/>
                 </a:spcBef>
@@ -2816,9 +2863,6 @@
                 </a:spcAft>
                 <a:buNone/>
               </a:pPr>
-              <a:r>
-                <a:t/>
-              </a:r>
               <a:endParaRPr/>
             </a:p>
           </p:txBody>
@@ -2836,7 +2880,7 @@
             </a:xfrm>
             <a:prstGeom prst="diagStripe">
               <a:avLst>
-                <a:gd fmla="val 50000" name="adj"/>
+                <a:gd name="adj" fmla="val 50000"/>
               </a:avLst>
             </a:prstGeom>
             <a:solidFill>
@@ -2849,12 +2893,12 @@
             </a:ln>
           </p:spPr>
           <p:txBody>
-            <a:bodyPr anchorCtr="0" anchor="ctr" bIns="91425" lIns="91425" spcFirstLastPara="1" rIns="91425" wrap="square" tIns="91425">
+            <a:bodyPr spcFirstLastPara="1" wrap="square" lIns="91425" tIns="91425" rIns="91425" bIns="91425" anchor="ctr" anchorCtr="0">
               <a:noAutofit/>
             </a:bodyPr>
             <a:lstStyle/>
             <a:p>
-              <a:pPr indent="0" lvl="0" marL="0" rtl="0" algn="l">
+              <a:pPr marL="0" lvl="0" indent="0" algn="l" rtl="0">
                 <a:spcBef>
                   <a:spcPts val="0"/>
                 </a:spcBef>
@@ -2863,9 +2907,6 @@
                 </a:spcAft>
                 <a:buNone/>
               </a:pPr>
-              <a:r>
-                <a:t/>
-              </a:r>
               <a:endParaRPr/>
             </a:p>
           </p:txBody>
@@ -2883,7 +2924,7 @@
             </a:xfrm>
             <a:prstGeom prst="diagStripe">
               <a:avLst>
-                <a:gd fmla="val 50000" name="adj"/>
+                <a:gd name="adj" fmla="val 50000"/>
               </a:avLst>
             </a:prstGeom>
             <a:solidFill>
@@ -2896,12 +2937,12 @@
             </a:ln>
           </p:spPr>
           <p:txBody>
-            <a:bodyPr anchorCtr="0" anchor="ctr" bIns="91425" lIns="91425" spcFirstLastPara="1" rIns="91425" wrap="square" tIns="91425">
+            <a:bodyPr spcFirstLastPara="1" wrap="square" lIns="91425" tIns="91425" rIns="91425" bIns="91425" anchor="ctr" anchorCtr="0">
               <a:noAutofit/>
             </a:bodyPr>
             <a:lstStyle/>
             <a:p>
-              <a:pPr indent="0" lvl="0" marL="0" rtl="0" algn="l">
+              <a:pPr marL="0" lvl="0" indent="0" algn="l" rtl="0">
                 <a:spcBef>
                   <a:spcPts val="0"/>
                 </a:spcBef>
@@ -2910,9 +2951,6 @@
                 </a:spcAft>
                 <a:buNone/>
               </a:pPr>
-              <a:r>
-                <a:t/>
-              </a:r>
               <a:endParaRPr/>
             </a:p>
           </p:txBody>
@@ -2930,7 +2968,7 @@
             </a:xfrm>
             <a:prstGeom prst="diagStripe">
               <a:avLst>
-                <a:gd fmla="val 50000" name="adj"/>
+                <a:gd name="adj" fmla="val 50000"/>
               </a:avLst>
             </a:prstGeom>
             <a:solidFill>
@@ -2943,12 +2981,12 @@
             </a:ln>
           </p:spPr>
           <p:txBody>
-            <a:bodyPr anchorCtr="0" anchor="ctr" bIns="91425" lIns="91425" spcFirstLastPara="1" rIns="91425" wrap="square" tIns="91425">
+            <a:bodyPr spcFirstLastPara="1" wrap="square" lIns="91425" tIns="91425" rIns="91425" bIns="91425" anchor="ctr" anchorCtr="0">
               <a:noAutofit/>
             </a:bodyPr>
             <a:lstStyle/>
             <a:p>
-              <a:pPr indent="0" lvl="0" marL="0" rtl="0" algn="l">
+              <a:pPr marL="0" lvl="0" indent="0" algn="l" rtl="0">
                 <a:spcBef>
                   <a:spcPts val="0"/>
                 </a:spcBef>
@@ -2957,9 +2995,6 @@
                 </a:spcAft>
                 <a:buNone/>
               </a:pPr>
-              <a:r>
-                <a:t/>
-              </a:r>
               <a:endParaRPr/>
             </a:p>
           </p:txBody>
@@ -2977,7 +3012,7 @@
             </a:xfrm>
             <a:prstGeom prst="diagStripe">
               <a:avLst>
-                <a:gd fmla="val 50000" name="adj"/>
+                <a:gd name="adj" fmla="val 50000"/>
               </a:avLst>
             </a:prstGeom>
             <a:solidFill>
@@ -2988,12 +3023,12 @@
             </a:ln>
           </p:spPr>
           <p:txBody>
-            <a:bodyPr anchorCtr="0" anchor="ctr" bIns="91425" lIns="91425" spcFirstLastPara="1" rIns="91425" wrap="square" tIns="91425">
+            <a:bodyPr spcFirstLastPara="1" wrap="square" lIns="91425" tIns="91425" rIns="91425" bIns="91425" anchor="ctr" anchorCtr="0">
               <a:noAutofit/>
             </a:bodyPr>
             <a:lstStyle/>
             <a:p>
-              <a:pPr indent="0" lvl="0" marL="0" rtl="0" algn="l">
+              <a:pPr marL="0" lvl="0" indent="0" algn="l" rtl="0">
                 <a:spcBef>
                   <a:spcPts val="0"/>
                 </a:spcBef>
@@ -3002,9 +3037,6 @@
                 </a:spcAft>
                 <a:buNone/>
               </a:pPr>
-              <a:r>
-                <a:t/>
-              </a:r>
               <a:endParaRPr/>
             </a:p>
           </p:txBody>
@@ -3022,7 +3054,7 @@
             </a:xfrm>
             <a:prstGeom prst="diagStripe">
               <a:avLst>
-                <a:gd fmla="val 50000" name="adj"/>
+                <a:gd name="adj" fmla="val 50000"/>
               </a:avLst>
             </a:prstGeom>
             <a:solidFill>
@@ -3035,12 +3067,12 @@
             </a:ln>
           </p:spPr>
           <p:txBody>
-            <a:bodyPr anchorCtr="0" anchor="ctr" bIns="91425" lIns="91425" spcFirstLastPara="1" rIns="91425" wrap="square" tIns="91425">
+            <a:bodyPr spcFirstLastPara="1" wrap="square" lIns="91425" tIns="91425" rIns="91425" bIns="91425" anchor="ctr" anchorCtr="0">
               <a:noAutofit/>
             </a:bodyPr>
             <a:lstStyle/>
             <a:p>
-              <a:pPr indent="0" lvl="0" marL="0" rtl="0" algn="l">
+              <a:pPr marL="0" lvl="0" indent="0" algn="l" rtl="0">
                 <a:spcBef>
                   <a:spcPts val="0"/>
                 </a:spcBef>
@@ -3049,9 +3081,6 @@
                 </a:spcAft>
                 <a:buNone/>
               </a:pPr>
-              <a:r>
-                <a:t/>
-              </a:r>
               <a:endParaRPr/>
             </a:p>
           </p:txBody>
@@ -3069,7 +3098,7 @@
             </a:xfrm>
             <a:prstGeom prst="diagStripe">
               <a:avLst>
-                <a:gd fmla="val 50000" name="adj"/>
+                <a:gd name="adj" fmla="val 50000"/>
               </a:avLst>
             </a:prstGeom>
             <a:solidFill>
@@ -3082,12 +3111,12 @@
             </a:ln>
           </p:spPr>
           <p:txBody>
-            <a:bodyPr anchorCtr="0" anchor="ctr" bIns="91425" lIns="91425" spcFirstLastPara="1" rIns="91425" wrap="square" tIns="91425">
+            <a:bodyPr spcFirstLastPara="1" wrap="square" lIns="91425" tIns="91425" rIns="91425" bIns="91425" anchor="ctr" anchorCtr="0">
               <a:noAutofit/>
             </a:bodyPr>
             <a:lstStyle/>
             <a:p>
-              <a:pPr indent="0" lvl="0" marL="0" rtl="0" algn="l">
+              <a:pPr marL="0" lvl="0" indent="0" algn="l" rtl="0">
                 <a:spcBef>
                   <a:spcPts val="0"/>
                 </a:spcBef>
@@ -3096,9 +3125,6 @@
                 </a:spcAft>
                 <a:buNone/>
               </a:pPr>
-              <a:r>
-                <a:t/>
-              </a:r>
               <a:endParaRPr/>
             </a:p>
           </p:txBody>
@@ -3116,7 +3142,7 @@
             </a:xfrm>
             <a:prstGeom prst="diagStripe">
               <a:avLst>
-                <a:gd fmla="val 50000" name="adj"/>
+                <a:gd name="adj" fmla="val 50000"/>
               </a:avLst>
             </a:prstGeom>
             <a:solidFill>
@@ -3129,12 +3155,12 @@
             </a:ln>
           </p:spPr>
           <p:txBody>
-            <a:bodyPr anchorCtr="0" anchor="ctr" bIns="91425" lIns="91425" spcFirstLastPara="1" rIns="91425" wrap="square" tIns="91425">
+            <a:bodyPr spcFirstLastPara="1" wrap="square" lIns="91425" tIns="91425" rIns="91425" bIns="91425" anchor="ctr" anchorCtr="0">
               <a:noAutofit/>
             </a:bodyPr>
             <a:lstStyle/>
             <a:p>
-              <a:pPr indent="0" lvl="0" marL="0" rtl="0" algn="l">
+              <a:pPr marL="0" lvl="0" indent="0" algn="l" rtl="0">
                 <a:spcBef>
                   <a:spcPts val="0"/>
                 </a:spcBef>
@@ -3143,9 +3169,6 @@
                 </a:spcAft>
                 <a:buNone/>
               </a:pPr>
-              <a:r>
-                <a:t/>
-              </a:r>
               <a:endParaRPr/>
             </a:p>
           </p:txBody>
@@ -3163,7 +3186,7 @@
             </a:xfrm>
             <a:prstGeom prst="diagStripe">
               <a:avLst>
-                <a:gd fmla="val 50000" name="adj"/>
+                <a:gd name="adj" fmla="val 50000"/>
               </a:avLst>
             </a:prstGeom>
             <a:solidFill>
@@ -3176,12 +3199,12 @@
             </a:ln>
           </p:spPr>
           <p:txBody>
-            <a:bodyPr anchorCtr="0" anchor="ctr" bIns="91425" lIns="91425" spcFirstLastPara="1" rIns="91425" wrap="square" tIns="91425">
+            <a:bodyPr spcFirstLastPara="1" wrap="square" lIns="91425" tIns="91425" rIns="91425" bIns="91425" anchor="ctr" anchorCtr="0">
               <a:noAutofit/>
             </a:bodyPr>
             <a:lstStyle/>
             <a:p>
-              <a:pPr indent="0" lvl="0" marL="0" rtl="0" algn="l">
+              <a:pPr marL="0" lvl="0" indent="0" algn="l" rtl="0">
                 <a:spcBef>
                   <a:spcPts val="0"/>
                 </a:spcBef>
@@ -3190,9 +3213,6 @@
                 </a:spcAft>
                 <a:buNone/>
               </a:pPr>
-              <a:r>
-                <a:t/>
-              </a:r>
               <a:endParaRPr/>
             </a:p>
           </p:txBody>
@@ -3210,7 +3230,7 @@
             </a:xfrm>
             <a:prstGeom prst="diagStripe">
               <a:avLst>
-                <a:gd fmla="val 50000" name="adj"/>
+                <a:gd name="adj" fmla="val 50000"/>
               </a:avLst>
             </a:prstGeom>
             <a:solidFill>
@@ -3223,12 +3243,12 @@
             </a:ln>
           </p:spPr>
           <p:txBody>
-            <a:bodyPr anchorCtr="0" anchor="ctr" bIns="91425" lIns="91425" spcFirstLastPara="1" rIns="91425" wrap="square" tIns="91425">
+            <a:bodyPr spcFirstLastPara="1" wrap="square" lIns="91425" tIns="91425" rIns="91425" bIns="91425" anchor="ctr" anchorCtr="0">
               <a:noAutofit/>
             </a:bodyPr>
             <a:lstStyle/>
             <a:p>
-              <a:pPr indent="0" lvl="0" marL="0" rtl="0" algn="l">
+              <a:pPr marL="0" lvl="0" indent="0" algn="l" rtl="0">
                 <a:spcBef>
                   <a:spcPts val="0"/>
                 </a:spcBef>
@@ -3237,9 +3257,6 @@
                 </a:spcAft>
                 <a:buNone/>
               </a:pPr>
-              <a:r>
-                <a:t/>
-              </a:r>
               <a:endParaRPr/>
             </a:p>
           </p:txBody>
@@ -3257,7 +3274,7 @@
             </a:xfrm>
             <a:prstGeom prst="diagStripe">
               <a:avLst>
-                <a:gd fmla="val 50000" name="adj"/>
+                <a:gd name="adj" fmla="val 50000"/>
               </a:avLst>
             </a:prstGeom>
             <a:solidFill>
@@ -3268,12 +3285,12 @@
             </a:ln>
           </p:spPr>
           <p:txBody>
-            <a:bodyPr anchorCtr="0" anchor="ctr" bIns="91425" lIns="91425" spcFirstLastPara="1" rIns="91425" wrap="square" tIns="91425">
+            <a:bodyPr spcFirstLastPara="1" wrap="square" lIns="91425" tIns="91425" rIns="91425" bIns="91425" anchor="ctr" anchorCtr="0">
               <a:noAutofit/>
             </a:bodyPr>
             <a:lstStyle/>
             <a:p>
-              <a:pPr indent="0" lvl="0" marL="0" rtl="0" algn="l">
+              <a:pPr marL="0" lvl="0" indent="0" algn="l" rtl="0">
                 <a:spcBef>
                   <a:spcPts val="0"/>
                 </a:spcBef>
@@ -3282,9 +3299,6 @@
                 </a:spcAft>
                 <a:buNone/>
               </a:pPr>
-              <a:r>
-                <a:t/>
-              </a:r>
               <a:endParaRPr/>
             </a:p>
           </p:txBody>
@@ -3302,7 +3316,7 @@
             </a:xfrm>
             <a:prstGeom prst="diagStripe">
               <a:avLst>
-                <a:gd fmla="val 50000" name="adj"/>
+                <a:gd name="adj" fmla="val 50000"/>
               </a:avLst>
             </a:prstGeom>
             <a:solidFill>
@@ -3315,12 +3329,12 @@
             </a:ln>
           </p:spPr>
           <p:txBody>
-            <a:bodyPr anchorCtr="0" anchor="ctr" bIns="91425" lIns="91425" spcFirstLastPara="1" rIns="91425" wrap="square" tIns="91425">
+            <a:bodyPr spcFirstLastPara="1" wrap="square" lIns="91425" tIns="91425" rIns="91425" bIns="91425" anchor="ctr" anchorCtr="0">
               <a:noAutofit/>
             </a:bodyPr>
             <a:lstStyle/>
             <a:p>
-              <a:pPr indent="0" lvl="0" marL="0" rtl="0" algn="l">
+              <a:pPr marL="0" lvl="0" indent="0" algn="l" rtl="0">
                 <a:spcBef>
                   <a:spcPts val="0"/>
                 </a:spcBef>
@@ -3329,9 +3343,6 @@
                 </a:spcAft>
                 <a:buNone/>
               </a:pPr>
-              <a:r>
-                <a:t/>
-              </a:r>
               <a:endParaRPr/>
             </a:p>
           </p:txBody>
@@ -3349,7 +3360,7 @@
             </a:xfrm>
             <a:prstGeom prst="diagStripe">
               <a:avLst>
-                <a:gd fmla="val 50000" name="adj"/>
+                <a:gd name="adj" fmla="val 50000"/>
               </a:avLst>
             </a:prstGeom>
             <a:solidFill>
@@ -3362,12 +3373,12 @@
             </a:ln>
           </p:spPr>
           <p:txBody>
-            <a:bodyPr anchorCtr="0" anchor="ctr" bIns="91425" lIns="91425" spcFirstLastPara="1" rIns="91425" wrap="square" tIns="91425">
+            <a:bodyPr spcFirstLastPara="1" wrap="square" lIns="91425" tIns="91425" rIns="91425" bIns="91425" anchor="ctr" anchorCtr="0">
               <a:noAutofit/>
             </a:bodyPr>
             <a:lstStyle/>
             <a:p>
-              <a:pPr indent="0" lvl="0" marL="0" rtl="0" algn="l">
+              <a:pPr marL="0" lvl="0" indent="0" algn="l" rtl="0">
                 <a:spcBef>
                   <a:spcPts val="0"/>
                 </a:spcBef>
@@ -3376,9 +3387,6 @@
                 </a:spcAft>
                 <a:buNone/>
               </a:pPr>
-              <a:r>
-                <a:t/>
-              </a:r>
               <a:endParaRPr/>
             </a:p>
           </p:txBody>
@@ -3396,7 +3404,7 @@
             </a:xfrm>
             <a:prstGeom prst="diagStripe">
               <a:avLst>
-                <a:gd fmla="val 50000" name="adj"/>
+                <a:gd name="adj" fmla="val 50000"/>
               </a:avLst>
             </a:prstGeom>
             <a:solidFill>
@@ -3409,12 +3417,12 @@
             </a:ln>
           </p:spPr>
           <p:txBody>
-            <a:bodyPr anchorCtr="0" anchor="ctr" bIns="91425" lIns="91425" spcFirstLastPara="1" rIns="91425" wrap="square" tIns="91425">
+            <a:bodyPr spcFirstLastPara="1" wrap="square" lIns="91425" tIns="91425" rIns="91425" bIns="91425" anchor="ctr" anchorCtr="0">
               <a:noAutofit/>
             </a:bodyPr>
             <a:lstStyle/>
             <a:p>
-              <a:pPr indent="0" lvl="0" marL="0" rtl="0" algn="l">
+              <a:pPr marL="0" lvl="0" indent="0" algn="l" rtl="0">
                 <a:spcBef>
                   <a:spcPts val="0"/>
                 </a:spcBef>
@@ -3423,9 +3431,6 @@
                 </a:spcAft>
                 <a:buNone/>
               </a:pPr>
-              <a:r>
-                <a:t/>
-              </a:r>
               <a:endParaRPr/>
             </a:p>
           </p:txBody>
@@ -3443,7 +3448,7 @@
             </a:xfrm>
             <a:prstGeom prst="diagStripe">
               <a:avLst>
-                <a:gd fmla="val 50000" name="adj"/>
+                <a:gd name="adj" fmla="val 50000"/>
               </a:avLst>
             </a:prstGeom>
             <a:solidFill>
@@ -3456,12 +3461,12 @@
             </a:ln>
           </p:spPr>
           <p:txBody>
-            <a:bodyPr anchorCtr="0" anchor="ctr" bIns="91425" lIns="91425" spcFirstLastPara="1" rIns="91425" wrap="square" tIns="91425">
+            <a:bodyPr spcFirstLastPara="1" wrap="square" lIns="91425" tIns="91425" rIns="91425" bIns="91425" anchor="ctr" anchorCtr="0">
               <a:noAutofit/>
             </a:bodyPr>
             <a:lstStyle/>
             <a:p>
-              <a:pPr indent="0" lvl="0" marL="0" rtl="0" algn="l">
+              <a:pPr marL="0" lvl="0" indent="0" algn="l" rtl="0">
                 <a:spcBef>
                   <a:spcPts val="0"/>
                 </a:spcBef>
@@ -3470,9 +3475,6 @@
                 </a:spcAft>
                 <a:buNone/>
               </a:pPr>
-              <a:r>
-                <a:t/>
-              </a:r>
               <a:endParaRPr/>
             </a:p>
           </p:txBody>
@@ -3481,9 +3483,11 @@
       <p:sp>
         <p:nvSpPr>
           <p:cNvPr id="125" name="Google Shape;125;p11"/>
-          <p:cNvSpPr txBox="1"/>
+          <p:cNvSpPr txBox="1">
+            <a:spLocks noGrp="1"/>
+          </p:cNvSpPr>
           <p:nvPr>
-            <p:ph hasCustomPrompt="1" type="title"/>
+            <p:ph type="title" hasCustomPrompt="1"/>
           </p:nvPr>
         </p:nvSpPr>
         <p:spPr>
@@ -3496,7 +3500,7 @@
           </a:prstGeom>
         </p:spPr>
         <p:txBody>
-          <a:bodyPr anchorCtr="0" anchor="t" bIns="91425" lIns="91425" spcFirstLastPara="1" rIns="91425" wrap="square" tIns="91425">
+          <a:bodyPr spcFirstLastPara="1" wrap="square" lIns="91425" tIns="91425" rIns="91425" bIns="91425" anchor="t" anchorCtr="0">
             <a:noAutofit/>
           </a:bodyPr>
           <a:lstStyle>
@@ -3610,9 +3614,11 @@
       <p:sp>
         <p:nvSpPr>
           <p:cNvPr id="126" name="Google Shape;126;p11"/>
-          <p:cNvSpPr txBox="1"/>
+          <p:cNvSpPr txBox="1">
+            <a:spLocks noGrp="1"/>
+          </p:cNvSpPr>
           <p:nvPr>
-            <p:ph idx="1" type="body"/>
+            <p:ph type="body" idx="1"/>
           </p:nvPr>
         </p:nvSpPr>
         <p:spPr>
@@ -3625,11 +3631,11 @@
           </a:prstGeom>
         </p:spPr>
         <p:txBody>
-          <a:bodyPr anchorCtr="0" anchor="t" bIns="91425" lIns="91425" spcFirstLastPara="1" rIns="91425" wrap="square" tIns="91425">
+          <a:bodyPr spcFirstLastPara="1" wrap="square" lIns="91425" tIns="91425" rIns="91425" bIns="91425" anchor="t" anchorCtr="0">
             <a:noAutofit/>
           </a:bodyPr>
           <a:lstStyle>
-            <a:lvl1pPr indent="-311150" lvl="0" marL="457200">
+            <a:lvl1pPr marL="457200" lvl="0" indent="-311150">
               <a:spcBef>
                 <a:spcPts val="0"/>
               </a:spcBef>
@@ -3640,7 +3646,7 @@
               <a:buChar char="●"/>
               <a:defRPr/>
             </a:lvl1pPr>
-            <a:lvl2pPr indent="-298450" lvl="1" marL="914400">
+            <a:lvl2pPr marL="914400" lvl="1" indent="-298450">
               <a:spcBef>
                 <a:spcPts val="1600"/>
               </a:spcBef>
@@ -3651,7 +3657,7 @@
               <a:buChar char="○"/>
               <a:defRPr/>
             </a:lvl2pPr>
-            <a:lvl3pPr indent="-298450" lvl="2" marL="1371600">
+            <a:lvl3pPr marL="1371600" lvl="2" indent="-298450">
               <a:spcBef>
                 <a:spcPts val="1600"/>
               </a:spcBef>
@@ -3662,7 +3668,7 @@
               <a:buChar char="■"/>
               <a:defRPr/>
             </a:lvl3pPr>
-            <a:lvl4pPr indent="-298450" lvl="3" marL="1828800">
+            <a:lvl4pPr marL="1828800" lvl="3" indent="-298450">
               <a:spcBef>
                 <a:spcPts val="1600"/>
               </a:spcBef>
@@ -3673,7 +3679,7 @@
               <a:buChar char="●"/>
               <a:defRPr/>
             </a:lvl4pPr>
-            <a:lvl5pPr indent="-298450" lvl="4" marL="2286000">
+            <a:lvl5pPr marL="2286000" lvl="4" indent="-298450">
               <a:spcBef>
                 <a:spcPts val="1600"/>
               </a:spcBef>
@@ -3684,7 +3690,7 @@
               <a:buChar char="○"/>
               <a:defRPr/>
             </a:lvl5pPr>
-            <a:lvl6pPr indent="-298450" lvl="5" marL="2743200">
+            <a:lvl6pPr marL="2743200" lvl="5" indent="-298450">
               <a:spcBef>
                 <a:spcPts val="1600"/>
               </a:spcBef>
@@ -3695,7 +3701,7 @@
               <a:buChar char="■"/>
               <a:defRPr/>
             </a:lvl6pPr>
-            <a:lvl7pPr indent="-298450" lvl="6" marL="3200400">
+            <a:lvl7pPr marL="3200400" lvl="6" indent="-298450">
               <a:spcBef>
                 <a:spcPts val="1600"/>
               </a:spcBef>
@@ -3706,7 +3712,7 @@
               <a:buChar char="●"/>
               <a:defRPr/>
             </a:lvl7pPr>
-            <a:lvl8pPr indent="-298450" lvl="7" marL="3657600">
+            <a:lvl8pPr marL="3657600" lvl="7" indent="-298450">
               <a:spcBef>
                 <a:spcPts val="1600"/>
               </a:spcBef>
@@ -3717,7 +3723,7 @@
               <a:buChar char="○"/>
               <a:defRPr/>
             </a:lvl8pPr>
-            <a:lvl9pPr indent="-298450" lvl="8" marL="4114800">
+            <a:lvl9pPr marL="4114800" lvl="8" indent="-298450">
               <a:spcBef>
                 <a:spcPts val="1600"/>
               </a:spcBef>
@@ -3729,15 +3735,19 @@
               <a:defRPr/>
             </a:lvl9pPr>
           </a:lstStyle>
-          <a:p/>
+          <a:p>
+            <a:endParaRPr/>
+          </a:p>
         </p:txBody>
       </p:sp>
       <p:sp>
         <p:nvSpPr>
           <p:cNvPr id="127" name="Google Shape;127;p11"/>
-          <p:cNvSpPr txBox="1"/>
+          <p:cNvSpPr txBox="1">
+            <a:spLocks noGrp="1"/>
+          </p:cNvSpPr>
           <p:nvPr>
-            <p:ph idx="12" type="sldNum"/>
+            <p:ph type="sldNum" idx="12"/>
           </p:nvPr>
         </p:nvSpPr>
         <p:spPr>
@@ -3750,7 +3760,7 @@
           </a:prstGeom>
         </p:spPr>
         <p:txBody>
-          <a:bodyPr anchorCtr="0" anchor="ctr" bIns="91425" lIns="91425" spcFirstLastPara="1" rIns="91425" wrap="square" tIns="91425">
+          <a:bodyPr spcFirstLastPara="1" wrap="square" lIns="91425" tIns="91425" rIns="91425" bIns="91425" anchor="ctr" anchorCtr="0">
             <a:noAutofit/>
           </a:bodyPr>
           <a:lstStyle>
@@ -3792,7 +3802,7 @@
             </a:lvl9pPr>
           </a:lstStyle>
           <a:p>
-            <a:pPr indent="0" lvl="0" marL="0" rtl="0" algn="r">
+            <a:pPr marL="0" lvl="0" indent="0" algn="r" rtl="0">
               <a:spcBef>
                 <a:spcPts val="0"/>
               </a:spcBef>
@@ -3818,11 +3828,11 @@
 </file>
 
 <file path=ppt/slideLayouts/slideLayout11.xml><?xml version="1.0" encoding="utf-8"?>
-<p:sldLayout xmlns:a="http://schemas.openxmlformats.org/drawingml/2006/main" xmlns:r="http://schemas.openxmlformats.org/officeDocument/2006/relationships" xmlns:mc="http://schemas.openxmlformats.org/markup-compatibility/2006" xmlns:mv="urn:schemas-microsoft-com:mac:vml" xmlns:p="http://schemas.openxmlformats.org/presentationml/2006/main" xmlns:c="http://schemas.openxmlformats.org/drawingml/2006/chart" xmlns:dgm="http://schemas.openxmlformats.org/drawingml/2006/diagram" xmlns:o="urn:schemas-microsoft-com:office:office" xmlns:v="urn:schemas-microsoft-com:vml" xmlns:pvml="urn:schemas-microsoft-com:office:powerpoint" xmlns:com="http://schemas.openxmlformats.org/drawingml/2006/compatibility" xmlns:p14="http://schemas.microsoft.com/office/powerpoint/2010/main" xmlns:p15="http://schemas.microsoft.com/office/powerpoint/2012/main" xmlns:ahyp="http://schemas.microsoft.com/office/drawing/2018/hyperlinkcolor" matchingName="Blank" type="blank">
+<p:sldLayout xmlns:a="http://schemas.openxmlformats.org/drawingml/2006/main" xmlns:r="http://schemas.openxmlformats.org/officeDocument/2006/relationships" xmlns:p="http://schemas.openxmlformats.org/presentationml/2006/main" matchingName="Blank" type="blank">
   <p:cSld name="BLANK">
     <p:spTree>
       <p:nvGrpSpPr>
-        <p:cNvPr id="128" name="Shape 128"/>
+        <p:cNvPr id="1" name="Shape 128"/>
         <p:cNvGrpSpPr/>
         <p:nvPr/>
       </p:nvGrpSpPr>
@@ -3837,9 +3847,11 @@
       <p:sp>
         <p:nvSpPr>
           <p:cNvPr id="129" name="Google Shape;129;p12"/>
-          <p:cNvSpPr txBox="1"/>
+          <p:cNvSpPr txBox="1">
+            <a:spLocks noGrp="1"/>
+          </p:cNvSpPr>
           <p:nvPr>
-            <p:ph idx="12" type="sldNum"/>
+            <p:ph type="sldNum" idx="12"/>
           </p:nvPr>
         </p:nvSpPr>
         <p:spPr>
@@ -3852,7 +3864,7 @@
           </a:prstGeom>
         </p:spPr>
         <p:txBody>
-          <a:bodyPr anchorCtr="0" anchor="ctr" bIns="91425" lIns="91425" spcFirstLastPara="1" rIns="91425" wrap="square" tIns="91425">
+          <a:bodyPr spcFirstLastPara="1" wrap="square" lIns="91425" tIns="91425" rIns="91425" bIns="91425" anchor="ctr" anchorCtr="0">
             <a:noAutofit/>
           </a:bodyPr>
           <a:lstStyle>
@@ -3894,7 +3906,7 @@
             </a:lvl9pPr>
           </a:lstStyle>
           <a:p>
-            <a:pPr indent="0" lvl="0" marL="0" rtl="0" algn="r">
+            <a:pPr marL="0" lvl="0" indent="0" algn="r" rtl="0">
               <a:spcBef>
                 <a:spcPts val="0"/>
               </a:spcBef>
@@ -3920,11 +3932,11 @@
 </file>
 
 <file path=ppt/slideLayouts/slideLayout2.xml><?xml version="1.0" encoding="utf-8"?>
-<p:sldLayout xmlns:a="http://schemas.openxmlformats.org/drawingml/2006/main" xmlns:r="http://schemas.openxmlformats.org/officeDocument/2006/relationships" xmlns:mc="http://schemas.openxmlformats.org/markup-compatibility/2006" xmlns:mv="urn:schemas-microsoft-com:mac:vml" xmlns:p="http://schemas.openxmlformats.org/presentationml/2006/main" xmlns:c="http://schemas.openxmlformats.org/drawingml/2006/chart" xmlns:dgm="http://schemas.openxmlformats.org/drawingml/2006/diagram" xmlns:o="urn:schemas-microsoft-com:office:office" xmlns:v="urn:schemas-microsoft-com:vml" xmlns:pvml="urn:schemas-microsoft-com:office:powerpoint" xmlns:com="http://schemas.openxmlformats.org/drawingml/2006/compatibility" xmlns:p14="http://schemas.microsoft.com/office/powerpoint/2010/main" xmlns:p15="http://schemas.microsoft.com/office/powerpoint/2012/main" xmlns:ahyp="http://schemas.microsoft.com/office/drawing/2018/hyperlinkcolor" matchingName="Section header" type="secHead">
+<p:sldLayout xmlns:a="http://schemas.openxmlformats.org/drawingml/2006/main" xmlns:r="http://schemas.openxmlformats.org/officeDocument/2006/relationships" xmlns:p="http://schemas.openxmlformats.org/presentationml/2006/main" matchingName="Section header" type="secHead">
   <p:cSld name="SECTION_HEADER">
     <p:spTree>
       <p:nvGrpSpPr>
-        <p:cNvPr id="19" name="Shape 19"/>
+        <p:cNvPr id="1" name="Shape 19"/>
         <p:cNvGrpSpPr/>
         <p:nvPr/>
       </p:nvGrpSpPr>
@@ -3963,7 +3975,7 @@
             </a:xfrm>
             <a:prstGeom prst="diagStripe">
               <a:avLst>
-                <a:gd fmla="val 49469" name="adj"/>
+                <a:gd name="adj" fmla="val 49469"/>
               </a:avLst>
             </a:prstGeom>
             <a:solidFill>
@@ -3976,12 +3988,12 @@
             </a:ln>
           </p:spPr>
           <p:txBody>
-            <a:bodyPr anchorCtr="0" anchor="ctr" bIns="91425" lIns="91425" spcFirstLastPara="1" rIns="91425" wrap="square" tIns="91425">
+            <a:bodyPr spcFirstLastPara="1" wrap="square" lIns="91425" tIns="91425" rIns="91425" bIns="91425" anchor="ctr" anchorCtr="0">
               <a:noAutofit/>
             </a:bodyPr>
             <a:lstStyle/>
             <a:p>
-              <a:pPr indent="0" lvl="0" marL="0" rtl="0" algn="l">
+              <a:pPr marL="0" lvl="0" indent="0" algn="l" rtl="0">
                 <a:spcBef>
                   <a:spcPts val="0"/>
                 </a:spcBef>
@@ -3990,9 +4002,6 @@
                 </a:spcAft>
                 <a:buNone/>
               </a:pPr>
-              <a:r>
-                <a:t/>
-              </a:r>
               <a:endParaRPr/>
             </a:p>
           </p:txBody>
@@ -4010,7 +4019,7 @@
             </a:xfrm>
             <a:prstGeom prst="diagStripe">
               <a:avLst>
-                <a:gd fmla="val 0" name="adj"/>
+                <a:gd name="adj" fmla="val 0"/>
               </a:avLst>
             </a:prstGeom>
             <a:solidFill>
@@ -4023,12 +4032,12 @@
             </a:ln>
           </p:spPr>
           <p:txBody>
-            <a:bodyPr anchorCtr="0" anchor="ctr" bIns="91425" lIns="91425" spcFirstLastPara="1" rIns="91425" wrap="square" tIns="91425">
+            <a:bodyPr spcFirstLastPara="1" wrap="square" lIns="91425" tIns="91425" rIns="91425" bIns="91425" anchor="ctr" anchorCtr="0">
               <a:noAutofit/>
             </a:bodyPr>
             <a:lstStyle/>
             <a:p>
-              <a:pPr indent="0" lvl="0" marL="0" rtl="0" algn="l">
+              <a:pPr marL="0" lvl="0" indent="0" algn="l" rtl="0">
                 <a:spcBef>
                   <a:spcPts val="0"/>
                 </a:spcBef>
@@ -4037,9 +4046,6 @@
                 </a:spcAft>
                 <a:buNone/>
               </a:pPr>
-              <a:r>
-                <a:t/>
-              </a:r>
               <a:endParaRPr/>
             </a:p>
           </p:txBody>
@@ -4057,7 +4063,7 @@
             </a:xfrm>
             <a:prstGeom prst="diagStripe">
               <a:avLst>
-                <a:gd fmla="val 50000" name="adj"/>
+                <a:gd name="adj" fmla="val 50000"/>
               </a:avLst>
             </a:prstGeom>
             <a:solidFill>
@@ -4070,12 +4076,12 @@
             </a:ln>
           </p:spPr>
           <p:txBody>
-            <a:bodyPr anchorCtr="0" anchor="ctr" bIns="91425" lIns="91425" spcFirstLastPara="1" rIns="91425" wrap="square" tIns="91425">
+            <a:bodyPr spcFirstLastPara="1" wrap="square" lIns="91425" tIns="91425" rIns="91425" bIns="91425" anchor="ctr" anchorCtr="0">
               <a:noAutofit/>
             </a:bodyPr>
             <a:lstStyle/>
             <a:p>
-              <a:pPr indent="0" lvl="0" marL="0" rtl="0" algn="l">
+              <a:pPr marL="0" lvl="0" indent="0" algn="l" rtl="0">
                 <a:spcBef>
                   <a:spcPts val="0"/>
                 </a:spcBef>
@@ -4084,9 +4090,6 @@
                 </a:spcAft>
                 <a:buNone/>
               </a:pPr>
-              <a:r>
-                <a:t/>
-              </a:r>
               <a:endParaRPr/>
             </a:p>
           </p:txBody>
@@ -4104,7 +4107,7 @@
             </a:xfrm>
             <a:prstGeom prst="diagStripe">
               <a:avLst>
-                <a:gd fmla="val 50000" name="adj"/>
+                <a:gd name="adj" fmla="val 50000"/>
               </a:avLst>
             </a:prstGeom>
             <a:solidFill>
@@ -4117,12 +4120,12 @@
             </a:ln>
           </p:spPr>
           <p:txBody>
-            <a:bodyPr anchorCtr="0" anchor="ctr" bIns="91425" lIns="91425" spcFirstLastPara="1" rIns="91425" wrap="square" tIns="91425">
+            <a:bodyPr spcFirstLastPara="1" wrap="square" lIns="91425" tIns="91425" rIns="91425" bIns="91425" anchor="ctr" anchorCtr="0">
               <a:noAutofit/>
             </a:bodyPr>
             <a:lstStyle/>
             <a:p>
-              <a:pPr indent="0" lvl="0" marL="0" rtl="0" algn="l">
+              <a:pPr marL="0" lvl="0" indent="0" algn="l" rtl="0">
                 <a:spcBef>
                   <a:spcPts val="0"/>
                 </a:spcBef>
@@ -4131,9 +4134,6 @@
                 </a:spcAft>
                 <a:buNone/>
               </a:pPr>
-              <a:r>
-                <a:t/>
-              </a:r>
               <a:endParaRPr/>
             </a:p>
           </p:txBody>
@@ -4151,7 +4151,7 @@
             </a:xfrm>
             <a:prstGeom prst="diagStripe">
               <a:avLst>
-                <a:gd fmla="val 50000" name="adj"/>
+                <a:gd name="adj" fmla="val 50000"/>
               </a:avLst>
             </a:prstGeom>
             <a:solidFill>
@@ -4164,12 +4164,12 @@
             </a:ln>
           </p:spPr>
           <p:txBody>
-            <a:bodyPr anchorCtr="0" anchor="ctr" bIns="91425" lIns="91425" spcFirstLastPara="1" rIns="91425" wrap="square" tIns="91425">
+            <a:bodyPr spcFirstLastPara="1" wrap="square" lIns="91425" tIns="91425" rIns="91425" bIns="91425" anchor="ctr" anchorCtr="0">
               <a:noAutofit/>
             </a:bodyPr>
             <a:lstStyle/>
             <a:p>
-              <a:pPr indent="0" lvl="0" marL="0" rtl="0" algn="l">
+              <a:pPr marL="0" lvl="0" indent="0" algn="l" rtl="0">
                 <a:spcBef>
                   <a:spcPts val="0"/>
                 </a:spcBef>
@@ -4178,9 +4178,6 @@
                 </a:spcAft>
                 <a:buNone/>
               </a:pPr>
-              <a:r>
-                <a:t/>
-              </a:r>
               <a:endParaRPr/>
             </a:p>
           </p:txBody>
@@ -4198,7 +4195,7 @@
             </a:xfrm>
             <a:prstGeom prst="diagStripe">
               <a:avLst>
-                <a:gd fmla="val 50000" name="adj"/>
+                <a:gd name="adj" fmla="val 50000"/>
               </a:avLst>
             </a:prstGeom>
             <a:solidFill>
@@ -4211,12 +4208,12 @@
             </a:ln>
           </p:spPr>
           <p:txBody>
-            <a:bodyPr anchorCtr="0" anchor="ctr" bIns="91425" lIns="91425" spcFirstLastPara="1" rIns="91425" wrap="square" tIns="91425">
+            <a:bodyPr spcFirstLastPara="1" wrap="square" lIns="91425" tIns="91425" rIns="91425" bIns="91425" anchor="ctr" anchorCtr="0">
               <a:noAutofit/>
             </a:bodyPr>
             <a:lstStyle/>
             <a:p>
-              <a:pPr indent="0" lvl="0" marL="0" rtl="0" algn="l">
+              <a:pPr marL="0" lvl="0" indent="0" algn="l" rtl="0">
                 <a:spcBef>
                   <a:spcPts val="0"/>
                 </a:spcBef>
@@ -4225,9 +4222,6 @@
                 </a:spcAft>
                 <a:buNone/>
               </a:pPr>
-              <a:r>
-                <a:t/>
-              </a:r>
               <a:endParaRPr/>
             </a:p>
           </p:txBody>
@@ -4245,7 +4239,7 @@
             </a:xfrm>
             <a:prstGeom prst="diagStripe">
               <a:avLst>
-                <a:gd fmla="val 50000" name="adj"/>
+                <a:gd name="adj" fmla="val 50000"/>
               </a:avLst>
             </a:prstGeom>
             <a:solidFill>
@@ -4258,12 +4252,12 @@
             </a:ln>
           </p:spPr>
           <p:txBody>
-            <a:bodyPr anchorCtr="0" anchor="ctr" bIns="91425" lIns="91425" spcFirstLastPara="1" rIns="91425" wrap="square" tIns="91425">
+            <a:bodyPr spcFirstLastPara="1" wrap="square" lIns="91425" tIns="91425" rIns="91425" bIns="91425" anchor="ctr" anchorCtr="0">
               <a:noAutofit/>
             </a:bodyPr>
             <a:lstStyle/>
             <a:p>
-              <a:pPr indent="0" lvl="0" marL="0" rtl="0" algn="l">
+              <a:pPr marL="0" lvl="0" indent="0" algn="l" rtl="0">
                 <a:spcBef>
                   <a:spcPts val="0"/>
                 </a:spcBef>
@@ -4272,9 +4266,6 @@
                 </a:spcAft>
                 <a:buNone/>
               </a:pPr>
-              <a:r>
-                <a:t/>
-              </a:r>
               <a:endParaRPr/>
             </a:p>
           </p:txBody>
@@ -4292,7 +4283,7 @@
             </a:xfrm>
             <a:prstGeom prst="diagStripe">
               <a:avLst>
-                <a:gd fmla="val 50000" name="adj"/>
+                <a:gd name="adj" fmla="val 50000"/>
               </a:avLst>
             </a:prstGeom>
             <a:solidFill>
@@ -4303,12 +4294,12 @@
             </a:ln>
           </p:spPr>
           <p:txBody>
-            <a:bodyPr anchorCtr="0" anchor="ctr" bIns="91425" lIns="91425" spcFirstLastPara="1" rIns="91425" wrap="square" tIns="91425">
+            <a:bodyPr spcFirstLastPara="1" wrap="square" lIns="91425" tIns="91425" rIns="91425" bIns="91425" anchor="ctr" anchorCtr="0">
               <a:noAutofit/>
             </a:bodyPr>
             <a:lstStyle/>
             <a:p>
-              <a:pPr indent="0" lvl="0" marL="0" rtl="0" algn="l">
+              <a:pPr marL="0" lvl="0" indent="0" algn="l" rtl="0">
                 <a:spcBef>
                   <a:spcPts val="0"/>
                 </a:spcBef>
@@ -4317,9 +4308,6 @@
                 </a:spcAft>
                 <a:buNone/>
               </a:pPr>
-              <a:r>
-                <a:t/>
-              </a:r>
               <a:endParaRPr/>
             </a:p>
           </p:txBody>
@@ -4337,7 +4325,7 @@
             </a:xfrm>
             <a:prstGeom prst="diagStripe">
               <a:avLst>
-                <a:gd fmla="val 50000" name="adj"/>
+                <a:gd name="adj" fmla="val 50000"/>
               </a:avLst>
             </a:prstGeom>
             <a:solidFill>
@@ -4350,12 +4338,12 @@
             </a:ln>
           </p:spPr>
           <p:txBody>
-            <a:bodyPr anchorCtr="0" anchor="ctr" bIns="91425" lIns="91425" spcFirstLastPara="1" rIns="91425" wrap="square" tIns="91425">
+            <a:bodyPr spcFirstLastPara="1" wrap="square" lIns="91425" tIns="91425" rIns="91425" bIns="91425" anchor="ctr" anchorCtr="0">
               <a:noAutofit/>
             </a:bodyPr>
             <a:lstStyle/>
             <a:p>
-              <a:pPr indent="0" lvl="0" marL="0" rtl="0" algn="l">
+              <a:pPr marL="0" lvl="0" indent="0" algn="l" rtl="0">
                 <a:spcBef>
                   <a:spcPts val="0"/>
                 </a:spcBef>
@@ -4364,9 +4352,6 @@
                 </a:spcAft>
                 <a:buNone/>
               </a:pPr>
-              <a:r>
-                <a:t/>
-              </a:r>
               <a:endParaRPr/>
             </a:p>
           </p:txBody>
@@ -4384,7 +4369,7 @@
             </a:xfrm>
             <a:prstGeom prst="diagStripe">
               <a:avLst>
-                <a:gd fmla="val 50000" name="adj"/>
+                <a:gd name="adj" fmla="val 50000"/>
               </a:avLst>
             </a:prstGeom>
             <a:solidFill>
@@ -4397,12 +4382,12 @@
             </a:ln>
           </p:spPr>
           <p:txBody>
-            <a:bodyPr anchorCtr="0" anchor="ctr" bIns="91425" lIns="91425" spcFirstLastPara="1" rIns="91425" wrap="square" tIns="91425">
+            <a:bodyPr spcFirstLastPara="1" wrap="square" lIns="91425" tIns="91425" rIns="91425" bIns="91425" anchor="ctr" anchorCtr="0">
               <a:noAutofit/>
             </a:bodyPr>
             <a:lstStyle/>
             <a:p>
-              <a:pPr indent="0" lvl="0" marL="0" rtl="0" algn="l">
+              <a:pPr marL="0" lvl="0" indent="0" algn="l" rtl="0">
                 <a:spcBef>
                   <a:spcPts val="0"/>
                 </a:spcBef>
@@ -4411,9 +4396,6 @@
                 </a:spcAft>
                 <a:buNone/>
               </a:pPr>
-              <a:r>
-                <a:t/>
-              </a:r>
               <a:endParaRPr/>
             </a:p>
           </p:txBody>
@@ -4431,7 +4413,7 @@
             </a:xfrm>
             <a:prstGeom prst="diagStripe">
               <a:avLst>
-                <a:gd fmla="val 50000" name="adj"/>
+                <a:gd name="adj" fmla="val 50000"/>
               </a:avLst>
             </a:prstGeom>
             <a:solidFill>
@@ -4444,12 +4426,12 @@
             </a:ln>
           </p:spPr>
           <p:txBody>
-            <a:bodyPr anchorCtr="0" anchor="ctr" bIns="91425" lIns="91425" spcFirstLastPara="1" rIns="91425" wrap="square" tIns="91425">
+            <a:bodyPr spcFirstLastPara="1" wrap="square" lIns="91425" tIns="91425" rIns="91425" bIns="91425" anchor="ctr" anchorCtr="0">
               <a:noAutofit/>
             </a:bodyPr>
             <a:lstStyle/>
             <a:p>
-              <a:pPr indent="0" lvl="0" marL="0" rtl="0" algn="l">
+              <a:pPr marL="0" lvl="0" indent="0" algn="l" rtl="0">
                 <a:spcBef>
                   <a:spcPts val="0"/>
                 </a:spcBef>
@@ -4458,9 +4440,6 @@
                 </a:spcAft>
                 <a:buNone/>
               </a:pPr>
-              <a:r>
-                <a:t/>
-              </a:r>
               <a:endParaRPr/>
             </a:p>
           </p:txBody>
@@ -4478,7 +4457,7 @@
             </a:xfrm>
             <a:prstGeom prst="diagStripe">
               <a:avLst>
-                <a:gd fmla="val 50000" name="adj"/>
+                <a:gd name="adj" fmla="val 50000"/>
               </a:avLst>
             </a:prstGeom>
             <a:solidFill>
@@ -4491,12 +4470,12 @@
             </a:ln>
           </p:spPr>
           <p:txBody>
-            <a:bodyPr anchorCtr="0" anchor="ctr" bIns="91425" lIns="91425" spcFirstLastPara="1" rIns="91425" wrap="square" tIns="91425">
+            <a:bodyPr spcFirstLastPara="1" wrap="square" lIns="91425" tIns="91425" rIns="91425" bIns="91425" anchor="ctr" anchorCtr="0">
               <a:noAutofit/>
             </a:bodyPr>
             <a:lstStyle/>
             <a:p>
-              <a:pPr indent="0" lvl="0" marL="0" rtl="0" algn="l">
+              <a:pPr marL="0" lvl="0" indent="0" algn="l" rtl="0">
                 <a:spcBef>
                   <a:spcPts val="0"/>
                 </a:spcBef>
@@ -4505,9 +4484,6 @@
                 </a:spcAft>
                 <a:buNone/>
               </a:pPr>
-              <a:r>
-                <a:t/>
-              </a:r>
               <a:endParaRPr/>
             </a:p>
           </p:txBody>
@@ -4525,7 +4501,7 @@
             </a:xfrm>
             <a:prstGeom prst="diagStripe">
               <a:avLst>
-                <a:gd fmla="val 50000" name="adj"/>
+                <a:gd name="adj" fmla="val 50000"/>
               </a:avLst>
             </a:prstGeom>
             <a:solidFill>
@@ -4538,12 +4514,12 @@
             </a:ln>
           </p:spPr>
           <p:txBody>
-            <a:bodyPr anchorCtr="0" anchor="ctr" bIns="91425" lIns="91425" spcFirstLastPara="1" rIns="91425" wrap="square" tIns="91425">
+            <a:bodyPr spcFirstLastPara="1" wrap="square" lIns="91425" tIns="91425" rIns="91425" bIns="91425" anchor="ctr" anchorCtr="0">
               <a:noAutofit/>
             </a:bodyPr>
             <a:lstStyle/>
             <a:p>
-              <a:pPr indent="0" lvl="0" marL="0" rtl="0" algn="l">
+              <a:pPr marL="0" lvl="0" indent="0" algn="l" rtl="0">
                 <a:spcBef>
                   <a:spcPts val="0"/>
                 </a:spcBef>
@@ -4552,9 +4528,6 @@
                 </a:spcAft>
                 <a:buNone/>
               </a:pPr>
-              <a:r>
-                <a:t/>
-              </a:r>
               <a:endParaRPr/>
             </a:p>
           </p:txBody>
@@ -4572,7 +4545,7 @@
             </a:xfrm>
             <a:prstGeom prst="diagStripe">
               <a:avLst>
-                <a:gd fmla="val 50000" name="adj"/>
+                <a:gd name="adj" fmla="val 50000"/>
               </a:avLst>
             </a:prstGeom>
             <a:solidFill>
@@ -4583,12 +4556,12 @@
             </a:ln>
           </p:spPr>
           <p:txBody>
-            <a:bodyPr anchorCtr="0" anchor="ctr" bIns="91425" lIns="91425" spcFirstLastPara="1" rIns="91425" wrap="square" tIns="91425">
+            <a:bodyPr spcFirstLastPara="1" wrap="square" lIns="91425" tIns="91425" rIns="91425" bIns="91425" anchor="ctr" anchorCtr="0">
               <a:noAutofit/>
             </a:bodyPr>
             <a:lstStyle/>
             <a:p>
-              <a:pPr indent="0" lvl="0" marL="0" rtl="0" algn="l">
+              <a:pPr marL="0" lvl="0" indent="0" algn="l" rtl="0">
                 <a:spcBef>
                   <a:spcPts val="0"/>
                 </a:spcBef>
@@ -4597,9 +4570,6 @@
                 </a:spcAft>
                 <a:buNone/>
               </a:pPr>
-              <a:r>
-                <a:t/>
-              </a:r>
               <a:endParaRPr/>
             </a:p>
           </p:txBody>
@@ -4617,7 +4587,7 @@
             </a:xfrm>
             <a:prstGeom prst="diagStripe">
               <a:avLst>
-                <a:gd fmla="val 50000" name="adj"/>
+                <a:gd name="adj" fmla="val 50000"/>
               </a:avLst>
             </a:prstGeom>
             <a:solidFill>
@@ -4630,12 +4600,12 @@
             </a:ln>
           </p:spPr>
           <p:txBody>
-            <a:bodyPr anchorCtr="0" anchor="ctr" bIns="91425" lIns="91425" spcFirstLastPara="1" rIns="91425" wrap="square" tIns="91425">
+            <a:bodyPr spcFirstLastPara="1" wrap="square" lIns="91425" tIns="91425" rIns="91425" bIns="91425" anchor="ctr" anchorCtr="0">
               <a:noAutofit/>
             </a:bodyPr>
             <a:lstStyle/>
             <a:p>
-              <a:pPr indent="0" lvl="0" marL="0" rtl="0" algn="l">
+              <a:pPr marL="0" lvl="0" indent="0" algn="l" rtl="0">
                 <a:spcBef>
                   <a:spcPts val="0"/>
                 </a:spcBef>
@@ -4644,9 +4614,6 @@
                 </a:spcAft>
                 <a:buNone/>
               </a:pPr>
-              <a:r>
-                <a:t/>
-              </a:r>
               <a:endParaRPr/>
             </a:p>
           </p:txBody>
@@ -4664,7 +4631,7 @@
             </a:xfrm>
             <a:prstGeom prst="diagStripe">
               <a:avLst>
-                <a:gd fmla="val 50000" name="adj"/>
+                <a:gd name="adj" fmla="val 50000"/>
               </a:avLst>
             </a:prstGeom>
             <a:solidFill>
@@ -4677,12 +4644,12 @@
             </a:ln>
           </p:spPr>
           <p:txBody>
-            <a:bodyPr anchorCtr="0" anchor="ctr" bIns="91425" lIns="91425" spcFirstLastPara="1" rIns="91425" wrap="square" tIns="91425">
+            <a:bodyPr spcFirstLastPara="1" wrap="square" lIns="91425" tIns="91425" rIns="91425" bIns="91425" anchor="ctr" anchorCtr="0">
               <a:noAutofit/>
             </a:bodyPr>
             <a:lstStyle/>
             <a:p>
-              <a:pPr indent="0" lvl="0" marL="0" rtl="0" algn="l">
+              <a:pPr marL="0" lvl="0" indent="0" algn="l" rtl="0">
                 <a:spcBef>
                   <a:spcPts val="0"/>
                 </a:spcBef>
@@ -4691,9 +4658,6 @@
                 </a:spcAft>
                 <a:buNone/>
               </a:pPr>
-              <a:r>
-                <a:t/>
-              </a:r>
               <a:endParaRPr/>
             </a:p>
           </p:txBody>
@@ -4711,7 +4675,7 @@
             </a:xfrm>
             <a:prstGeom prst="diagStripe">
               <a:avLst>
-                <a:gd fmla="val 50000" name="adj"/>
+                <a:gd name="adj" fmla="val 50000"/>
               </a:avLst>
             </a:prstGeom>
             <a:solidFill>
@@ -4724,12 +4688,12 @@
             </a:ln>
           </p:spPr>
           <p:txBody>
-            <a:bodyPr anchorCtr="0" anchor="ctr" bIns="91425" lIns="91425" spcFirstLastPara="1" rIns="91425" wrap="square" tIns="91425">
+            <a:bodyPr spcFirstLastPara="1" wrap="square" lIns="91425" tIns="91425" rIns="91425" bIns="91425" anchor="ctr" anchorCtr="0">
               <a:noAutofit/>
             </a:bodyPr>
             <a:lstStyle/>
             <a:p>
-              <a:pPr indent="0" lvl="0" marL="0" rtl="0" algn="l">
+              <a:pPr marL="0" lvl="0" indent="0" algn="l" rtl="0">
                 <a:spcBef>
                   <a:spcPts val="0"/>
                 </a:spcBef>
@@ -4738,9 +4702,6 @@
                 </a:spcAft>
                 <a:buNone/>
               </a:pPr>
-              <a:r>
-                <a:t/>
-              </a:r>
               <a:endParaRPr/>
             </a:p>
           </p:txBody>
@@ -4758,7 +4719,7 @@
             </a:xfrm>
             <a:prstGeom prst="diagStripe">
               <a:avLst>
-                <a:gd fmla="val 50000" name="adj"/>
+                <a:gd name="adj" fmla="val 50000"/>
               </a:avLst>
             </a:prstGeom>
             <a:solidFill>
@@ -4771,12 +4732,12 @@
             </a:ln>
           </p:spPr>
           <p:txBody>
-            <a:bodyPr anchorCtr="0" anchor="ctr" bIns="91425" lIns="91425" spcFirstLastPara="1" rIns="91425" wrap="square" tIns="91425">
+            <a:bodyPr spcFirstLastPara="1" wrap="square" lIns="91425" tIns="91425" rIns="91425" bIns="91425" anchor="ctr" anchorCtr="0">
               <a:noAutofit/>
             </a:bodyPr>
             <a:lstStyle/>
             <a:p>
-              <a:pPr indent="0" lvl="0" marL="0" rtl="0" algn="l">
+              <a:pPr marL="0" lvl="0" indent="0" algn="l" rtl="0">
                 <a:spcBef>
                   <a:spcPts val="0"/>
                 </a:spcBef>
@@ -4785,9 +4746,6 @@
                 </a:spcAft>
                 <a:buNone/>
               </a:pPr>
-              <a:r>
-                <a:t/>
-              </a:r>
               <a:endParaRPr/>
             </a:p>
           </p:txBody>
@@ -4796,7 +4754,9 @@
       <p:sp>
         <p:nvSpPr>
           <p:cNvPr id="39" name="Google Shape;39;p3"/>
-          <p:cNvSpPr txBox="1"/>
+          <p:cNvSpPr txBox="1">
+            <a:spLocks noGrp="1"/>
+          </p:cNvSpPr>
           <p:nvPr>
             <p:ph type="title"/>
           </p:nvPr>
@@ -4811,7 +4771,7 @@
           </a:prstGeom>
         </p:spPr>
         <p:txBody>
-          <a:bodyPr anchorCtr="0" anchor="ctr" bIns="91425" lIns="91425" spcFirstLastPara="1" rIns="91425" wrap="square" tIns="91425">
+          <a:bodyPr spcFirstLastPara="1" wrap="square" lIns="91425" tIns="91425" rIns="91425" bIns="91425" anchor="ctr" anchorCtr="0">
             <a:noAutofit/>
           </a:bodyPr>
           <a:lstStyle>
@@ -4915,15 +4875,19 @@
               <a:defRPr/>
             </a:lvl9pPr>
           </a:lstStyle>
-          <a:p/>
+          <a:p>
+            <a:endParaRPr/>
+          </a:p>
         </p:txBody>
       </p:sp>
       <p:sp>
         <p:nvSpPr>
           <p:cNvPr id="40" name="Google Shape;40;p3"/>
-          <p:cNvSpPr txBox="1"/>
+          <p:cNvSpPr txBox="1">
+            <a:spLocks noGrp="1"/>
+          </p:cNvSpPr>
           <p:nvPr>
-            <p:ph idx="12" type="sldNum"/>
+            <p:ph type="sldNum" idx="12"/>
           </p:nvPr>
         </p:nvSpPr>
         <p:spPr>
@@ -4936,7 +4900,7 @@
           </a:prstGeom>
         </p:spPr>
         <p:txBody>
-          <a:bodyPr anchorCtr="0" anchor="ctr" bIns="91425" lIns="91425" spcFirstLastPara="1" rIns="91425" wrap="square" tIns="91425">
+          <a:bodyPr spcFirstLastPara="1" wrap="square" lIns="91425" tIns="91425" rIns="91425" bIns="91425" anchor="ctr" anchorCtr="0">
             <a:noAutofit/>
           </a:bodyPr>
           <a:lstStyle>
@@ -4978,7 +4942,7 @@
             </a:lvl9pPr>
           </a:lstStyle>
           <a:p>
-            <a:pPr indent="0" lvl="0" marL="0" rtl="0" algn="r">
+            <a:pPr marL="0" lvl="0" indent="0" algn="r" rtl="0">
               <a:spcBef>
                 <a:spcPts val="0"/>
               </a:spcBef>
@@ -5004,11 +4968,11 @@
 </file>
 
 <file path=ppt/slideLayouts/slideLayout3.xml><?xml version="1.0" encoding="utf-8"?>
-<p:sldLayout xmlns:a="http://schemas.openxmlformats.org/drawingml/2006/main" xmlns:r="http://schemas.openxmlformats.org/officeDocument/2006/relationships" xmlns:mc="http://schemas.openxmlformats.org/markup-compatibility/2006" xmlns:mv="urn:schemas-microsoft-com:mac:vml" xmlns:p="http://schemas.openxmlformats.org/presentationml/2006/main" xmlns:c="http://schemas.openxmlformats.org/drawingml/2006/chart" xmlns:dgm="http://schemas.openxmlformats.org/drawingml/2006/diagram" xmlns:o="urn:schemas-microsoft-com:office:office" xmlns:v="urn:schemas-microsoft-com:vml" xmlns:pvml="urn:schemas-microsoft-com:office:powerpoint" xmlns:com="http://schemas.openxmlformats.org/drawingml/2006/compatibility" xmlns:p14="http://schemas.microsoft.com/office/powerpoint/2010/main" xmlns:p15="http://schemas.microsoft.com/office/powerpoint/2012/main" xmlns:ahyp="http://schemas.microsoft.com/office/drawing/2018/hyperlinkcolor" matchingName="Title and body" type="tx">
+<p:sldLayout xmlns:a="http://schemas.openxmlformats.org/drawingml/2006/main" xmlns:r="http://schemas.openxmlformats.org/officeDocument/2006/relationships" xmlns:p="http://schemas.openxmlformats.org/presentationml/2006/main" matchingName="Title and body" type="tx">
   <p:cSld name="TITLE_AND_BODY">
     <p:spTree>
       <p:nvGrpSpPr>
-        <p:cNvPr id="41" name="Shape 41"/>
+        <p:cNvPr id="1" name="Shape 41"/>
         <p:cNvGrpSpPr/>
         <p:nvPr/>
       </p:nvGrpSpPr>
@@ -5047,7 +5011,7 @@
             </a:xfrm>
             <a:prstGeom prst="diagStripe">
               <a:avLst>
-                <a:gd fmla="val 50000" name="adj"/>
+                <a:gd name="adj" fmla="val 50000"/>
               </a:avLst>
             </a:prstGeom>
             <a:solidFill>
@@ -5058,12 +5022,12 @@
             </a:ln>
           </p:spPr>
           <p:txBody>
-            <a:bodyPr anchorCtr="0" anchor="ctr" bIns="91425" lIns="91425" spcFirstLastPara="1" rIns="91425" wrap="square" tIns="91425">
+            <a:bodyPr spcFirstLastPara="1" wrap="square" lIns="91425" tIns="91425" rIns="91425" bIns="91425" anchor="ctr" anchorCtr="0">
               <a:noAutofit/>
             </a:bodyPr>
             <a:lstStyle/>
             <a:p>
-              <a:pPr indent="0" lvl="0" marL="0" rtl="0" algn="l">
+              <a:pPr marL="0" lvl="0" indent="0" algn="l" rtl="0">
                 <a:spcBef>
                   <a:spcPts val="0"/>
                 </a:spcBef>
@@ -5072,9 +5036,6 @@
                 </a:spcAft>
                 <a:buNone/>
               </a:pPr>
-              <a:r>
-                <a:t/>
-              </a:r>
               <a:endParaRPr/>
             </a:p>
           </p:txBody>
@@ -5092,7 +5053,7 @@
             </a:xfrm>
             <a:prstGeom prst="diagStripe">
               <a:avLst>
-                <a:gd fmla="val 50000" name="adj"/>
+                <a:gd name="adj" fmla="val 50000"/>
               </a:avLst>
             </a:prstGeom>
             <a:solidFill>
@@ -5103,12 +5064,12 @@
             </a:ln>
           </p:spPr>
           <p:txBody>
-            <a:bodyPr anchorCtr="0" anchor="ctr" bIns="91425" lIns="91425" spcFirstLastPara="1" rIns="91425" wrap="square" tIns="91425">
+            <a:bodyPr spcFirstLastPara="1" wrap="square" lIns="91425" tIns="91425" rIns="91425" bIns="91425" anchor="ctr" anchorCtr="0">
               <a:noAutofit/>
             </a:bodyPr>
             <a:lstStyle/>
             <a:p>
-              <a:pPr indent="0" lvl="0" marL="0" rtl="0" algn="l">
+              <a:pPr marL="0" lvl="0" indent="0" algn="l" rtl="0">
                 <a:spcBef>
                   <a:spcPts val="0"/>
                 </a:spcBef>
@@ -5117,9 +5078,6 @@
                 </a:spcAft>
                 <a:buNone/>
               </a:pPr>
-              <a:r>
-                <a:t/>
-              </a:r>
               <a:endParaRPr/>
             </a:p>
           </p:txBody>
@@ -5128,7 +5086,9 @@
       <p:sp>
         <p:nvSpPr>
           <p:cNvPr id="45" name="Google Shape;45;p4"/>
-          <p:cNvSpPr txBox="1"/>
+          <p:cNvSpPr txBox="1">
+            <a:spLocks noGrp="1"/>
+          </p:cNvSpPr>
           <p:nvPr>
             <p:ph type="title"/>
           </p:nvPr>
@@ -5143,7 +5103,7 @@
           </a:prstGeom>
         </p:spPr>
         <p:txBody>
-          <a:bodyPr anchorCtr="0" anchor="t" bIns="91425" lIns="91425" spcFirstLastPara="1" rIns="91425" wrap="square" tIns="91425">
+          <a:bodyPr spcFirstLastPara="1" wrap="square" lIns="91425" tIns="91425" rIns="91425" bIns="91425" anchor="t" anchorCtr="0">
             <a:noAutofit/>
           </a:bodyPr>
           <a:lstStyle>
@@ -5247,15 +5207,19 @@
               <a:defRPr sz="2400"/>
             </a:lvl9pPr>
           </a:lstStyle>
-          <a:p/>
+          <a:p>
+            <a:endParaRPr/>
+          </a:p>
         </p:txBody>
       </p:sp>
       <p:sp>
         <p:nvSpPr>
           <p:cNvPr id="46" name="Google Shape;46;p4"/>
-          <p:cNvSpPr txBox="1"/>
+          <p:cNvSpPr txBox="1">
+            <a:spLocks noGrp="1"/>
+          </p:cNvSpPr>
           <p:nvPr>
-            <p:ph idx="1" type="body"/>
+            <p:ph type="body" idx="1"/>
           </p:nvPr>
         </p:nvSpPr>
         <p:spPr>
@@ -5268,11 +5232,11 @@
           </a:prstGeom>
         </p:spPr>
         <p:txBody>
-          <a:bodyPr anchorCtr="0" anchor="t" bIns="91425" lIns="91425" spcFirstLastPara="1" rIns="91425" wrap="square" tIns="91425">
+          <a:bodyPr spcFirstLastPara="1" wrap="square" lIns="91425" tIns="91425" rIns="91425" bIns="91425" anchor="t" anchorCtr="0">
             <a:noAutofit/>
           </a:bodyPr>
           <a:lstStyle>
-            <a:lvl1pPr indent="-311150" lvl="0" marL="457200">
+            <a:lvl1pPr marL="457200" lvl="0" indent="-311150">
               <a:spcBef>
                 <a:spcPts val="0"/>
               </a:spcBef>
@@ -5283,7 +5247,7 @@
               <a:buChar char="●"/>
               <a:defRPr/>
             </a:lvl1pPr>
-            <a:lvl2pPr indent="-298450" lvl="1" marL="914400">
+            <a:lvl2pPr marL="914400" lvl="1" indent="-298450">
               <a:spcBef>
                 <a:spcPts val="1600"/>
               </a:spcBef>
@@ -5294,7 +5258,7 @@
               <a:buChar char="○"/>
               <a:defRPr/>
             </a:lvl2pPr>
-            <a:lvl3pPr indent="-298450" lvl="2" marL="1371600">
+            <a:lvl3pPr marL="1371600" lvl="2" indent="-298450">
               <a:spcBef>
                 <a:spcPts val="1600"/>
               </a:spcBef>
@@ -5305,7 +5269,7 @@
               <a:buChar char="■"/>
               <a:defRPr/>
             </a:lvl3pPr>
-            <a:lvl4pPr indent="-298450" lvl="3" marL="1828800">
+            <a:lvl4pPr marL="1828800" lvl="3" indent="-298450">
               <a:spcBef>
                 <a:spcPts val="1600"/>
               </a:spcBef>
@@ -5316,7 +5280,7 @@
               <a:buChar char="●"/>
               <a:defRPr/>
             </a:lvl4pPr>
-            <a:lvl5pPr indent="-298450" lvl="4" marL="2286000">
+            <a:lvl5pPr marL="2286000" lvl="4" indent="-298450">
               <a:spcBef>
                 <a:spcPts val="1600"/>
               </a:spcBef>
@@ -5327,7 +5291,7 @@
               <a:buChar char="○"/>
               <a:defRPr/>
             </a:lvl5pPr>
-            <a:lvl6pPr indent="-298450" lvl="5" marL="2743200">
+            <a:lvl6pPr marL="2743200" lvl="5" indent="-298450">
               <a:spcBef>
                 <a:spcPts val="1600"/>
               </a:spcBef>
@@ -5338,7 +5302,7 @@
               <a:buChar char="■"/>
               <a:defRPr/>
             </a:lvl6pPr>
-            <a:lvl7pPr indent="-298450" lvl="6" marL="3200400">
+            <a:lvl7pPr marL="3200400" lvl="6" indent="-298450">
               <a:spcBef>
                 <a:spcPts val="1600"/>
               </a:spcBef>
@@ -5349,7 +5313,7 @@
               <a:buChar char="●"/>
               <a:defRPr/>
             </a:lvl7pPr>
-            <a:lvl8pPr indent="-298450" lvl="7" marL="3657600">
+            <a:lvl8pPr marL="3657600" lvl="7" indent="-298450">
               <a:spcBef>
                 <a:spcPts val="1600"/>
               </a:spcBef>
@@ -5360,7 +5324,7 @@
               <a:buChar char="○"/>
               <a:defRPr/>
             </a:lvl8pPr>
-            <a:lvl9pPr indent="-298450" lvl="8" marL="4114800">
+            <a:lvl9pPr marL="4114800" lvl="8" indent="-298450">
               <a:spcBef>
                 <a:spcPts val="1600"/>
               </a:spcBef>
@@ -5372,15 +5336,19 @@
               <a:defRPr/>
             </a:lvl9pPr>
           </a:lstStyle>
-          <a:p/>
+          <a:p>
+            <a:endParaRPr/>
+          </a:p>
         </p:txBody>
       </p:sp>
       <p:sp>
         <p:nvSpPr>
           <p:cNvPr id="47" name="Google Shape;47;p4"/>
-          <p:cNvSpPr txBox="1"/>
+          <p:cNvSpPr txBox="1">
+            <a:spLocks noGrp="1"/>
+          </p:cNvSpPr>
           <p:nvPr>
-            <p:ph idx="12" type="sldNum"/>
+            <p:ph type="sldNum" idx="12"/>
           </p:nvPr>
         </p:nvSpPr>
         <p:spPr>
@@ -5393,7 +5361,7 @@
           </a:prstGeom>
         </p:spPr>
         <p:txBody>
-          <a:bodyPr anchorCtr="0" anchor="ctr" bIns="91425" lIns="91425" spcFirstLastPara="1" rIns="91425" wrap="square" tIns="91425">
+          <a:bodyPr spcFirstLastPara="1" wrap="square" lIns="91425" tIns="91425" rIns="91425" bIns="91425" anchor="ctr" anchorCtr="0">
             <a:noAutofit/>
           </a:bodyPr>
           <a:lstStyle>
@@ -5435,7 +5403,7 @@
             </a:lvl9pPr>
           </a:lstStyle>
           <a:p>
-            <a:pPr indent="0" lvl="0" marL="0" rtl="0" algn="r">
+            <a:pPr marL="0" lvl="0" indent="0" algn="r" rtl="0">
               <a:spcBef>
                 <a:spcPts val="0"/>
               </a:spcBef>
@@ -5461,11 +5429,11 @@
 </file>
 
 <file path=ppt/slideLayouts/slideLayout4.xml><?xml version="1.0" encoding="utf-8"?>
-<p:sldLayout xmlns:a="http://schemas.openxmlformats.org/drawingml/2006/main" xmlns:r="http://schemas.openxmlformats.org/officeDocument/2006/relationships" xmlns:mc="http://schemas.openxmlformats.org/markup-compatibility/2006" xmlns:mv="urn:schemas-microsoft-com:mac:vml" xmlns:p="http://schemas.openxmlformats.org/presentationml/2006/main" xmlns:c="http://schemas.openxmlformats.org/drawingml/2006/chart" xmlns:dgm="http://schemas.openxmlformats.org/drawingml/2006/diagram" xmlns:o="urn:schemas-microsoft-com:office:office" xmlns:v="urn:schemas-microsoft-com:vml" xmlns:pvml="urn:schemas-microsoft-com:office:powerpoint" xmlns:com="http://schemas.openxmlformats.org/drawingml/2006/compatibility" xmlns:p14="http://schemas.microsoft.com/office/powerpoint/2010/main" xmlns:p15="http://schemas.microsoft.com/office/powerpoint/2012/main" xmlns:ahyp="http://schemas.microsoft.com/office/drawing/2018/hyperlinkcolor" matchingName="Title and two columns" type="twoColTx">
+<p:sldLayout xmlns:a="http://schemas.openxmlformats.org/drawingml/2006/main" xmlns:r="http://schemas.openxmlformats.org/officeDocument/2006/relationships" xmlns:p="http://schemas.openxmlformats.org/presentationml/2006/main" matchingName="Title and two columns" type="twoColTx">
   <p:cSld name="TITLE_AND_TWO_COLUMNS">
     <p:spTree>
       <p:nvGrpSpPr>
-        <p:cNvPr id="48" name="Shape 48"/>
+        <p:cNvPr id="1" name="Shape 48"/>
         <p:cNvGrpSpPr/>
         <p:nvPr/>
       </p:nvGrpSpPr>
@@ -5504,7 +5472,7 @@
             </a:xfrm>
             <a:prstGeom prst="diagStripe">
               <a:avLst>
-                <a:gd fmla="val 50000" name="adj"/>
+                <a:gd name="adj" fmla="val 50000"/>
               </a:avLst>
             </a:prstGeom>
             <a:solidFill>
@@ -5515,12 +5483,12 @@
             </a:ln>
           </p:spPr>
           <p:txBody>
-            <a:bodyPr anchorCtr="0" anchor="ctr" bIns="91425" lIns="91425" spcFirstLastPara="1" rIns="91425" wrap="square" tIns="91425">
+            <a:bodyPr spcFirstLastPara="1" wrap="square" lIns="91425" tIns="91425" rIns="91425" bIns="91425" anchor="ctr" anchorCtr="0">
               <a:noAutofit/>
             </a:bodyPr>
             <a:lstStyle/>
             <a:p>
-              <a:pPr indent="0" lvl="0" marL="0" rtl="0" algn="l">
+              <a:pPr marL="0" lvl="0" indent="0" algn="l" rtl="0">
                 <a:spcBef>
                   <a:spcPts val="0"/>
                 </a:spcBef>
@@ -5529,9 +5497,6 @@
                 </a:spcAft>
                 <a:buNone/>
               </a:pPr>
-              <a:r>
-                <a:t/>
-              </a:r>
               <a:endParaRPr/>
             </a:p>
           </p:txBody>
@@ -5549,7 +5514,7 @@
             </a:xfrm>
             <a:prstGeom prst="diagStripe">
               <a:avLst>
-                <a:gd fmla="val 50000" name="adj"/>
+                <a:gd name="adj" fmla="val 50000"/>
               </a:avLst>
             </a:prstGeom>
             <a:solidFill>
@@ -5560,12 +5525,12 @@
             </a:ln>
           </p:spPr>
           <p:txBody>
-            <a:bodyPr anchorCtr="0" anchor="ctr" bIns="91425" lIns="91425" spcFirstLastPara="1" rIns="91425" wrap="square" tIns="91425">
+            <a:bodyPr spcFirstLastPara="1" wrap="square" lIns="91425" tIns="91425" rIns="91425" bIns="91425" anchor="ctr" anchorCtr="0">
               <a:noAutofit/>
             </a:bodyPr>
             <a:lstStyle/>
             <a:p>
-              <a:pPr indent="0" lvl="0" marL="0" rtl="0" algn="l">
+              <a:pPr marL="0" lvl="0" indent="0" algn="l" rtl="0">
                 <a:spcBef>
                   <a:spcPts val="0"/>
                 </a:spcBef>
@@ -5574,9 +5539,6 @@
                 </a:spcAft>
                 <a:buNone/>
               </a:pPr>
-              <a:r>
-                <a:t/>
-              </a:r>
               <a:endParaRPr/>
             </a:p>
           </p:txBody>
@@ -5585,7 +5547,9 @@
       <p:sp>
         <p:nvSpPr>
           <p:cNvPr id="52" name="Google Shape;52;p5"/>
-          <p:cNvSpPr txBox="1"/>
+          <p:cNvSpPr txBox="1">
+            <a:spLocks noGrp="1"/>
+          </p:cNvSpPr>
           <p:nvPr>
             <p:ph type="title"/>
           </p:nvPr>
@@ -5600,7 +5564,7 @@
           </a:prstGeom>
         </p:spPr>
         <p:txBody>
-          <a:bodyPr anchorCtr="0" anchor="t" bIns="91425" lIns="91425" spcFirstLastPara="1" rIns="91425" wrap="square" tIns="91425">
+          <a:bodyPr spcFirstLastPara="1" wrap="square" lIns="91425" tIns="91425" rIns="91425" bIns="91425" anchor="t" anchorCtr="0">
             <a:noAutofit/>
           </a:bodyPr>
           <a:lstStyle>
@@ -5704,15 +5668,19 @@
               <a:defRPr sz="2400"/>
             </a:lvl9pPr>
           </a:lstStyle>
-          <a:p/>
+          <a:p>
+            <a:endParaRPr/>
+          </a:p>
         </p:txBody>
       </p:sp>
       <p:sp>
         <p:nvSpPr>
           <p:cNvPr id="53" name="Google Shape;53;p5"/>
-          <p:cNvSpPr txBox="1"/>
+          <p:cNvSpPr txBox="1">
+            <a:spLocks noGrp="1"/>
+          </p:cNvSpPr>
           <p:nvPr>
-            <p:ph idx="1" type="body"/>
+            <p:ph type="body" idx="1"/>
           </p:nvPr>
         </p:nvSpPr>
         <p:spPr>
@@ -5725,11 +5693,11 @@
           </a:prstGeom>
         </p:spPr>
         <p:txBody>
-          <a:bodyPr anchorCtr="0" anchor="t" bIns="91425" lIns="91425" spcFirstLastPara="1" rIns="91425" wrap="square" tIns="91425">
+          <a:bodyPr spcFirstLastPara="1" wrap="square" lIns="91425" tIns="91425" rIns="91425" bIns="91425" anchor="t" anchorCtr="0">
             <a:noAutofit/>
           </a:bodyPr>
           <a:lstStyle>
-            <a:lvl1pPr indent="-311150" lvl="0" marL="457200">
+            <a:lvl1pPr marL="457200" lvl="0" indent="-311150">
               <a:spcBef>
                 <a:spcPts val="0"/>
               </a:spcBef>
@@ -5740,7 +5708,7 @@
               <a:buChar char="●"/>
               <a:defRPr/>
             </a:lvl1pPr>
-            <a:lvl2pPr indent="-298450" lvl="1" marL="914400">
+            <a:lvl2pPr marL="914400" lvl="1" indent="-298450">
               <a:spcBef>
                 <a:spcPts val="1600"/>
               </a:spcBef>
@@ -5751,7 +5719,7 @@
               <a:buChar char="○"/>
               <a:defRPr/>
             </a:lvl2pPr>
-            <a:lvl3pPr indent="-298450" lvl="2" marL="1371600">
+            <a:lvl3pPr marL="1371600" lvl="2" indent="-298450">
               <a:spcBef>
                 <a:spcPts val="1600"/>
               </a:spcBef>
@@ -5762,7 +5730,7 @@
               <a:buChar char="■"/>
               <a:defRPr/>
             </a:lvl3pPr>
-            <a:lvl4pPr indent="-298450" lvl="3" marL="1828800">
+            <a:lvl4pPr marL="1828800" lvl="3" indent="-298450">
               <a:spcBef>
                 <a:spcPts val="1600"/>
               </a:spcBef>
@@ -5773,7 +5741,7 @@
               <a:buChar char="●"/>
               <a:defRPr/>
             </a:lvl4pPr>
-            <a:lvl5pPr indent="-298450" lvl="4" marL="2286000">
+            <a:lvl5pPr marL="2286000" lvl="4" indent="-298450">
               <a:spcBef>
                 <a:spcPts val="1600"/>
               </a:spcBef>
@@ -5784,7 +5752,7 @@
               <a:buChar char="○"/>
               <a:defRPr/>
             </a:lvl5pPr>
-            <a:lvl6pPr indent="-298450" lvl="5" marL="2743200">
+            <a:lvl6pPr marL="2743200" lvl="5" indent="-298450">
               <a:spcBef>
                 <a:spcPts val="1600"/>
               </a:spcBef>
@@ -5795,7 +5763,7 @@
               <a:buChar char="■"/>
               <a:defRPr/>
             </a:lvl6pPr>
-            <a:lvl7pPr indent="-298450" lvl="6" marL="3200400">
+            <a:lvl7pPr marL="3200400" lvl="6" indent="-298450">
               <a:spcBef>
                 <a:spcPts val="1600"/>
               </a:spcBef>
@@ -5806,7 +5774,7 @@
               <a:buChar char="●"/>
               <a:defRPr/>
             </a:lvl7pPr>
-            <a:lvl8pPr indent="-298450" lvl="7" marL="3657600">
+            <a:lvl8pPr marL="3657600" lvl="7" indent="-298450">
               <a:spcBef>
                 <a:spcPts val="1600"/>
               </a:spcBef>
@@ -5817,7 +5785,7 @@
               <a:buChar char="○"/>
               <a:defRPr/>
             </a:lvl8pPr>
-            <a:lvl9pPr indent="-298450" lvl="8" marL="4114800">
+            <a:lvl9pPr marL="4114800" lvl="8" indent="-298450">
               <a:spcBef>
                 <a:spcPts val="1600"/>
               </a:spcBef>
@@ -5829,15 +5797,19 @@
               <a:defRPr/>
             </a:lvl9pPr>
           </a:lstStyle>
-          <a:p/>
+          <a:p>
+            <a:endParaRPr/>
+          </a:p>
         </p:txBody>
       </p:sp>
       <p:sp>
         <p:nvSpPr>
           <p:cNvPr id="54" name="Google Shape;54;p5"/>
-          <p:cNvSpPr txBox="1"/>
+          <p:cNvSpPr txBox="1">
+            <a:spLocks noGrp="1"/>
+          </p:cNvSpPr>
           <p:nvPr>
-            <p:ph idx="2" type="body"/>
+            <p:ph type="body" idx="2"/>
           </p:nvPr>
         </p:nvSpPr>
         <p:spPr>
@@ -5850,11 +5822,11 @@
           </a:prstGeom>
         </p:spPr>
         <p:txBody>
-          <a:bodyPr anchorCtr="0" anchor="t" bIns="91425" lIns="91425" spcFirstLastPara="1" rIns="91425" wrap="square" tIns="91425">
+          <a:bodyPr spcFirstLastPara="1" wrap="square" lIns="91425" tIns="91425" rIns="91425" bIns="91425" anchor="t" anchorCtr="0">
             <a:noAutofit/>
           </a:bodyPr>
           <a:lstStyle>
-            <a:lvl1pPr indent="-311150" lvl="0" marL="457200">
+            <a:lvl1pPr marL="457200" lvl="0" indent="-311150">
               <a:spcBef>
                 <a:spcPts val="0"/>
               </a:spcBef>
@@ -5865,7 +5837,7 @@
               <a:buChar char="●"/>
               <a:defRPr/>
             </a:lvl1pPr>
-            <a:lvl2pPr indent="-298450" lvl="1" marL="914400">
+            <a:lvl2pPr marL="914400" lvl="1" indent="-298450">
               <a:spcBef>
                 <a:spcPts val="1600"/>
               </a:spcBef>
@@ -5876,7 +5848,7 @@
               <a:buChar char="○"/>
               <a:defRPr/>
             </a:lvl2pPr>
-            <a:lvl3pPr indent="-298450" lvl="2" marL="1371600">
+            <a:lvl3pPr marL="1371600" lvl="2" indent="-298450">
               <a:spcBef>
                 <a:spcPts val="1600"/>
               </a:spcBef>
@@ -5887,7 +5859,7 @@
               <a:buChar char="■"/>
               <a:defRPr/>
             </a:lvl3pPr>
-            <a:lvl4pPr indent="-298450" lvl="3" marL="1828800">
+            <a:lvl4pPr marL="1828800" lvl="3" indent="-298450">
               <a:spcBef>
                 <a:spcPts val="1600"/>
               </a:spcBef>
@@ -5898,7 +5870,7 @@
               <a:buChar char="●"/>
               <a:defRPr/>
             </a:lvl4pPr>
-            <a:lvl5pPr indent="-298450" lvl="4" marL="2286000">
+            <a:lvl5pPr marL="2286000" lvl="4" indent="-298450">
               <a:spcBef>
                 <a:spcPts val="1600"/>
               </a:spcBef>
@@ -5909,7 +5881,7 @@
               <a:buChar char="○"/>
               <a:defRPr/>
             </a:lvl5pPr>
-            <a:lvl6pPr indent="-298450" lvl="5" marL="2743200">
+            <a:lvl6pPr marL="2743200" lvl="5" indent="-298450">
               <a:spcBef>
                 <a:spcPts val="1600"/>
               </a:spcBef>
@@ -5920,7 +5892,7 @@
               <a:buChar char="■"/>
               <a:defRPr/>
             </a:lvl6pPr>
-            <a:lvl7pPr indent="-298450" lvl="6" marL="3200400">
+            <a:lvl7pPr marL="3200400" lvl="6" indent="-298450">
               <a:spcBef>
                 <a:spcPts val="1600"/>
               </a:spcBef>
@@ -5931,7 +5903,7 @@
               <a:buChar char="●"/>
               <a:defRPr/>
             </a:lvl7pPr>
-            <a:lvl8pPr indent="-298450" lvl="7" marL="3657600">
+            <a:lvl8pPr marL="3657600" lvl="7" indent="-298450">
               <a:spcBef>
                 <a:spcPts val="1600"/>
               </a:spcBef>
@@ -5942,7 +5914,7 @@
               <a:buChar char="○"/>
               <a:defRPr/>
             </a:lvl8pPr>
-            <a:lvl9pPr indent="-298450" lvl="8" marL="4114800">
+            <a:lvl9pPr marL="4114800" lvl="8" indent="-298450">
               <a:spcBef>
                 <a:spcPts val="1600"/>
               </a:spcBef>
@@ -5954,15 +5926,19 @@
               <a:defRPr/>
             </a:lvl9pPr>
           </a:lstStyle>
-          <a:p/>
+          <a:p>
+            <a:endParaRPr/>
+          </a:p>
         </p:txBody>
       </p:sp>
       <p:sp>
         <p:nvSpPr>
           <p:cNvPr id="55" name="Google Shape;55;p5"/>
-          <p:cNvSpPr txBox="1"/>
+          <p:cNvSpPr txBox="1">
+            <a:spLocks noGrp="1"/>
+          </p:cNvSpPr>
           <p:nvPr>
-            <p:ph idx="12" type="sldNum"/>
+            <p:ph type="sldNum" idx="12"/>
           </p:nvPr>
         </p:nvSpPr>
         <p:spPr>
@@ -5975,7 +5951,7 @@
           </a:prstGeom>
         </p:spPr>
         <p:txBody>
-          <a:bodyPr anchorCtr="0" anchor="ctr" bIns="91425" lIns="91425" spcFirstLastPara="1" rIns="91425" wrap="square" tIns="91425">
+          <a:bodyPr spcFirstLastPara="1" wrap="square" lIns="91425" tIns="91425" rIns="91425" bIns="91425" anchor="ctr" anchorCtr="0">
             <a:noAutofit/>
           </a:bodyPr>
           <a:lstStyle>
@@ -6017,7 +5993,7 @@
             </a:lvl9pPr>
           </a:lstStyle>
           <a:p>
-            <a:pPr indent="0" lvl="0" marL="0" rtl="0" algn="r">
+            <a:pPr marL="0" lvl="0" indent="0" algn="r" rtl="0">
               <a:spcBef>
                 <a:spcPts val="0"/>
               </a:spcBef>
@@ -6043,11 +6019,11 @@
 </file>
 
 <file path=ppt/slideLayouts/slideLayout5.xml><?xml version="1.0" encoding="utf-8"?>
-<p:sldLayout xmlns:a="http://schemas.openxmlformats.org/drawingml/2006/main" xmlns:r="http://schemas.openxmlformats.org/officeDocument/2006/relationships" xmlns:mc="http://schemas.openxmlformats.org/markup-compatibility/2006" xmlns:mv="urn:schemas-microsoft-com:mac:vml" xmlns:p="http://schemas.openxmlformats.org/presentationml/2006/main" xmlns:c="http://schemas.openxmlformats.org/drawingml/2006/chart" xmlns:dgm="http://schemas.openxmlformats.org/drawingml/2006/diagram" xmlns:o="urn:schemas-microsoft-com:office:office" xmlns:v="urn:schemas-microsoft-com:vml" xmlns:pvml="urn:schemas-microsoft-com:office:powerpoint" xmlns:com="http://schemas.openxmlformats.org/drawingml/2006/compatibility" xmlns:p14="http://schemas.microsoft.com/office/powerpoint/2010/main" xmlns:p15="http://schemas.microsoft.com/office/powerpoint/2012/main" xmlns:ahyp="http://schemas.microsoft.com/office/drawing/2018/hyperlinkcolor" matchingName="Title only" type="titleOnly">
+<p:sldLayout xmlns:a="http://schemas.openxmlformats.org/drawingml/2006/main" xmlns:r="http://schemas.openxmlformats.org/officeDocument/2006/relationships" xmlns:p="http://schemas.openxmlformats.org/presentationml/2006/main" matchingName="Title only" type="titleOnly">
   <p:cSld name="TITLE_ONLY">
     <p:spTree>
       <p:nvGrpSpPr>
-        <p:cNvPr id="56" name="Shape 56"/>
+        <p:cNvPr id="1" name="Shape 56"/>
         <p:cNvGrpSpPr/>
         <p:nvPr/>
       </p:nvGrpSpPr>
@@ -6086,7 +6062,7 @@
             </a:xfrm>
             <a:prstGeom prst="diagStripe">
               <a:avLst>
-                <a:gd fmla="val 50000" name="adj"/>
+                <a:gd name="adj" fmla="val 50000"/>
               </a:avLst>
             </a:prstGeom>
             <a:solidFill>
@@ -6097,12 +6073,12 @@
             </a:ln>
           </p:spPr>
           <p:txBody>
-            <a:bodyPr anchorCtr="0" anchor="ctr" bIns="91425" lIns="91425" spcFirstLastPara="1" rIns="91425" wrap="square" tIns="91425">
+            <a:bodyPr spcFirstLastPara="1" wrap="square" lIns="91425" tIns="91425" rIns="91425" bIns="91425" anchor="ctr" anchorCtr="0">
               <a:noAutofit/>
             </a:bodyPr>
             <a:lstStyle/>
             <a:p>
-              <a:pPr indent="0" lvl="0" marL="0" rtl="0" algn="l">
+              <a:pPr marL="0" lvl="0" indent="0" algn="l" rtl="0">
                 <a:spcBef>
                   <a:spcPts val="0"/>
                 </a:spcBef>
@@ -6111,9 +6087,6 @@
                 </a:spcAft>
                 <a:buNone/>
               </a:pPr>
-              <a:r>
-                <a:t/>
-              </a:r>
               <a:endParaRPr/>
             </a:p>
           </p:txBody>
@@ -6131,7 +6104,7 @@
             </a:xfrm>
             <a:prstGeom prst="diagStripe">
               <a:avLst>
-                <a:gd fmla="val 50000" name="adj"/>
+                <a:gd name="adj" fmla="val 50000"/>
               </a:avLst>
             </a:prstGeom>
             <a:solidFill>
@@ -6142,12 +6115,12 @@
             </a:ln>
           </p:spPr>
           <p:txBody>
-            <a:bodyPr anchorCtr="0" anchor="ctr" bIns="91425" lIns="91425" spcFirstLastPara="1" rIns="91425" wrap="square" tIns="91425">
+            <a:bodyPr spcFirstLastPara="1" wrap="square" lIns="91425" tIns="91425" rIns="91425" bIns="91425" anchor="ctr" anchorCtr="0">
               <a:noAutofit/>
             </a:bodyPr>
             <a:lstStyle/>
             <a:p>
-              <a:pPr indent="0" lvl="0" marL="0" rtl="0" algn="l">
+              <a:pPr marL="0" lvl="0" indent="0" algn="l" rtl="0">
                 <a:spcBef>
                   <a:spcPts val="0"/>
                 </a:spcBef>
@@ -6156,9 +6129,6 @@
                 </a:spcAft>
                 <a:buNone/>
               </a:pPr>
-              <a:r>
-                <a:t/>
-              </a:r>
               <a:endParaRPr/>
             </a:p>
           </p:txBody>
@@ -6167,7 +6137,9 @@
       <p:sp>
         <p:nvSpPr>
           <p:cNvPr id="60" name="Google Shape;60;p6"/>
-          <p:cNvSpPr txBox="1"/>
+          <p:cNvSpPr txBox="1">
+            <a:spLocks noGrp="1"/>
+          </p:cNvSpPr>
           <p:nvPr>
             <p:ph type="title"/>
           </p:nvPr>
@@ -6182,7 +6154,7 @@
           </a:prstGeom>
         </p:spPr>
         <p:txBody>
-          <a:bodyPr anchorCtr="0" anchor="t" bIns="91425" lIns="91425" spcFirstLastPara="1" rIns="91425" wrap="square" tIns="91425">
+          <a:bodyPr spcFirstLastPara="1" wrap="square" lIns="91425" tIns="91425" rIns="91425" bIns="91425" anchor="t" anchorCtr="0">
             <a:noAutofit/>
           </a:bodyPr>
           <a:lstStyle>
@@ -6286,15 +6258,19 @@
               <a:defRPr sz="2400"/>
             </a:lvl9pPr>
           </a:lstStyle>
-          <a:p/>
+          <a:p>
+            <a:endParaRPr/>
+          </a:p>
         </p:txBody>
       </p:sp>
       <p:sp>
         <p:nvSpPr>
           <p:cNvPr id="61" name="Google Shape;61;p6"/>
-          <p:cNvSpPr txBox="1"/>
+          <p:cNvSpPr txBox="1">
+            <a:spLocks noGrp="1"/>
+          </p:cNvSpPr>
           <p:nvPr>
-            <p:ph idx="12" type="sldNum"/>
+            <p:ph type="sldNum" idx="12"/>
           </p:nvPr>
         </p:nvSpPr>
         <p:spPr>
@@ -6307,7 +6283,7 @@
           </a:prstGeom>
         </p:spPr>
         <p:txBody>
-          <a:bodyPr anchorCtr="0" anchor="ctr" bIns="91425" lIns="91425" spcFirstLastPara="1" rIns="91425" wrap="square" tIns="91425">
+          <a:bodyPr spcFirstLastPara="1" wrap="square" lIns="91425" tIns="91425" rIns="91425" bIns="91425" anchor="ctr" anchorCtr="0">
             <a:noAutofit/>
           </a:bodyPr>
           <a:lstStyle>
@@ -6349,7 +6325,7 @@
             </a:lvl9pPr>
           </a:lstStyle>
           <a:p>
-            <a:pPr indent="0" lvl="0" marL="0" rtl="0" algn="r">
+            <a:pPr marL="0" lvl="0" indent="0" algn="r" rtl="0">
               <a:spcBef>
                 <a:spcPts val="0"/>
               </a:spcBef>
@@ -6375,11 +6351,11 @@
 </file>
 
 <file path=ppt/slideLayouts/slideLayout6.xml><?xml version="1.0" encoding="utf-8"?>
-<p:sldLayout xmlns:a="http://schemas.openxmlformats.org/drawingml/2006/main" xmlns:r="http://schemas.openxmlformats.org/officeDocument/2006/relationships" xmlns:mc="http://schemas.openxmlformats.org/markup-compatibility/2006" xmlns:mv="urn:schemas-microsoft-com:mac:vml" xmlns:p="http://schemas.openxmlformats.org/presentationml/2006/main" xmlns:c="http://schemas.openxmlformats.org/drawingml/2006/chart" xmlns:dgm="http://schemas.openxmlformats.org/drawingml/2006/diagram" xmlns:o="urn:schemas-microsoft-com:office:office" xmlns:v="urn:schemas-microsoft-com:vml" xmlns:pvml="urn:schemas-microsoft-com:office:powerpoint" xmlns:com="http://schemas.openxmlformats.org/drawingml/2006/compatibility" xmlns:p14="http://schemas.microsoft.com/office/powerpoint/2010/main" xmlns:p15="http://schemas.microsoft.com/office/powerpoint/2012/main" xmlns:ahyp="http://schemas.microsoft.com/office/drawing/2018/hyperlinkcolor" matchingName="One column text">
+<p:sldLayout xmlns:a="http://schemas.openxmlformats.org/drawingml/2006/main" xmlns:r="http://schemas.openxmlformats.org/officeDocument/2006/relationships" xmlns:p="http://schemas.openxmlformats.org/presentationml/2006/main" matchingName="One column text">
   <p:cSld name="ONE_COLUMN_TEXT">
     <p:spTree>
       <p:nvGrpSpPr>
-        <p:cNvPr id="62" name="Shape 62"/>
+        <p:cNvPr id="1" name="Shape 62"/>
         <p:cNvGrpSpPr/>
         <p:nvPr/>
       </p:nvGrpSpPr>
@@ -6418,7 +6394,7 @@
             </a:xfrm>
             <a:prstGeom prst="diagStripe">
               <a:avLst>
-                <a:gd fmla="val 50000" name="adj"/>
+                <a:gd name="adj" fmla="val 50000"/>
               </a:avLst>
             </a:prstGeom>
             <a:solidFill>
@@ -6429,12 +6405,12 @@
             </a:ln>
           </p:spPr>
           <p:txBody>
-            <a:bodyPr anchorCtr="0" anchor="ctr" bIns="91425" lIns="91425" spcFirstLastPara="1" rIns="91425" wrap="square" tIns="91425">
+            <a:bodyPr spcFirstLastPara="1" wrap="square" lIns="91425" tIns="91425" rIns="91425" bIns="91425" anchor="ctr" anchorCtr="0">
               <a:noAutofit/>
             </a:bodyPr>
             <a:lstStyle/>
             <a:p>
-              <a:pPr indent="0" lvl="0" marL="0" rtl="0" algn="l">
+              <a:pPr marL="0" lvl="0" indent="0" algn="l" rtl="0">
                 <a:spcBef>
                   <a:spcPts val="0"/>
                 </a:spcBef>
@@ -6443,9 +6419,6 @@
                 </a:spcAft>
                 <a:buNone/>
               </a:pPr>
-              <a:r>
-                <a:t/>
-              </a:r>
               <a:endParaRPr/>
             </a:p>
           </p:txBody>
@@ -6463,7 +6436,7 @@
             </a:xfrm>
             <a:prstGeom prst="diagStripe">
               <a:avLst>
-                <a:gd fmla="val 50000" name="adj"/>
+                <a:gd name="adj" fmla="val 50000"/>
               </a:avLst>
             </a:prstGeom>
             <a:solidFill>
@@ -6474,12 +6447,12 @@
             </a:ln>
           </p:spPr>
           <p:txBody>
-            <a:bodyPr anchorCtr="0" anchor="ctr" bIns="91425" lIns="91425" spcFirstLastPara="1" rIns="91425" wrap="square" tIns="91425">
+            <a:bodyPr spcFirstLastPara="1" wrap="square" lIns="91425" tIns="91425" rIns="91425" bIns="91425" anchor="ctr" anchorCtr="0">
               <a:noAutofit/>
             </a:bodyPr>
             <a:lstStyle/>
             <a:p>
-              <a:pPr indent="0" lvl="0" marL="0" rtl="0" algn="l">
+              <a:pPr marL="0" lvl="0" indent="0" algn="l" rtl="0">
                 <a:spcBef>
                   <a:spcPts val="0"/>
                 </a:spcBef>
@@ -6488,9 +6461,6 @@
                 </a:spcAft>
                 <a:buNone/>
               </a:pPr>
-              <a:r>
-                <a:t/>
-              </a:r>
               <a:endParaRPr/>
             </a:p>
           </p:txBody>
@@ -6499,7 +6469,9 @@
       <p:sp>
         <p:nvSpPr>
           <p:cNvPr id="66" name="Google Shape;66;p7"/>
-          <p:cNvSpPr txBox="1"/>
+          <p:cNvSpPr txBox="1">
+            <a:spLocks noGrp="1"/>
+          </p:cNvSpPr>
           <p:nvPr>
             <p:ph type="title"/>
           </p:nvPr>
@@ -6514,7 +6486,7 @@
           </a:prstGeom>
         </p:spPr>
         <p:txBody>
-          <a:bodyPr anchorCtr="0" anchor="t" bIns="91425" lIns="91425" spcFirstLastPara="1" rIns="91425" wrap="square" tIns="91425">
+          <a:bodyPr spcFirstLastPara="1" wrap="square" lIns="91425" tIns="91425" rIns="91425" bIns="91425" anchor="t" anchorCtr="0">
             <a:noAutofit/>
           </a:bodyPr>
           <a:lstStyle>
@@ -6618,15 +6590,19 @@
               <a:defRPr sz="2400"/>
             </a:lvl9pPr>
           </a:lstStyle>
-          <a:p/>
+          <a:p>
+            <a:endParaRPr/>
+          </a:p>
         </p:txBody>
       </p:sp>
       <p:sp>
         <p:nvSpPr>
           <p:cNvPr id="67" name="Google Shape;67;p7"/>
-          <p:cNvSpPr txBox="1"/>
+          <p:cNvSpPr txBox="1">
+            <a:spLocks noGrp="1"/>
+          </p:cNvSpPr>
           <p:nvPr>
-            <p:ph idx="1" type="body"/>
+            <p:ph type="body" idx="1"/>
           </p:nvPr>
         </p:nvSpPr>
         <p:spPr>
@@ -6639,11 +6615,11 @@
           </a:prstGeom>
         </p:spPr>
         <p:txBody>
-          <a:bodyPr anchorCtr="0" anchor="t" bIns="91425" lIns="91425" spcFirstLastPara="1" rIns="91425" wrap="square" tIns="91425">
+          <a:bodyPr spcFirstLastPara="1" wrap="square" lIns="91425" tIns="91425" rIns="91425" bIns="91425" anchor="t" anchorCtr="0">
             <a:noAutofit/>
           </a:bodyPr>
           <a:lstStyle>
-            <a:lvl1pPr indent="-311150" lvl="0" marL="457200">
+            <a:lvl1pPr marL="457200" lvl="0" indent="-311150">
               <a:spcBef>
                 <a:spcPts val="0"/>
               </a:spcBef>
@@ -6654,7 +6630,7 @@
               <a:buChar char="●"/>
               <a:defRPr/>
             </a:lvl1pPr>
-            <a:lvl2pPr indent="-298450" lvl="1" marL="914400">
+            <a:lvl2pPr marL="914400" lvl="1" indent="-298450">
               <a:spcBef>
                 <a:spcPts val="1600"/>
               </a:spcBef>
@@ -6665,7 +6641,7 @@
               <a:buChar char="○"/>
               <a:defRPr/>
             </a:lvl2pPr>
-            <a:lvl3pPr indent="-298450" lvl="2" marL="1371600">
+            <a:lvl3pPr marL="1371600" lvl="2" indent="-298450">
               <a:spcBef>
                 <a:spcPts val="1600"/>
               </a:spcBef>
@@ -6676,7 +6652,7 @@
               <a:buChar char="■"/>
               <a:defRPr/>
             </a:lvl3pPr>
-            <a:lvl4pPr indent="-298450" lvl="3" marL="1828800">
+            <a:lvl4pPr marL="1828800" lvl="3" indent="-298450">
               <a:spcBef>
                 <a:spcPts val="1600"/>
               </a:spcBef>
@@ -6687,7 +6663,7 @@
               <a:buChar char="●"/>
               <a:defRPr/>
             </a:lvl4pPr>
-            <a:lvl5pPr indent="-298450" lvl="4" marL="2286000">
+            <a:lvl5pPr marL="2286000" lvl="4" indent="-298450">
               <a:spcBef>
                 <a:spcPts val="1600"/>
               </a:spcBef>
@@ -6698,7 +6674,7 @@
               <a:buChar char="○"/>
               <a:defRPr/>
             </a:lvl5pPr>
-            <a:lvl6pPr indent="-298450" lvl="5" marL="2743200">
+            <a:lvl6pPr marL="2743200" lvl="5" indent="-298450">
               <a:spcBef>
                 <a:spcPts val="1600"/>
               </a:spcBef>
@@ -6709,7 +6685,7 @@
               <a:buChar char="■"/>
               <a:defRPr/>
             </a:lvl6pPr>
-            <a:lvl7pPr indent="-298450" lvl="6" marL="3200400">
+            <a:lvl7pPr marL="3200400" lvl="6" indent="-298450">
               <a:spcBef>
                 <a:spcPts val="1600"/>
               </a:spcBef>
@@ -6720,7 +6696,7 @@
               <a:buChar char="●"/>
               <a:defRPr/>
             </a:lvl7pPr>
-            <a:lvl8pPr indent="-298450" lvl="7" marL="3657600">
+            <a:lvl8pPr marL="3657600" lvl="7" indent="-298450">
               <a:spcBef>
                 <a:spcPts val="1600"/>
               </a:spcBef>
@@ -6731,7 +6707,7 @@
               <a:buChar char="○"/>
               <a:defRPr/>
             </a:lvl8pPr>
-            <a:lvl9pPr indent="-298450" lvl="8" marL="4114800">
+            <a:lvl9pPr marL="4114800" lvl="8" indent="-298450">
               <a:spcBef>
                 <a:spcPts val="1600"/>
               </a:spcBef>
@@ -6743,15 +6719,19 @@
               <a:defRPr/>
             </a:lvl9pPr>
           </a:lstStyle>
-          <a:p/>
+          <a:p>
+            <a:endParaRPr/>
+          </a:p>
         </p:txBody>
       </p:sp>
       <p:sp>
         <p:nvSpPr>
           <p:cNvPr id="68" name="Google Shape;68;p7"/>
-          <p:cNvSpPr txBox="1"/>
+          <p:cNvSpPr txBox="1">
+            <a:spLocks noGrp="1"/>
+          </p:cNvSpPr>
           <p:nvPr>
-            <p:ph idx="12" type="sldNum"/>
+            <p:ph type="sldNum" idx="12"/>
           </p:nvPr>
         </p:nvSpPr>
         <p:spPr>
@@ -6764,7 +6744,7 @@
           </a:prstGeom>
         </p:spPr>
         <p:txBody>
-          <a:bodyPr anchorCtr="0" anchor="ctr" bIns="91425" lIns="91425" spcFirstLastPara="1" rIns="91425" wrap="square" tIns="91425">
+          <a:bodyPr spcFirstLastPara="1" wrap="square" lIns="91425" tIns="91425" rIns="91425" bIns="91425" anchor="ctr" anchorCtr="0">
             <a:noAutofit/>
           </a:bodyPr>
           <a:lstStyle>
@@ -6806,7 +6786,7 @@
             </a:lvl9pPr>
           </a:lstStyle>
           <a:p>
-            <a:pPr indent="0" lvl="0" marL="0" rtl="0" algn="r">
+            <a:pPr marL="0" lvl="0" indent="0" algn="r" rtl="0">
               <a:spcBef>
                 <a:spcPts val="0"/>
               </a:spcBef>
@@ -6832,11 +6812,11 @@
 </file>
 
 <file path=ppt/slideLayouts/slideLayout7.xml><?xml version="1.0" encoding="utf-8"?>
-<p:sldLayout xmlns:a="http://schemas.openxmlformats.org/drawingml/2006/main" xmlns:r="http://schemas.openxmlformats.org/officeDocument/2006/relationships" xmlns:mc="http://schemas.openxmlformats.org/markup-compatibility/2006" xmlns:mv="urn:schemas-microsoft-com:mac:vml" xmlns:p="http://schemas.openxmlformats.org/presentationml/2006/main" xmlns:c="http://schemas.openxmlformats.org/drawingml/2006/chart" xmlns:dgm="http://schemas.openxmlformats.org/drawingml/2006/diagram" xmlns:o="urn:schemas-microsoft-com:office:office" xmlns:v="urn:schemas-microsoft-com:vml" xmlns:pvml="urn:schemas-microsoft-com:office:powerpoint" xmlns:com="http://schemas.openxmlformats.org/drawingml/2006/compatibility" xmlns:p14="http://schemas.microsoft.com/office/powerpoint/2010/main" xmlns:p15="http://schemas.microsoft.com/office/powerpoint/2012/main" xmlns:ahyp="http://schemas.microsoft.com/office/drawing/2018/hyperlinkcolor" matchingName="Main point">
+<p:sldLayout xmlns:a="http://schemas.openxmlformats.org/drawingml/2006/main" xmlns:r="http://schemas.openxmlformats.org/officeDocument/2006/relationships" xmlns:p="http://schemas.openxmlformats.org/presentationml/2006/main" matchingName="Main point">
   <p:cSld name="MAIN_POINT">
     <p:spTree>
       <p:nvGrpSpPr>
-        <p:cNvPr id="69" name="Shape 69"/>
+        <p:cNvPr id="1" name="Shape 69"/>
         <p:cNvGrpSpPr/>
         <p:nvPr/>
       </p:nvGrpSpPr>
@@ -6875,7 +6855,7 @@
             </a:xfrm>
             <a:prstGeom prst="diagStripe">
               <a:avLst>
-                <a:gd fmla="val 49469" name="adj"/>
+                <a:gd name="adj" fmla="val 49469"/>
               </a:avLst>
             </a:prstGeom>
             <a:solidFill>
@@ -6888,12 +6868,12 @@
             </a:ln>
           </p:spPr>
           <p:txBody>
-            <a:bodyPr anchorCtr="0" anchor="ctr" bIns="91425" lIns="91425" spcFirstLastPara="1" rIns="91425" wrap="square" tIns="91425">
+            <a:bodyPr spcFirstLastPara="1" wrap="square" lIns="91425" tIns="91425" rIns="91425" bIns="91425" anchor="ctr" anchorCtr="0">
               <a:noAutofit/>
             </a:bodyPr>
             <a:lstStyle/>
             <a:p>
-              <a:pPr indent="0" lvl="0" marL="0" rtl="0" algn="l">
+              <a:pPr marL="0" lvl="0" indent="0" algn="l" rtl="0">
                 <a:spcBef>
                   <a:spcPts val="0"/>
                 </a:spcBef>
@@ -6902,9 +6882,6 @@
                 </a:spcAft>
                 <a:buNone/>
               </a:pPr>
-              <a:r>
-                <a:t/>
-              </a:r>
               <a:endParaRPr/>
             </a:p>
           </p:txBody>
@@ -6922,7 +6899,7 @@
             </a:xfrm>
             <a:prstGeom prst="diagStripe">
               <a:avLst>
-                <a:gd fmla="val 0" name="adj"/>
+                <a:gd name="adj" fmla="val 0"/>
               </a:avLst>
             </a:prstGeom>
             <a:solidFill>
@@ -6935,12 +6912,12 @@
             </a:ln>
           </p:spPr>
           <p:txBody>
-            <a:bodyPr anchorCtr="0" anchor="ctr" bIns="91425" lIns="91425" spcFirstLastPara="1" rIns="91425" wrap="square" tIns="91425">
+            <a:bodyPr spcFirstLastPara="1" wrap="square" lIns="91425" tIns="91425" rIns="91425" bIns="91425" anchor="ctr" anchorCtr="0">
               <a:noAutofit/>
             </a:bodyPr>
             <a:lstStyle/>
             <a:p>
-              <a:pPr indent="0" lvl="0" marL="0" rtl="0" algn="l">
+              <a:pPr marL="0" lvl="0" indent="0" algn="l" rtl="0">
                 <a:spcBef>
                   <a:spcPts val="0"/>
                 </a:spcBef>
@@ -6949,9 +6926,6 @@
                 </a:spcAft>
                 <a:buNone/>
               </a:pPr>
-              <a:r>
-                <a:t/>
-              </a:r>
               <a:endParaRPr/>
             </a:p>
           </p:txBody>
@@ -6969,7 +6943,7 @@
             </a:xfrm>
             <a:prstGeom prst="diagStripe">
               <a:avLst>
-                <a:gd fmla="val 50000" name="adj"/>
+                <a:gd name="adj" fmla="val 50000"/>
               </a:avLst>
             </a:prstGeom>
             <a:solidFill>
@@ -6982,12 +6956,12 @@
             </a:ln>
           </p:spPr>
           <p:txBody>
-            <a:bodyPr anchorCtr="0" anchor="ctr" bIns="91425" lIns="91425" spcFirstLastPara="1" rIns="91425" wrap="square" tIns="91425">
+            <a:bodyPr spcFirstLastPara="1" wrap="square" lIns="91425" tIns="91425" rIns="91425" bIns="91425" anchor="ctr" anchorCtr="0">
               <a:noAutofit/>
             </a:bodyPr>
             <a:lstStyle/>
             <a:p>
-              <a:pPr indent="0" lvl="0" marL="0" rtl="0" algn="l">
+              <a:pPr marL="0" lvl="0" indent="0" algn="l" rtl="0">
                 <a:spcBef>
                   <a:spcPts val="0"/>
                 </a:spcBef>
@@ -6996,9 +6970,6 @@
                 </a:spcAft>
                 <a:buNone/>
               </a:pPr>
-              <a:r>
-                <a:t/>
-              </a:r>
               <a:endParaRPr/>
             </a:p>
           </p:txBody>
@@ -7016,7 +6987,7 @@
             </a:xfrm>
             <a:prstGeom prst="diagStripe">
               <a:avLst>
-                <a:gd fmla="val 50000" name="adj"/>
+                <a:gd name="adj" fmla="val 50000"/>
               </a:avLst>
             </a:prstGeom>
             <a:solidFill>
@@ -7029,12 +7000,12 @@
             </a:ln>
           </p:spPr>
           <p:txBody>
-            <a:bodyPr anchorCtr="0" anchor="ctr" bIns="91425" lIns="91425" spcFirstLastPara="1" rIns="91425" wrap="square" tIns="91425">
+            <a:bodyPr spcFirstLastPara="1" wrap="square" lIns="91425" tIns="91425" rIns="91425" bIns="91425" anchor="ctr" anchorCtr="0">
               <a:noAutofit/>
             </a:bodyPr>
             <a:lstStyle/>
             <a:p>
-              <a:pPr indent="0" lvl="0" marL="0" rtl="0" algn="l">
+              <a:pPr marL="0" lvl="0" indent="0" algn="l" rtl="0">
                 <a:spcBef>
                   <a:spcPts val="0"/>
                 </a:spcBef>
@@ -7043,9 +7014,6 @@
                 </a:spcAft>
                 <a:buNone/>
               </a:pPr>
-              <a:r>
-                <a:t/>
-              </a:r>
               <a:endParaRPr/>
             </a:p>
           </p:txBody>
@@ -7063,7 +7031,7 @@
             </a:xfrm>
             <a:prstGeom prst="diagStripe">
               <a:avLst>
-                <a:gd fmla="val 50000" name="adj"/>
+                <a:gd name="adj" fmla="val 50000"/>
               </a:avLst>
             </a:prstGeom>
             <a:solidFill>
@@ -7076,12 +7044,12 @@
             </a:ln>
           </p:spPr>
           <p:txBody>
-            <a:bodyPr anchorCtr="0" anchor="ctr" bIns="91425" lIns="91425" spcFirstLastPara="1" rIns="91425" wrap="square" tIns="91425">
+            <a:bodyPr spcFirstLastPara="1" wrap="square" lIns="91425" tIns="91425" rIns="91425" bIns="91425" anchor="ctr" anchorCtr="0">
               <a:noAutofit/>
             </a:bodyPr>
             <a:lstStyle/>
             <a:p>
-              <a:pPr indent="0" lvl="0" marL="0" rtl="0" algn="l">
+              <a:pPr marL="0" lvl="0" indent="0" algn="l" rtl="0">
                 <a:spcBef>
                   <a:spcPts val="0"/>
                 </a:spcBef>
@@ -7090,9 +7058,6 @@
                 </a:spcAft>
                 <a:buNone/>
               </a:pPr>
-              <a:r>
-                <a:t/>
-              </a:r>
               <a:endParaRPr/>
             </a:p>
           </p:txBody>
@@ -7110,7 +7075,7 @@
             </a:xfrm>
             <a:prstGeom prst="diagStripe">
               <a:avLst>
-                <a:gd fmla="val 50000" name="adj"/>
+                <a:gd name="adj" fmla="val 50000"/>
               </a:avLst>
             </a:prstGeom>
             <a:solidFill>
@@ -7123,12 +7088,12 @@
             </a:ln>
           </p:spPr>
           <p:txBody>
-            <a:bodyPr anchorCtr="0" anchor="ctr" bIns="91425" lIns="91425" spcFirstLastPara="1" rIns="91425" wrap="square" tIns="91425">
+            <a:bodyPr spcFirstLastPara="1" wrap="square" lIns="91425" tIns="91425" rIns="91425" bIns="91425" anchor="ctr" anchorCtr="0">
               <a:noAutofit/>
             </a:bodyPr>
             <a:lstStyle/>
             <a:p>
-              <a:pPr indent="0" lvl="0" marL="0" rtl="0" algn="l">
+              <a:pPr marL="0" lvl="0" indent="0" algn="l" rtl="0">
                 <a:spcBef>
                   <a:spcPts val="0"/>
                 </a:spcBef>
@@ -7137,9 +7102,6 @@
                 </a:spcAft>
                 <a:buNone/>
               </a:pPr>
-              <a:r>
-                <a:t/>
-              </a:r>
               <a:endParaRPr/>
             </a:p>
           </p:txBody>
@@ -7157,7 +7119,7 @@
             </a:xfrm>
             <a:prstGeom prst="diagStripe">
               <a:avLst>
-                <a:gd fmla="val 50000" name="adj"/>
+                <a:gd name="adj" fmla="val 50000"/>
               </a:avLst>
             </a:prstGeom>
             <a:solidFill>
@@ -7170,12 +7132,12 @@
             </a:ln>
           </p:spPr>
           <p:txBody>
-            <a:bodyPr anchorCtr="0" anchor="ctr" bIns="91425" lIns="91425" spcFirstLastPara="1" rIns="91425" wrap="square" tIns="91425">
+            <a:bodyPr spcFirstLastPara="1" wrap="square" lIns="91425" tIns="91425" rIns="91425" bIns="91425" anchor="ctr" anchorCtr="0">
               <a:noAutofit/>
             </a:bodyPr>
             <a:lstStyle/>
             <a:p>
-              <a:pPr indent="0" lvl="0" marL="0" rtl="0" algn="l">
+              <a:pPr marL="0" lvl="0" indent="0" algn="l" rtl="0">
                 <a:spcBef>
                   <a:spcPts val="0"/>
                 </a:spcBef>
@@ -7184,9 +7146,6 @@
                 </a:spcAft>
                 <a:buNone/>
               </a:pPr>
-              <a:r>
-                <a:t/>
-              </a:r>
               <a:endParaRPr/>
             </a:p>
           </p:txBody>
@@ -7204,7 +7163,7 @@
             </a:xfrm>
             <a:prstGeom prst="diagStripe">
               <a:avLst>
-                <a:gd fmla="val 50000" name="adj"/>
+                <a:gd name="adj" fmla="val 50000"/>
               </a:avLst>
             </a:prstGeom>
             <a:solidFill>
@@ -7215,12 +7174,12 @@
             </a:ln>
           </p:spPr>
           <p:txBody>
-            <a:bodyPr anchorCtr="0" anchor="ctr" bIns="91425" lIns="91425" spcFirstLastPara="1" rIns="91425" wrap="square" tIns="91425">
+            <a:bodyPr spcFirstLastPara="1" wrap="square" lIns="91425" tIns="91425" rIns="91425" bIns="91425" anchor="ctr" anchorCtr="0">
               <a:noAutofit/>
             </a:bodyPr>
             <a:lstStyle/>
             <a:p>
-              <a:pPr indent="0" lvl="0" marL="0" rtl="0" algn="l">
+              <a:pPr marL="0" lvl="0" indent="0" algn="l" rtl="0">
                 <a:spcBef>
                   <a:spcPts val="0"/>
                 </a:spcBef>
@@ -7229,9 +7188,6 @@
                 </a:spcAft>
                 <a:buNone/>
               </a:pPr>
-              <a:r>
-                <a:t/>
-              </a:r>
               <a:endParaRPr/>
             </a:p>
           </p:txBody>
@@ -7249,7 +7205,7 @@
             </a:xfrm>
             <a:prstGeom prst="diagStripe">
               <a:avLst>
-                <a:gd fmla="val 50000" name="adj"/>
+                <a:gd name="adj" fmla="val 50000"/>
               </a:avLst>
             </a:prstGeom>
             <a:solidFill>
@@ -7262,12 +7218,12 @@
             </a:ln>
           </p:spPr>
           <p:txBody>
-            <a:bodyPr anchorCtr="0" anchor="ctr" bIns="91425" lIns="91425" spcFirstLastPara="1" rIns="91425" wrap="square" tIns="91425">
+            <a:bodyPr spcFirstLastPara="1" wrap="square" lIns="91425" tIns="91425" rIns="91425" bIns="91425" anchor="ctr" anchorCtr="0">
               <a:noAutofit/>
             </a:bodyPr>
             <a:lstStyle/>
             <a:p>
-              <a:pPr indent="0" lvl="0" marL="0" rtl="0" algn="l">
+              <a:pPr marL="0" lvl="0" indent="0" algn="l" rtl="0">
                 <a:spcBef>
                   <a:spcPts val="0"/>
                 </a:spcBef>
@@ -7276,9 +7232,6 @@
                 </a:spcAft>
                 <a:buNone/>
               </a:pPr>
-              <a:r>
-                <a:t/>
-              </a:r>
               <a:endParaRPr/>
             </a:p>
           </p:txBody>
@@ -7296,7 +7249,7 @@
             </a:xfrm>
             <a:prstGeom prst="diagStripe">
               <a:avLst>
-                <a:gd fmla="val 50000" name="adj"/>
+                <a:gd name="adj" fmla="val 50000"/>
               </a:avLst>
             </a:prstGeom>
             <a:solidFill>
@@ -7309,12 +7262,12 @@
             </a:ln>
           </p:spPr>
           <p:txBody>
-            <a:bodyPr anchorCtr="0" anchor="ctr" bIns="91425" lIns="91425" spcFirstLastPara="1" rIns="91425" wrap="square" tIns="91425">
+            <a:bodyPr spcFirstLastPara="1" wrap="square" lIns="91425" tIns="91425" rIns="91425" bIns="91425" anchor="ctr" anchorCtr="0">
               <a:noAutofit/>
             </a:bodyPr>
             <a:lstStyle/>
             <a:p>
-              <a:pPr indent="0" lvl="0" marL="0" rtl="0" algn="l">
+              <a:pPr marL="0" lvl="0" indent="0" algn="l" rtl="0">
                 <a:spcBef>
                   <a:spcPts val="0"/>
                 </a:spcBef>
@@ -7323,9 +7276,6 @@
                 </a:spcAft>
                 <a:buNone/>
               </a:pPr>
-              <a:r>
-                <a:t/>
-              </a:r>
               <a:endParaRPr/>
             </a:p>
           </p:txBody>
@@ -7343,7 +7293,7 @@
             </a:xfrm>
             <a:prstGeom prst="diagStripe">
               <a:avLst>
-                <a:gd fmla="val 50000" name="adj"/>
+                <a:gd name="adj" fmla="val 50000"/>
               </a:avLst>
             </a:prstGeom>
             <a:solidFill>
@@ -7356,12 +7306,12 @@
             </a:ln>
           </p:spPr>
           <p:txBody>
-            <a:bodyPr anchorCtr="0" anchor="ctr" bIns="91425" lIns="91425" spcFirstLastPara="1" rIns="91425" wrap="square" tIns="91425">
+            <a:bodyPr spcFirstLastPara="1" wrap="square" lIns="91425" tIns="91425" rIns="91425" bIns="91425" anchor="ctr" anchorCtr="0">
               <a:noAutofit/>
             </a:bodyPr>
             <a:lstStyle/>
             <a:p>
-              <a:pPr indent="0" lvl="0" marL="0" rtl="0" algn="l">
+              <a:pPr marL="0" lvl="0" indent="0" algn="l" rtl="0">
                 <a:spcBef>
                   <a:spcPts val="0"/>
                 </a:spcBef>
@@ -7370,9 +7320,6 @@
                 </a:spcAft>
                 <a:buNone/>
               </a:pPr>
-              <a:r>
-                <a:t/>
-              </a:r>
               <a:endParaRPr/>
             </a:p>
           </p:txBody>
@@ -7390,7 +7337,7 @@
             </a:xfrm>
             <a:prstGeom prst="diagStripe">
               <a:avLst>
-                <a:gd fmla="val 50000" name="adj"/>
+                <a:gd name="adj" fmla="val 50000"/>
               </a:avLst>
             </a:prstGeom>
             <a:solidFill>
@@ -7403,12 +7350,12 @@
             </a:ln>
           </p:spPr>
           <p:txBody>
-            <a:bodyPr anchorCtr="0" anchor="ctr" bIns="91425" lIns="91425" spcFirstLastPara="1" rIns="91425" wrap="square" tIns="91425">
+            <a:bodyPr spcFirstLastPara="1" wrap="square" lIns="91425" tIns="91425" rIns="91425" bIns="91425" anchor="ctr" anchorCtr="0">
               <a:noAutofit/>
             </a:bodyPr>
             <a:lstStyle/>
             <a:p>
-              <a:pPr indent="0" lvl="0" marL="0" rtl="0" algn="l">
+              <a:pPr marL="0" lvl="0" indent="0" algn="l" rtl="0">
                 <a:spcBef>
                   <a:spcPts val="0"/>
                 </a:spcBef>
@@ -7417,9 +7364,6 @@
                 </a:spcAft>
                 <a:buNone/>
               </a:pPr>
-              <a:r>
-                <a:t/>
-              </a:r>
               <a:endParaRPr/>
             </a:p>
           </p:txBody>
@@ -7437,7 +7381,7 @@
             </a:xfrm>
             <a:prstGeom prst="diagStripe">
               <a:avLst>
-                <a:gd fmla="val 50000" name="adj"/>
+                <a:gd name="adj" fmla="val 50000"/>
               </a:avLst>
             </a:prstGeom>
             <a:solidFill>
@@ -7450,12 +7394,12 @@
             </a:ln>
           </p:spPr>
           <p:txBody>
-            <a:bodyPr anchorCtr="0" anchor="ctr" bIns="91425" lIns="91425" spcFirstLastPara="1" rIns="91425" wrap="square" tIns="91425">
+            <a:bodyPr spcFirstLastPara="1" wrap="square" lIns="91425" tIns="91425" rIns="91425" bIns="91425" anchor="ctr" anchorCtr="0">
               <a:noAutofit/>
             </a:bodyPr>
             <a:lstStyle/>
             <a:p>
-              <a:pPr indent="0" lvl="0" marL="0" rtl="0" algn="l">
+              <a:pPr marL="0" lvl="0" indent="0" algn="l" rtl="0">
                 <a:spcBef>
                   <a:spcPts val="0"/>
                 </a:spcBef>
@@ -7464,9 +7408,6 @@
                 </a:spcAft>
                 <a:buNone/>
               </a:pPr>
-              <a:r>
-                <a:t/>
-              </a:r>
               <a:endParaRPr/>
             </a:p>
           </p:txBody>
@@ -7484,7 +7425,7 @@
             </a:xfrm>
             <a:prstGeom prst="diagStripe">
               <a:avLst>
-                <a:gd fmla="val 50000" name="adj"/>
+                <a:gd name="adj" fmla="val 50000"/>
               </a:avLst>
             </a:prstGeom>
             <a:solidFill>
@@ -7495,12 +7436,12 @@
             </a:ln>
           </p:spPr>
           <p:txBody>
-            <a:bodyPr anchorCtr="0" anchor="ctr" bIns="91425" lIns="91425" spcFirstLastPara="1" rIns="91425" wrap="square" tIns="91425">
+            <a:bodyPr spcFirstLastPara="1" wrap="square" lIns="91425" tIns="91425" rIns="91425" bIns="91425" anchor="ctr" anchorCtr="0">
               <a:noAutofit/>
             </a:bodyPr>
             <a:lstStyle/>
             <a:p>
-              <a:pPr indent="0" lvl="0" marL="0" rtl="0" algn="l">
+              <a:pPr marL="0" lvl="0" indent="0" algn="l" rtl="0">
                 <a:spcBef>
                   <a:spcPts val="0"/>
                 </a:spcBef>
@@ -7509,9 +7450,6 @@
                 </a:spcAft>
                 <a:buNone/>
               </a:pPr>
-              <a:r>
-                <a:t/>
-              </a:r>
               <a:endParaRPr/>
             </a:p>
           </p:txBody>
@@ -7529,7 +7467,7 @@
             </a:xfrm>
             <a:prstGeom prst="diagStripe">
               <a:avLst>
-                <a:gd fmla="val 50000" name="adj"/>
+                <a:gd name="adj" fmla="val 50000"/>
               </a:avLst>
             </a:prstGeom>
             <a:solidFill>
@@ -7542,12 +7480,12 @@
             </a:ln>
           </p:spPr>
           <p:txBody>
-            <a:bodyPr anchorCtr="0" anchor="ctr" bIns="91425" lIns="91425" spcFirstLastPara="1" rIns="91425" wrap="square" tIns="91425">
+            <a:bodyPr spcFirstLastPara="1" wrap="square" lIns="91425" tIns="91425" rIns="91425" bIns="91425" anchor="ctr" anchorCtr="0">
               <a:noAutofit/>
             </a:bodyPr>
             <a:lstStyle/>
             <a:p>
-              <a:pPr indent="0" lvl="0" marL="0" rtl="0" algn="l">
+              <a:pPr marL="0" lvl="0" indent="0" algn="l" rtl="0">
                 <a:spcBef>
                   <a:spcPts val="0"/>
                 </a:spcBef>
@@ -7556,9 +7494,6 @@
                 </a:spcAft>
                 <a:buNone/>
               </a:pPr>
-              <a:r>
-                <a:t/>
-              </a:r>
               <a:endParaRPr/>
             </a:p>
           </p:txBody>
@@ -7576,7 +7511,7 @@
             </a:xfrm>
             <a:prstGeom prst="diagStripe">
               <a:avLst>
-                <a:gd fmla="val 50000" name="adj"/>
+                <a:gd name="adj" fmla="val 50000"/>
               </a:avLst>
             </a:prstGeom>
             <a:solidFill>
@@ -7589,12 +7524,12 @@
             </a:ln>
           </p:spPr>
           <p:txBody>
-            <a:bodyPr anchorCtr="0" anchor="ctr" bIns="91425" lIns="91425" spcFirstLastPara="1" rIns="91425" wrap="square" tIns="91425">
+            <a:bodyPr spcFirstLastPara="1" wrap="square" lIns="91425" tIns="91425" rIns="91425" bIns="91425" anchor="ctr" anchorCtr="0">
               <a:noAutofit/>
             </a:bodyPr>
             <a:lstStyle/>
             <a:p>
-              <a:pPr indent="0" lvl="0" marL="0" rtl="0" algn="l">
+              <a:pPr marL="0" lvl="0" indent="0" algn="l" rtl="0">
                 <a:spcBef>
                   <a:spcPts val="0"/>
                 </a:spcBef>
@@ -7603,9 +7538,6 @@
                 </a:spcAft>
                 <a:buNone/>
               </a:pPr>
-              <a:r>
-                <a:t/>
-              </a:r>
               <a:endParaRPr/>
             </a:p>
           </p:txBody>
@@ -7623,7 +7555,7 @@
             </a:xfrm>
             <a:prstGeom prst="diagStripe">
               <a:avLst>
-                <a:gd fmla="val 50000" name="adj"/>
+                <a:gd name="adj" fmla="val 50000"/>
               </a:avLst>
             </a:prstGeom>
             <a:solidFill>
@@ -7636,12 +7568,12 @@
             </a:ln>
           </p:spPr>
           <p:txBody>
-            <a:bodyPr anchorCtr="0" anchor="ctr" bIns="91425" lIns="91425" spcFirstLastPara="1" rIns="91425" wrap="square" tIns="91425">
+            <a:bodyPr spcFirstLastPara="1" wrap="square" lIns="91425" tIns="91425" rIns="91425" bIns="91425" anchor="ctr" anchorCtr="0">
               <a:noAutofit/>
             </a:bodyPr>
             <a:lstStyle/>
             <a:p>
-              <a:pPr indent="0" lvl="0" marL="0" rtl="0" algn="l">
+              <a:pPr marL="0" lvl="0" indent="0" algn="l" rtl="0">
                 <a:spcBef>
                   <a:spcPts val="0"/>
                 </a:spcBef>
@@ -7650,9 +7582,6 @@
                 </a:spcAft>
                 <a:buNone/>
               </a:pPr>
-              <a:r>
-                <a:t/>
-              </a:r>
               <a:endParaRPr/>
             </a:p>
           </p:txBody>
@@ -7670,7 +7599,7 @@
             </a:xfrm>
             <a:prstGeom prst="diagStripe">
               <a:avLst>
-                <a:gd fmla="val 50000" name="adj"/>
+                <a:gd name="adj" fmla="val 50000"/>
               </a:avLst>
             </a:prstGeom>
             <a:solidFill>
@@ -7683,12 +7612,12 @@
             </a:ln>
           </p:spPr>
           <p:txBody>
-            <a:bodyPr anchorCtr="0" anchor="ctr" bIns="91425" lIns="91425" spcFirstLastPara="1" rIns="91425" wrap="square" tIns="91425">
+            <a:bodyPr spcFirstLastPara="1" wrap="square" lIns="91425" tIns="91425" rIns="91425" bIns="91425" anchor="ctr" anchorCtr="0">
               <a:noAutofit/>
             </a:bodyPr>
             <a:lstStyle/>
             <a:p>
-              <a:pPr indent="0" lvl="0" marL="0" rtl="0" algn="l">
+              <a:pPr marL="0" lvl="0" indent="0" algn="l" rtl="0">
                 <a:spcBef>
                   <a:spcPts val="0"/>
                 </a:spcBef>
@@ -7697,9 +7626,6 @@
                 </a:spcAft>
                 <a:buNone/>
               </a:pPr>
-              <a:r>
-                <a:t/>
-              </a:r>
               <a:endParaRPr/>
             </a:p>
           </p:txBody>
@@ -7708,7 +7634,9 @@
       <p:sp>
         <p:nvSpPr>
           <p:cNvPr id="89" name="Google Shape;89;p8"/>
-          <p:cNvSpPr txBox="1"/>
+          <p:cNvSpPr txBox="1">
+            <a:spLocks noGrp="1"/>
+          </p:cNvSpPr>
           <p:nvPr>
             <p:ph type="title"/>
           </p:nvPr>
@@ -7723,7 +7651,7 @@
           </a:prstGeom>
         </p:spPr>
         <p:txBody>
-          <a:bodyPr anchorCtr="0" anchor="ctr" bIns="91425" lIns="91425" spcFirstLastPara="1" rIns="91425" wrap="square" tIns="91425">
+          <a:bodyPr spcFirstLastPara="1" wrap="square" lIns="91425" tIns="91425" rIns="91425" bIns="91425" anchor="ctr" anchorCtr="0">
             <a:noAutofit/>
           </a:bodyPr>
           <a:lstStyle>
@@ -7827,15 +7755,19 @@
               <a:defRPr/>
             </a:lvl9pPr>
           </a:lstStyle>
-          <a:p/>
+          <a:p>
+            <a:endParaRPr/>
+          </a:p>
         </p:txBody>
       </p:sp>
       <p:sp>
         <p:nvSpPr>
           <p:cNvPr id="90" name="Google Shape;90;p8"/>
-          <p:cNvSpPr txBox="1"/>
+          <p:cNvSpPr txBox="1">
+            <a:spLocks noGrp="1"/>
+          </p:cNvSpPr>
           <p:nvPr>
-            <p:ph idx="12" type="sldNum"/>
+            <p:ph type="sldNum" idx="12"/>
           </p:nvPr>
         </p:nvSpPr>
         <p:spPr>
@@ -7848,7 +7780,7 @@
           </a:prstGeom>
         </p:spPr>
         <p:txBody>
-          <a:bodyPr anchorCtr="0" anchor="ctr" bIns="91425" lIns="91425" spcFirstLastPara="1" rIns="91425" wrap="square" tIns="91425">
+          <a:bodyPr spcFirstLastPara="1" wrap="square" lIns="91425" tIns="91425" rIns="91425" bIns="91425" anchor="ctr" anchorCtr="0">
             <a:noAutofit/>
           </a:bodyPr>
           <a:lstStyle>
@@ -7890,7 +7822,7 @@
             </a:lvl9pPr>
           </a:lstStyle>
           <a:p>
-            <a:pPr indent="0" lvl="0" marL="0" rtl="0" algn="r">
+            <a:pPr marL="0" lvl="0" indent="0" algn="r" rtl="0">
               <a:spcBef>
                 <a:spcPts val="0"/>
               </a:spcBef>
@@ -7916,11 +7848,11 @@
 </file>
 
 <file path=ppt/slideLayouts/slideLayout8.xml><?xml version="1.0" encoding="utf-8"?>
-<p:sldLayout xmlns:a="http://schemas.openxmlformats.org/drawingml/2006/main" xmlns:r="http://schemas.openxmlformats.org/officeDocument/2006/relationships" xmlns:mc="http://schemas.openxmlformats.org/markup-compatibility/2006" xmlns:mv="urn:schemas-microsoft-com:mac:vml" xmlns:p="http://schemas.openxmlformats.org/presentationml/2006/main" xmlns:c="http://schemas.openxmlformats.org/drawingml/2006/chart" xmlns:dgm="http://schemas.openxmlformats.org/drawingml/2006/diagram" xmlns:o="urn:schemas-microsoft-com:office:office" xmlns:v="urn:schemas-microsoft-com:vml" xmlns:pvml="urn:schemas-microsoft-com:office:powerpoint" xmlns:com="http://schemas.openxmlformats.org/drawingml/2006/compatibility" xmlns:p14="http://schemas.microsoft.com/office/powerpoint/2010/main" xmlns:p15="http://schemas.microsoft.com/office/powerpoint/2012/main" xmlns:ahyp="http://schemas.microsoft.com/office/drawing/2018/hyperlinkcolor" matchingName="Section title and description">
+<p:sldLayout xmlns:a="http://schemas.openxmlformats.org/drawingml/2006/main" xmlns:r="http://schemas.openxmlformats.org/officeDocument/2006/relationships" xmlns:p="http://schemas.openxmlformats.org/presentationml/2006/main" matchingName="Section title and description">
   <p:cSld name="SECTION_TITLE_AND_DESCRIPTION">
     <p:spTree>
       <p:nvGrpSpPr>
-        <p:cNvPr id="91" name="Shape 91"/>
+        <p:cNvPr id="1" name="Shape 91"/>
         <p:cNvGrpSpPr/>
         <p:nvPr/>
       </p:nvGrpSpPr>
@@ -7959,7 +7891,7 @@
             </a:xfrm>
             <a:prstGeom prst="diagStripe">
               <a:avLst>
-                <a:gd fmla="val 50000" name="adj"/>
+                <a:gd name="adj" fmla="val 50000"/>
               </a:avLst>
             </a:prstGeom>
             <a:solidFill>
@@ -7970,12 +7902,12 @@
             </a:ln>
           </p:spPr>
           <p:txBody>
-            <a:bodyPr anchorCtr="0" anchor="ctr" bIns="91425" lIns="91425" spcFirstLastPara="1" rIns="91425" wrap="square" tIns="91425">
+            <a:bodyPr spcFirstLastPara="1" wrap="square" lIns="91425" tIns="91425" rIns="91425" bIns="91425" anchor="ctr" anchorCtr="0">
               <a:noAutofit/>
             </a:bodyPr>
             <a:lstStyle/>
             <a:p>
-              <a:pPr indent="0" lvl="0" marL="0" rtl="0" algn="l">
+              <a:pPr marL="0" lvl="0" indent="0" algn="l" rtl="0">
                 <a:spcBef>
                   <a:spcPts val="0"/>
                 </a:spcBef>
@@ -7984,9 +7916,6 @@
                 </a:spcAft>
                 <a:buNone/>
               </a:pPr>
-              <a:r>
-                <a:t/>
-              </a:r>
               <a:endParaRPr/>
             </a:p>
           </p:txBody>
@@ -8004,7 +7933,7 @@
             </a:xfrm>
             <a:prstGeom prst="diagStripe">
               <a:avLst>
-                <a:gd fmla="val 50000" name="adj"/>
+                <a:gd name="adj" fmla="val 50000"/>
               </a:avLst>
             </a:prstGeom>
             <a:solidFill>
@@ -8015,12 +7944,12 @@
             </a:ln>
           </p:spPr>
           <p:txBody>
-            <a:bodyPr anchorCtr="0" anchor="ctr" bIns="91425" lIns="91425" spcFirstLastPara="1" rIns="91425" wrap="square" tIns="91425">
+            <a:bodyPr spcFirstLastPara="1" wrap="square" lIns="91425" tIns="91425" rIns="91425" bIns="91425" anchor="ctr" anchorCtr="0">
               <a:noAutofit/>
             </a:bodyPr>
             <a:lstStyle/>
             <a:p>
-              <a:pPr indent="0" lvl="0" marL="0" rtl="0" algn="l">
+              <a:pPr marL="0" lvl="0" indent="0" algn="l" rtl="0">
                 <a:spcBef>
                   <a:spcPts val="0"/>
                 </a:spcBef>
@@ -8029,9 +7958,6 @@
                 </a:spcAft>
                 <a:buNone/>
               </a:pPr>
-              <a:r>
-                <a:t/>
-              </a:r>
               <a:endParaRPr/>
             </a:p>
           </p:txBody>
@@ -8040,7 +7966,9 @@
       <p:sp>
         <p:nvSpPr>
           <p:cNvPr id="95" name="Google Shape;95;p9"/>
-          <p:cNvSpPr txBox="1"/>
+          <p:cNvSpPr txBox="1">
+            <a:spLocks noGrp="1"/>
+          </p:cNvSpPr>
           <p:nvPr>
             <p:ph type="title"/>
           </p:nvPr>
@@ -8055,7 +7983,7 @@
           </a:prstGeom>
         </p:spPr>
         <p:txBody>
-          <a:bodyPr anchorCtr="0" anchor="t" bIns="91425" lIns="91425" spcFirstLastPara="1" rIns="91425" wrap="square" tIns="91425">
+          <a:bodyPr spcFirstLastPara="1" wrap="square" lIns="91425" tIns="91425" rIns="91425" bIns="91425" anchor="t" anchorCtr="0">
             <a:noAutofit/>
           </a:bodyPr>
           <a:lstStyle>
@@ -8159,15 +8087,19 @@
               <a:defRPr sz="2400"/>
             </a:lvl9pPr>
           </a:lstStyle>
-          <a:p/>
+          <a:p>
+            <a:endParaRPr/>
+          </a:p>
         </p:txBody>
       </p:sp>
       <p:sp>
         <p:nvSpPr>
           <p:cNvPr id="96" name="Google Shape;96;p9"/>
-          <p:cNvSpPr txBox="1"/>
+          <p:cNvSpPr txBox="1">
+            <a:spLocks noGrp="1"/>
+          </p:cNvSpPr>
           <p:nvPr>
-            <p:ph idx="1" type="subTitle"/>
+            <p:ph type="subTitle" idx="1"/>
           </p:nvPr>
         </p:nvSpPr>
         <p:spPr>
@@ -8180,7 +8112,7 @@
           </a:prstGeom>
         </p:spPr>
         <p:txBody>
-          <a:bodyPr anchorCtr="0" anchor="t" bIns="91425" lIns="91425" spcFirstLastPara="1" rIns="91425" wrap="square" tIns="91425">
+          <a:bodyPr spcFirstLastPara="1" wrap="square" lIns="91425" tIns="91425" rIns="91425" bIns="91425" anchor="t" anchorCtr="0">
             <a:noAutofit/>
           </a:bodyPr>
           <a:lstStyle>
@@ -8311,15 +8243,19 @@
               <a:defRPr sz="1300"/>
             </a:lvl9pPr>
           </a:lstStyle>
-          <a:p/>
+          <a:p>
+            <a:endParaRPr/>
+          </a:p>
         </p:txBody>
       </p:sp>
       <p:sp>
         <p:nvSpPr>
           <p:cNvPr id="97" name="Google Shape;97;p9"/>
-          <p:cNvSpPr txBox="1"/>
+          <p:cNvSpPr txBox="1">
+            <a:spLocks noGrp="1"/>
+          </p:cNvSpPr>
           <p:nvPr>
-            <p:ph idx="2" type="body"/>
+            <p:ph type="body" idx="2"/>
           </p:nvPr>
         </p:nvSpPr>
         <p:spPr>
@@ -8332,11 +8268,11 @@
           </a:prstGeom>
         </p:spPr>
         <p:txBody>
-          <a:bodyPr anchorCtr="0" anchor="t" bIns="91425" lIns="91425" spcFirstLastPara="1" rIns="91425" wrap="square" tIns="91425">
+          <a:bodyPr spcFirstLastPara="1" wrap="square" lIns="91425" tIns="91425" rIns="91425" bIns="91425" anchor="t" anchorCtr="0">
             <a:noAutofit/>
           </a:bodyPr>
           <a:lstStyle>
-            <a:lvl1pPr indent="-311150" lvl="0" marL="457200">
+            <a:lvl1pPr marL="457200" lvl="0" indent="-311150">
               <a:spcBef>
                 <a:spcPts val="0"/>
               </a:spcBef>
@@ -8347,7 +8283,7 @@
               <a:buChar char="●"/>
               <a:defRPr/>
             </a:lvl1pPr>
-            <a:lvl2pPr indent="-298450" lvl="1" marL="914400">
+            <a:lvl2pPr marL="914400" lvl="1" indent="-298450">
               <a:spcBef>
                 <a:spcPts val="1600"/>
               </a:spcBef>
@@ -8358,7 +8294,7 @@
               <a:buChar char="○"/>
               <a:defRPr/>
             </a:lvl2pPr>
-            <a:lvl3pPr indent="-298450" lvl="2" marL="1371600">
+            <a:lvl3pPr marL="1371600" lvl="2" indent="-298450">
               <a:spcBef>
                 <a:spcPts val="1600"/>
               </a:spcBef>
@@ -8369,7 +8305,7 @@
               <a:buChar char="■"/>
               <a:defRPr/>
             </a:lvl3pPr>
-            <a:lvl4pPr indent="-298450" lvl="3" marL="1828800">
+            <a:lvl4pPr marL="1828800" lvl="3" indent="-298450">
               <a:spcBef>
                 <a:spcPts val="1600"/>
               </a:spcBef>
@@ -8380,7 +8316,7 @@
               <a:buChar char="●"/>
               <a:defRPr/>
             </a:lvl4pPr>
-            <a:lvl5pPr indent="-298450" lvl="4" marL="2286000">
+            <a:lvl5pPr marL="2286000" lvl="4" indent="-298450">
               <a:spcBef>
                 <a:spcPts val="1600"/>
               </a:spcBef>
@@ -8391,7 +8327,7 @@
               <a:buChar char="○"/>
               <a:defRPr/>
             </a:lvl5pPr>
-            <a:lvl6pPr indent="-298450" lvl="5" marL="2743200">
+            <a:lvl6pPr marL="2743200" lvl="5" indent="-298450">
               <a:spcBef>
                 <a:spcPts val="1600"/>
               </a:spcBef>
@@ -8402,7 +8338,7 @@
               <a:buChar char="■"/>
               <a:defRPr/>
             </a:lvl6pPr>
-            <a:lvl7pPr indent="-298450" lvl="6" marL="3200400">
+            <a:lvl7pPr marL="3200400" lvl="6" indent="-298450">
               <a:spcBef>
                 <a:spcPts val="1600"/>
               </a:spcBef>
@@ -8413,7 +8349,7 @@
               <a:buChar char="●"/>
               <a:defRPr/>
             </a:lvl7pPr>
-            <a:lvl8pPr indent="-298450" lvl="7" marL="3657600">
+            <a:lvl8pPr marL="3657600" lvl="7" indent="-298450">
               <a:spcBef>
                 <a:spcPts val="1600"/>
               </a:spcBef>
@@ -8424,7 +8360,7 @@
               <a:buChar char="○"/>
               <a:defRPr/>
             </a:lvl8pPr>
-            <a:lvl9pPr indent="-298450" lvl="8" marL="4114800">
+            <a:lvl9pPr marL="4114800" lvl="8" indent="-298450">
               <a:spcBef>
                 <a:spcPts val="1600"/>
               </a:spcBef>
@@ -8436,15 +8372,19 @@
               <a:defRPr/>
             </a:lvl9pPr>
           </a:lstStyle>
-          <a:p/>
+          <a:p>
+            <a:endParaRPr/>
+          </a:p>
         </p:txBody>
       </p:sp>
       <p:sp>
         <p:nvSpPr>
           <p:cNvPr id="98" name="Google Shape;98;p9"/>
-          <p:cNvSpPr txBox="1"/>
+          <p:cNvSpPr txBox="1">
+            <a:spLocks noGrp="1"/>
+          </p:cNvSpPr>
           <p:nvPr>
-            <p:ph idx="12" type="sldNum"/>
+            <p:ph type="sldNum" idx="12"/>
           </p:nvPr>
         </p:nvSpPr>
         <p:spPr>
@@ -8457,7 +8397,7 @@
           </a:prstGeom>
         </p:spPr>
         <p:txBody>
-          <a:bodyPr anchorCtr="0" anchor="ctr" bIns="91425" lIns="91425" spcFirstLastPara="1" rIns="91425" wrap="square" tIns="91425">
+          <a:bodyPr spcFirstLastPara="1" wrap="square" lIns="91425" tIns="91425" rIns="91425" bIns="91425" anchor="ctr" anchorCtr="0">
             <a:noAutofit/>
           </a:bodyPr>
           <a:lstStyle>
@@ -8499,7 +8439,7 @@
             </a:lvl9pPr>
           </a:lstStyle>
           <a:p>
-            <a:pPr indent="0" lvl="0" marL="0" rtl="0" algn="r">
+            <a:pPr marL="0" lvl="0" indent="0" algn="r" rtl="0">
               <a:spcBef>
                 <a:spcPts val="0"/>
               </a:spcBef>
@@ -8525,11 +8465,11 @@
 </file>
 
 <file path=ppt/slideLayouts/slideLayout9.xml><?xml version="1.0" encoding="utf-8"?>
-<p:sldLayout xmlns:a="http://schemas.openxmlformats.org/drawingml/2006/main" xmlns:r="http://schemas.openxmlformats.org/officeDocument/2006/relationships" xmlns:mc="http://schemas.openxmlformats.org/markup-compatibility/2006" xmlns:mv="urn:schemas-microsoft-com:mac:vml" xmlns:p="http://schemas.openxmlformats.org/presentationml/2006/main" xmlns:c="http://schemas.openxmlformats.org/drawingml/2006/chart" xmlns:dgm="http://schemas.openxmlformats.org/drawingml/2006/diagram" xmlns:o="urn:schemas-microsoft-com:office:office" xmlns:v="urn:schemas-microsoft-com:vml" xmlns:pvml="urn:schemas-microsoft-com:office:powerpoint" xmlns:com="http://schemas.openxmlformats.org/drawingml/2006/compatibility" xmlns:p14="http://schemas.microsoft.com/office/powerpoint/2010/main" xmlns:p15="http://schemas.microsoft.com/office/powerpoint/2012/main" xmlns:ahyp="http://schemas.microsoft.com/office/drawing/2018/hyperlinkcolor" matchingName="Caption">
+<p:sldLayout xmlns:a="http://schemas.openxmlformats.org/drawingml/2006/main" xmlns:r="http://schemas.openxmlformats.org/officeDocument/2006/relationships" xmlns:p="http://schemas.openxmlformats.org/presentationml/2006/main" matchingName="Caption">
   <p:cSld name="CAPTION_ONLY">
     <p:spTree>
       <p:nvGrpSpPr>
-        <p:cNvPr id="99" name="Shape 99"/>
+        <p:cNvPr id="1" name="Shape 99"/>
         <p:cNvGrpSpPr/>
         <p:nvPr/>
       </p:nvGrpSpPr>
@@ -8568,7 +8508,7 @@
             </a:xfrm>
             <a:prstGeom prst="diagStripe">
               <a:avLst>
-                <a:gd fmla="val 50000" name="adj"/>
+                <a:gd name="adj" fmla="val 50000"/>
               </a:avLst>
             </a:prstGeom>
             <a:solidFill>
@@ -8581,12 +8521,12 @@
             </a:ln>
           </p:spPr>
           <p:txBody>
-            <a:bodyPr anchorCtr="0" anchor="ctr" bIns="91425" lIns="91425" spcFirstLastPara="1" rIns="91425" wrap="square" tIns="91425">
+            <a:bodyPr spcFirstLastPara="1" wrap="square" lIns="91425" tIns="91425" rIns="91425" bIns="91425" anchor="ctr" anchorCtr="0">
               <a:noAutofit/>
             </a:bodyPr>
             <a:lstStyle/>
             <a:p>
-              <a:pPr indent="0" lvl="0" marL="0" rtl="0" algn="l">
+              <a:pPr marL="0" lvl="0" indent="0" algn="l" rtl="0">
                 <a:spcBef>
                   <a:spcPts val="0"/>
                 </a:spcBef>
@@ -8595,9 +8535,6 @@
                 </a:spcAft>
                 <a:buNone/>
               </a:pPr>
-              <a:r>
-                <a:t/>
-              </a:r>
               <a:endParaRPr/>
             </a:p>
           </p:txBody>
@@ -8615,7 +8552,7 @@
             </a:xfrm>
             <a:prstGeom prst="diagStripe">
               <a:avLst>
-                <a:gd fmla="val 50000" name="adj"/>
+                <a:gd name="adj" fmla="val 50000"/>
               </a:avLst>
             </a:prstGeom>
             <a:solidFill>
@@ -8628,12 +8565,12 @@
             </a:ln>
           </p:spPr>
           <p:txBody>
-            <a:bodyPr anchorCtr="0" anchor="ctr" bIns="91425" lIns="91425" spcFirstLastPara="1" rIns="91425" wrap="square" tIns="91425">
+            <a:bodyPr spcFirstLastPara="1" wrap="square" lIns="91425" tIns="91425" rIns="91425" bIns="91425" anchor="ctr" anchorCtr="0">
               <a:noAutofit/>
             </a:bodyPr>
             <a:lstStyle/>
             <a:p>
-              <a:pPr indent="0" lvl="0" marL="0" rtl="0" algn="l">
+              <a:pPr marL="0" lvl="0" indent="0" algn="l" rtl="0">
                 <a:spcBef>
                   <a:spcPts val="0"/>
                 </a:spcBef>
@@ -8642,9 +8579,6 @@
                 </a:spcAft>
                 <a:buNone/>
               </a:pPr>
-              <a:r>
-                <a:t/>
-              </a:r>
               <a:endParaRPr/>
             </a:p>
           </p:txBody>
@@ -8653,9 +8587,11 @@
       <p:sp>
         <p:nvSpPr>
           <p:cNvPr id="103" name="Google Shape;103;p10"/>
-          <p:cNvSpPr txBox="1"/>
+          <p:cNvSpPr txBox="1">
+            <a:spLocks noGrp="1"/>
+          </p:cNvSpPr>
           <p:nvPr>
-            <p:ph idx="1" type="body"/>
+            <p:ph type="body" idx="1"/>
           </p:nvPr>
         </p:nvSpPr>
         <p:spPr>
@@ -8668,11 +8604,11 @@
           </a:prstGeom>
         </p:spPr>
         <p:txBody>
-          <a:bodyPr anchorCtr="0" anchor="ctr" bIns="91425" lIns="91425" spcFirstLastPara="1" rIns="91425" wrap="square" tIns="91425">
+          <a:bodyPr spcFirstLastPara="1" wrap="square" lIns="91425" tIns="91425" rIns="91425" bIns="91425" anchor="ctr" anchorCtr="0">
             <a:noAutofit/>
           </a:bodyPr>
           <a:lstStyle>
-            <a:lvl1pPr indent="-228600" lvl="0" marL="457200">
+            <a:lvl1pPr marL="457200" lvl="0" indent="-228600">
               <a:lnSpc>
                 <a:spcPct val="100000"/>
               </a:lnSpc>
@@ -8687,15 +8623,19 @@
               <a:defRPr/>
             </a:lvl1pPr>
           </a:lstStyle>
-          <a:p/>
+          <a:p>
+            <a:endParaRPr/>
+          </a:p>
         </p:txBody>
       </p:sp>
       <p:sp>
         <p:nvSpPr>
           <p:cNvPr id="104" name="Google Shape;104;p10"/>
-          <p:cNvSpPr txBox="1"/>
+          <p:cNvSpPr txBox="1">
+            <a:spLocks noGrp="1"/>
+          </p:cNvSpPr>
           <p:nvPr>
-            <p:ph idx="12" type="sldNum"/>
+            <p:ph type="sldNum" idx="12"/>
           </p:nvPr>
         </p:nvSpPr>
         <p:spPr>
@@ -8708,7 +8648,7 @@
           </a:prstGeom>
         </p:spPr>
         <p:txBody>
-          <a:bodyPr anchorCtr="0" anchor="ctr" bIns="91425" lIns="91425" spcFirstLastPara="1" rIns="91425" wrap="square" tIns="91425">
+          <a:bodyPr spcFirstLastPara="1" wrap="square" lIns="91425" tIns="91425" rIns="91425" bIns="91425" anchor="ctr" anchorCtr="0">
             <a:noAutofit/>
           </a:bodyPr>
           <a:lstStyle>
@@ -8750,7 +8690,7 @@
             </a:lvl9pPr>
           </a:lstStyle>
           <a:p>
-            <a:pPr indent="0" lvl="0" marL="0" rtl="0" algn="r">
+            <a:pPr marL="0" lvl="0" indent="0" algn="r" rtl="0">
               <a:spcBef>
                 <a:spcPts val="0"/>
               </a:spcBef>
@@ -8776,18 +8716,19 @@
 </file>
 
 <file path=ppt/slideMasters/slideMaster1.xml><?xml version="1.0" encoding="utf-8"?>
-<p:sldMaster xmlns:a="http://schemas.openxmlformats.org/drawingml/2006/main" xmlns:r="http://schemas.openxmlformats.org/officeDocument/2006/relationships" xmlns:mc="http://schemas.openxmlformats.org/markup-compatibility/2006" xmlns:mv="urn:schemas-microsoft-com:mac:vml" xmlns:p="http://schemas.openxmlformats.org/presentationml/2006/main" xmlns:c="http://schemas.openxmlformats.org/drawingml/2006/chart" xmlns:dgm="http://schemas.openxmlformats.org/drawingml/2006/diagram" xmlns:o="urn:schemas-microsoft-com:office:office" xmlns:v="urn:schemas-microsoft-com:vml" xmlns:pvml="urn:schemas-microsoft-com:office:powerpoint" xmlns:com="http://schemas.openxmlformats.org/drawingml/2006/compatibility" xmlns:p14="http://schemas.microsoft.com/office/powerpoint/2010/main" xmlns:p15="http://schemas.microsoft.com/office/powerpoint/2012/main" xmlns:ahyp="http://schemas.microsoft.com/office/drawing/2018/hyperlinkcolor">
+<p:sldMaster xmlns:a="http://schemas.openxmlformats.org/drawingml/2006/main" xmlns:r="http://schemas.openxmlformats.org/officeDocument/2006/relationships" xmlns:p="http://schemas.openxmlformats.org/presentationml/2006/main">
   <p:cSld name="focus">
     <p:bg>
       <p:bgPr>
         <a:solidFill>
           <a:schemeClr val="dk1"/>
         </a:solidFill>
+        <a:effectLst/>
       </p:bgPr>
     </p:bg>
     <p:spTree>
       <p:nvGrpSpPr>
-        <p:cNvPr id="5" name="Shape 5"/>
+        <p:cNvPr id="1" name="Shape 5"/>
         <p:cNvGrpSpPr/>
         <p:nvPr/>
       </p:nvGrpSpPr>
@@ -8802,7 +8743,9 @@
       <p:sp>
         <p:nvSpPr>
           <p:cNvPr id="6" name="Google Shape;6;p1"/>
-          <p:cNvSpPr txBox="1"/>
+          <p:cNvSpPr txBox="1">
+            <a:spLocks noGrp="1"/>
+          </p:cNvSpPr>
           <p:nvPr>
             <p:ph type="title"/>
           </p:nvPr>
@@ -8821,7 +8764,7 @@
           </a:ln>
         </p:spPr>
         <p:txBody>
-          <a:bodyPr anchorCtr="0" anchor="t" bIns="91425" lIns="91425" spcFirstLastPara="1" rIns="91425" wrap="square" tIns="91425">
+          <a:bodyPr spcFirstLastPara="1" wrap="square" lIns="91425" tIns="91425" rIns="91425" bIns="91425" anchor="t" anchorCtr="0">
             <a:noAutofit/>
           </a:bodyPr>
           <a:lstStyle>
@@ -9033,15 +8976,19 @@
               </a:defRPr>
             </a:lvl9pPr>
           </a:lstStyle>
-          <a:p/>
+          <a:p>
+            <a:endParaRPr/>
+          </a:p>
         </p:txBody>
       </p:sp>
       <p:sp>
         <p:nvSpPr>
           <p:cNvPr id="7" name="Google Shape;7;p1"/>
-          <p:cNvSpPr txBox="1"/>
+          <p:cNvSpPr txBox="1">
+            <a:spLocks noGrp="1"/>
+          </p:cNvSpPr>
           <p:nvPr>
-            <p:ph idx="1" type="body"/>
+            <p:ph type="body" idx="1"/>
           </p:nvPr>
         </p:nvSpPr>
         <p:spPr>
@@ -9058,11 +9005,11 @@
           </a:ln>
         </p:spPr>
         <p:txBody>
-          <a:bodyPr anchorCtr="0" anchor="t" bIns="91425" lIns="91425" spcFirstLastPara="1" rIns="91425" wrap="square" tIns="91425">
+          <a:bodyPr spcFirstLastPara="1" wrap="square" lIns="91425" tIns="91425" rIns="91425" bIns="91425" anchor="t" anchorCtr="0">
             <a:noAutofit/>
           </a:bodyPr>
           <a:lstStyle>
-            <a:lvl1pPr indent="-311150" lvl="0" marL="457200">
+            <a:lvl1pPr marL="457200" lvl="0" indent="-311150">
               <a:lnSpc>
                 <a:spcPct val="115000"/>
               </a:lnSpc>
@@ -9088,7 +9035,7 @@
                 <a:sym typeface="Lato"/>
               </a:defRPr>
             </a:lvl1pPr>
-            <a:lvl2pPr indent="-298450" lvl="1" marL="914400">
+            <a:lvl2pPr marL="914400" lvl="1" indent="-298450">
               <a:lnSpc>
                 <a:spcPct val="115000"/>
               </a:lnSpc>
@@ -9114,7 +9061,7 @@
                 <a:sym typeface="Lato"/>
               </a:defRPr>
             </a:lvl2pPr>
-            <a:lvl3pPr indent="-298450" lvl="2" marL="1371600">
+            <a:lvl3pPr marL="1371600" lvl="2" indent="-298450">
               <a:lnSpc>
                 <a:spcPct val="115000"/>
               </a:lnSpc>
@@ -9140,7 +9087,7 @@
                 <a:sym typeface="Lato"/>
               </a:defRPr>
             </a:lvl3pPr>
-            <a:lvl4pPr indent="-298450" lvl="3" marL="1828800">
+            <a:lvl4pPr marL="1828800" lvl="3" indent="-298450">
               <a:lnSpc>
                 <a:spcPct val="115000"/>
               </a:lnSpc>
@@ -9166,7 +9113,7 @@
                 <a:sym typeface="Lato"/>
               </a:defRPr>
             </a:lvl4pPr>
-            <a:lvl5pPr indent="-298450" lvl="4" marL="2286000">
+            <a:lvl5pPr marL="2286000" lvl="4" indent="-298450">
               <a:lnSpc>
                 <a:spcPct val="115000"/>
               </a:lnSpc>
@@ -9192,7 +9139,7 @@
                 <a:sym typeface="Lato"/>
               </a:defRPr>
             </a:lvl5pPr>
-            <a:lvl6pPr indent="-298450" lvl="5" marL="2743200">
+            <a:lvl6pPr marL="2743200" lvl="5" indent="-298450">
               <a:lnSpc>
                 <a:spcPct val="115000"/>
               </a:lnSpc>
@@ -9218,7 +9165,7 @@
                 <a:sym typeface="Lato"/>
               </a:defRPr>
             </a:lvl6pPr>
-            <a:lvl7pPr indent="-298450" lvl="6" marL="3200400">
+            <a:lvl7pPr marL="3200400" lvl="6" indent="-298450">
               <a:lnSpc>
                 <a:spcPct val="115000"/>
               </a:lnSpc>
@@ -9244,7 +9191,7 @@
                 <a:sym typeface="Lato"/>
               </a:defRPr>
             </a:lvl7pPr>
-            <a:lvl8pPr indent="-298450" lvl="7" marL="3657600">
+            <a:lvl8pPr marL="3657600" lvl="7" indent="-298450">
               <a:lnSpc>
                 <a:spcPct val="115000"/>
               </a:lnSpc>
@@ -9270,7 +9217,7 @@
                 <a:sym typeface="Lato"/>
               </a:defRPr>
             </a:lvl8pPr>
-            <a:lvl9pPr indent="-298450" lvl="8" marL="4114800">
+            <a:lvl9pPr marL="4114800" lvl="8" indent="-298450">
               <a:lnSpc>
                 <a:spcPct val="115000"/>
               </a:lnSpc>
@@ -9297,15 +9244,19 @@
               </a:defRPr>
             </a:lvl9pPr>
           </a:lstStyle>
-          <a:p/>
+          <a:p>
+            <a:endParaRPr/>
+          </a:p>
         </p:txBody>
       </p:sp>
       <p:sp>
         <p:nvSpPr>
           <p:cNvPr id="8" name="Google Shape;8;p1"/>
-          <p:cNvSpPr txBox="1"/>
+          <p:cNvSpPr txBox="1">
+            <a:spLocks noGrp="1"/>
+          </p:cNvSpPr>
           <p:nvPr>
-            <p:ph idx="12" type="sldNum"/>
+            <p:ph type="sldNum" idx="12"/>
           </p:nvPr>
         </p:nvSpPr>
         <p:spPr>
@@ -9322,7 +9273,7 @@
           </a:ln>
         </p:spPr>
         <p:txBody>
-          <a:bodyPr anchorCtr="0" anchor="ctr" bIns="91425" lIns="91425" spcFirstLastPara="1" rIns="91425" wrap="square" tIns="91425">
+          <a:bodyPr spcFirstLastPara="1" wrap="square" lIns="91425" tIns="91425" rIns="91425" bIns="91425" anchor="ctr" anchorCtr="0">
             <a:noAutofit/>
           </a:bodyPr>
           <a:lstStyle>
@@ -9436,7 +9387,7 @@
             </a:lvl9pPr>
           </a:lstStyle>
           <a:p>
-            <a:pPr indent="0" lvl="0" marL="0" rtl="0" algn="r">
+            <a:pPr marL="0" lvl="0" indent="0" algn="r" rtl="0">
               <a:spcBef>
                 <a:spcPts val="0"/>
               </a:spcBef>
@@ -9455,7 +9406,7 @@
       </p:sp>
     </p:spTree>
   </p:cSld>
-  <p:clrMap accent1="accent1" accent2="accent2" accent3="accent3" accent4="accent4" accent5="accent5" accent6="accent6" bg1="lt1" bg2="dk2" tx1="dk1" tx2="lt2" folHlink="folHlink" hlink="hlink"/>
+  <p:clrMap bg1="lt1" tx1="dk1" bg2="dk2" tx2="lt2" accent1="accent1" accent2="accent2" accent3="accent3" accent4="accent4" accent5="accent5" accent6="accent6" hlink="hlink" folHlink="folHlink"/>
   <p:sldLayoutIdLst>
     <p:sldLayoutId id="2147483648" r:id="rId1"/>
     <p:sldLayoutId id="2147483649" r:id="rId2"/>
@@ -9469,10 +9420,10 @@
     <p:sldLayoutId id="2147483657" r:id="rId10"/>
     <p:sldLayoutId id="2147483658" r:id="rId11"/>
   </p:sldLayoutIdLst>
-  <p:hf dt="0" ftr="0" hdr="0" sldNum="0"/>
+  <p:hf sldNum="0" hdr="0" ftr="0" dt="0"/>
   <p:txStyles>
     <p:titleStyle>
-      <a:defPPr lvl="0" marR="0" rtl="0" algn="l">
+      <a:defPPr marR="0" lvl="0" algn="l" rtl="0">
         <a:lnSpc>
           <a:spcPct val="100000"/>
         </a:lnSpc>
@@ -9483,7 +9434,7 @@
           <a:spcPts val="0"/>
         </a:spcAft>
       </a:defPPr>
-      <a:lvl1pPr lvl="0" marR="0" rtl="0" algn="l">
+      <a:lvl1pPr marR="0" lvl="0" algn="l" rtl="0">
         <a:lnSpc>
           <a:spcPct val="100000"/>
         </a:lnSpc>
@@ -9497,7 +9448,7 @@
           <a:srgbClr val="000000"/>
         </a:buClr>
         <a:buFont typeface="Arial"/>
-        <a:defRPr b="0" i="0" sz="1400" u="none" cap="none" strike="noStrike">
+        <a:defRPr sz="1400" b="0" i="0" u="none" strike="noStrike" cap="none">
           <a:solidFill>
             <a:srgbClr val="000000"/>
           </a:solidFill>
@@ -9507,7 +9458,7 @@
           <a:sym typeface="Arial"/>
         </a:defRPr>
       </a:lvl1pPr>
-      <a:lvl2pPr lvl="1" marR="0" rtl="0" algn="l">
+      <a:lvl2pPr marR="0" lvl="1" algn="l" rtl="0">
         <a:lnSpc>
           <a:spcPct val="100000"/>
         </a:lnSpc>
@@ -9521,7 +9472,7 @@
           <a:srgbClr val="000000"/>
         </a:buClr>
         <a:buFont typeface="Arial"/>
-        <a:defRPr b="0" i="0" sz="1400" u="none" cap="none" strike="noStrike">
+        <a:defRPr sz="1400" b="0" i="0" u="none" strike="noStrike" cap="none">
           <a:solidFill>
             <a:srgbClr val="000000"/>
           </a:solidFill>
@@ -9531,7 +9482,7 @@
           <a:sym typeface="Arial"/>
         </a:defRPr>
       </a:lvl2pPr>
-      <a:lvl3pPr lvl="2" marR="0" rtl="0" algn="l">
+      <a:lvl3pPr marR="0" lvl="2" algn="l" rtl="0">
         <a:lnSpc>
           <a:spcPct val="100000"/>
         </a:lnSpc>
@@ -9545,7 +9496,7 @@
           <a:srgbClr val="000000"/>
         </a:buClr>
         <a:buFont typeface="Arial"/>
-        <a:defRPr b="0" i="0" sz="1400" u="none" cap="none" strike="noStrike">
+        <a:defRPr sz="1400" b="0" i="0" u="none" strike="noStrike" cap="none">
           <a:solidFill>
             <a:srgbClr val="000000"/>
           </a:solidFill>
@@ -9555,7 +9506,7 @@
           <a:sym typeface="Arial"/>
         </a:defRPr>
       </a:lvl3pPr>
-      <a:lvl4pPr lvl="3" marR="0" rtl="0" algn="l">
+      <a:lvl4pPr marR="0" lvl="3" algn="l" rtl="0">
         <a:lnSpc>
           <a:spcPct val="100000"/>
         </a:lnSpc>
@@ -9569,7 +9520,7 @@
           <a:srgbClr val="000000"/>
         </a:buClr>
         <a:buFont typeface="Arial"/>
-        <a:defRPr b="0" i="0" sz="1400" u="none" cap="none" strike="noStrike">
+        <a:defRPr sz="1400" b="0" i="0" u="none" strike="noStrike" cap="none">
           <a:solidFill>
             <a:srgbClr val="000000"/>
           </a:solidFill>
@@ -9579,7 +9530,7 @@
           <a:sym typeface="Arial"/>
         </a:defRPr>
       </a:lvl4pPr>
-      <a:lvl5pPr lvl="4" marR="0" rtl="0" algn="l">
+      <a:lvl5pPr marR="0" lvl="4" algn="l" rtl="0">
         <a:lnSpc>
           <a:spcPct val="100000"/>
         </a:lnSpc>
@@ -9593,7 +9544,7 @@
           <a:srgbClr val="000000"/>
         </a:buClr>
         <a:buFont typeface="Arial"/>
-        <a:defRPr b="0" i="0" sz="1400" u="none" cap="none" strike="noStrike">
+        <a:defRPr sz="1400" b="0" i="0" u="none" strike="noStrike" cap="none">
           <a:solidFill>
             <a:srgbClr val="000000"/>
           </a:solidFill>
@@ -9603,7 +9554,7 @@
           <a:sym typeface="Arial"/>
         </a:defRPr>
       </a:lvl5pPr>
-      <a:lvl6pPr lvl="5" marR="0" rtl="0" algn="l">
+      <a:lvl6pPr marR="0" lvl="5" algn="l" rtl="0">
         <a:lnSpc>
           <a:spcPct val="100000"/>
         </a:lnSpc>
@@ -9617,7 +9568,7 @@
           <a:srgbClr val="000000"/>
         </a:buClr>
         <a:buFont typeface="Arial"/>
-        <a:defRPr b="0" i="0" sz="1400" u="none" cap="none" strike="noStrike">
+        <a:defRPr sz="1400" b="0" i="0" u="none" strike="noStrike" cap="none">
           <a:solidFill>
             <a:srgbClr val="000000"/>
           </a:solidFill>
@@ -9627,7 +9578,7 @@
           <a:sym typeface="Arial"/>
         </a:defRPr>
       </a:lvl6pPr>
-      <a:lvl7pPr lvl="6" marR="0" rtl="0" algn="l">
+      <a:lvl7pPr marR="0" lvl="6" algn="l" rtl="0">
         <a:lnSpc>
           <a:spcPct val="100000"/>
         </a:lnSpc>
@@ -9641,7 +9592,7 @@
           <a:srgbClr val="000000"/>
         </a:buClr>
         <a:buFont typeface="Arial"/>
-        <a:defRPr b="0" i="0" sz="1400" u="none" cap="none" strike="noStrike">
+        <a:defRPr sz="1400" b="0" i="0" u="none" strike="noStrike" cap="none">
           <a:solidFill>
             <a:srgbClr val="000000"/>
           </a:solidFill>
@@ -9651,7 +9602,7 @@
           <a:sym typeface="Arial"/>
         </a:defRPr>
       </a:lvl7pPr>
-      <a:lvl8pPr lvl="7" marR="0" rtl="0" algn="l">
+      <a:lvl8pPr marR="0" lvl="7" algn="l" rtl="0">
         <a:lnSpc>
           <a:spcPct val="100000"/>
         </a:lnSpc>
@@ -9665,7 +9616,7 @@
           <a:srgbClr val="000000"/>
         </a:buClr>
         <a:buFont typeface="Arial"/>
-        <a:defRPr b="0" i="0" sz="1400" u="none" cap="none" strike="noStrike">
+        <a:defRPr sz="1400" b="0" i="0" u="none" strike="noStrike" cap="none">
           <a:solidFill>
             <a:srgbClr val="000000"/>
           </a:solidFill>
@@ -9675,7 +9626,7 @@
           <a:sym typeface="Arial"/>
         </a:defRPr>
       </a:lvl8pPr>
-      <a:lvl9pPr lvl="8" marR="0" rtl="0" algn="l">
+      <a:lvl9pPr marR="0" lvl="8" algn="l" rtl="0">
         <a:lnSpc>
           <a:spcPct val="100000"/>
         </a:lnSpc>
@@ -9689,7 +9640,7 @@
           <a:srgbClr val="000000"/>
         </a:buClr>
         <a:buFont typeface="Arial"/>
-        <a:defRPr b="0" i="0" sz="1400" u="none" cap="none" strike="noStrike">
+        <a:defRPr sz="1400" b="0" i="0" u="none" strike="noStrike" cap="none">
           <a:solidFill>
             <a:srgbClr val="000000"/>
           </a:solidFill>
@@ -9701,7 +9652,7 @@
       </a:lvl9pPr>
     </p:titleStyle>
     <p:bodyStyle>
-      <a:defPPr lvl="0" marR="0" rtl="0" algn="l">
+      <a:defPPr marR="0" lvl="0" algn="l" rtl="0">
         <a:lnSpc>
           <a:spcPct val="100000"/>
         </a:lnSpc>
@@ -9712,7 +9663,7 @@
           <a:spcPts val="0"/>
         </a:spcAft>
       </a:defPPr>
-      <a:lvl1pPr lvl="0" marR="0" rtl="0" algn="l">
+      <a:lvl1pPr marR="0" lvl="0" algn="l" rtl="0">
         <a:lnSpc>
           <a:spcPct val="100000"/>
         </a:lnSpc>
@@ -9726,7 +9677,7 @@
           <a:srgbClr val="000000"/>
         </a:buClr>
         <a:buFont typeface="Arial"/>
-        <a:defRPr b="0" i="0" sz="1400" u="none" cap="none" strike="noStrike">
+        <a:defRPr sz="1400" b="0" i="0" u="none" strike="noStrike" cap="none">
           <a:solidFill>
             <a:srgbClr val="000000"/>
           </a:solidFill>
@@ -9736,7 +9687,7 @@
           <a:sym typeface="Arial"/>
         </a:defRPr>
       </a:lvl1pPr>
-      <a:lvl2pPr lvl="1" marR="0" rtl="0" algn="l">
+      <a:lvl2pPr marR="0" lvl="1" algn="l" rtl="0">
         <a:lnSpc>
           <a:spcPct val="100000"/>
         </a:lnSpc>
@@ -9750,7 +9701,7 @@
           <a:srgbClr val="000000"/>
         </a:buClr>
         <a:buFont typeface="Arial"/>
-        <a:defRPr b="0" i="0" sz="1400" u="none" cap="none" strike="noStrike">
+        <a:defRPr sz="1400" b="0" i="0" u="none" strike="noStrike" cap="none">
           <a:solidFill>
             <a:srgbClr val="000000"/>
           </a:solidFill>
@@ -9760,7 +9711,7 @@
           <a:sym typeface="Arial"/>
         </a:defRPr>
       </a:lvl2pPr>
-      <a:lvl3pPr lvl="2" marR="0" rtl="0" algn="l">
+      <a:lvl3pPr marR="0" lvl="2" algn="l" rtl="0">
         <a:lnSpc>
           <a:spcPct val="100000"/>
         </a:lnSpc>
@@ -9774,7 +9725,7 @@
           <a:srgbClr val="000000"/>
         </a:buClr>
         <a:buFont typeface="Arial"/>
-        <a:defRPr b="0" i="0" sz="1400" u="none" cap="none" strike="noStrike">
+        <a:defRPr sz="1400" b="0" i="0" u="none" strike="noStrike" cap="none">
           <a:solidFill>
             <a:srgbClr val="000000"/>
           </a:solidFill>
@@ -9784,7 +9735,7 @@
           <a:sym typeface="Arial"/>
         </a:defRPr>
       </a:lvl3pPr>
-      <a:lvl4pPr lvl="3" marR="0" rtl="0" algn="l">
+      <a:lvl4pPr marR="0" lvl="3" algn="l" rtl="0">
         <a:lnSpc>
           <a:spcPct val="100000"/>
         </a:lnSpc>
@@ -9798,7 +9749,7 @@
           <a:srgbClr val="000000"/>
         </a:buClr>
         <a:buFont typeface="Arial"/>
-        <a:defRPr b="0" i="0" sz="1400" u="none" cap="none" strike="noStrike">
+        <a:defRPr sz="1400" b="0" i="0" u="none" strike="noStrike" cap="none">
           <a:solidFill>
             <a:srgbClr val="000000"/>
           </a:solidFill>
@@ -9808,7 +9759,7 @@
           <a:sym typeface="Arial"/>
         </a:defRPr>
       </a:lvl4pPr>
-      <a:lvl5pPr lvl="4" marR="0" rtl="0" algn="l">
+      <a:lvl5pPr marR="0" lvl="4" algn="l" rtl="0">
         <a:lnSpc>
           <a:spcPct val="100000"/>
         </a:lnSpc>
@@ -9822,7 +9773,7 @@
           <a:srgbClr val="000000"/>
         </a:buClr>
         <a:buFont typeface="Arial"/>
-        <a:defRPr b="0" i="0" sz="1400" u="none" cap="none" strike="noStrike">
+        <a:defRPr sz="1400" b="0" i="0" u="none" strike="noStrike" cap="none">
           <a:solidFill>
             <a:srgbClr val="000000"/>
           </a:solidFill>
@@ -9832,7 +9783,7 @@
           <a:sym typeface="Arial"/>
         </a:defRPr>
       </a:lvl5pPr>
-      <a:lvl6pPr lvl="5" marR="0" rtl="0" algn="l">
+      <a:lvl6pPr marR="0" lvl="5" algn="l" rtl="0">
         <a:lnSpc>
           <a:spcPct val="100000"/>
         </a:lnSpc>
@@ -9846,7 +9797,7 @@
           <a:srgbClr val="000000"/>
         </a:buClr>
         <a:buFont typeface="Arial"/>
-        <a:defRPr b="0" i="0" sz="1400" u="none" cap="none" strike="noStrike">
+        <a:defRPr sz="1400" b="0" i="0" u="none" strike="noStrike" cap="none">
           <a:solidFill>
             <a:srgbClr val="000000"/>
           </a:solidFill>
@@ -9856,7 +9807,7 @@
           <a:sym typeface="Arial"/>
         </a:defRPr>
       </a:lvl6pPr>
-      <a:lvl7pPr lvl="6" marR="0" rtl="0" algn="l">
+      <a:lvl7pPr marR="0" lvl="6" algn="l" rtl="0">
         <a:lnSpc>
           <a:spcPct val="100000"/>
         </a:lnSpc>
@@ -9870,7 +9821,7 @@
           <a:srgbClr val="000000"/>
         </a:buClr>
         <a:buFont typeface="Arial"/>
-        <a:defRPr b="0" i="0" sz="1400" u="none" cap="none" strike="noStrike">
+        <a:defRPr sz="1400" b="0" i="0" u="none" strike="noStrike" cap="none">
           <a:solidFill>
             <a:srgbClr val="000000"/>
           </a:solidFill>
@@ -9880,7 +9831,7 @@
           <a:sym typeface="Arial"/>
         </a:defRPr>
       </a:lvl7pPr>
-      <a:lvl8pPr lvl="7" marR="0" rtl="0" algn="l">
+      <a:lvl8pPr marR="0" lvl="7" algn="l" rtl="0">
         <a:lnSpc>
           <a:spcPct val="100000"/>
         </a:lnSpc>
@@ -9894,7 +9845,7 @@
           <a:srgbClr val="000000"/>
         </a:buClr>
         <a:buFont typeface="Arial"/>
-        <a:defRPr b="0" i="0" sz="1400" u="none" cap="none" strike="noStrike">
+        <a:defRPr sz="1400" b="0" i="0" u="none" strike="noStrike" cap="none">
           <a:solidFill>
             <a:srgbClr val="000000"/>
           </a:solidFill>
@@ -9904,7 +9855,7 @@
           <a:sym typeface="Arial"/>
         </a:defRPr>
       </a:lvl8pPr>
-      <a:lvl9pPr lvl="8" marR="0" rtl="0" algn="l">
+      <a:lvl9pPr marR="0" lvl="8" algn="l" rtl="0">
         <a:lnSpc>
           <a:spcPct val="100000"/>
         </a:lnSpc>
@@ -9918,7 +9869,7 @@
           <a:srgbClr val="000000"/>
         </a:buClr>
         <a:buFont typeface="Arial"/>
-        <a:defRPr b="0" i="0" sz="1400" u="none" cap="none" strike="noStrike">
+        <a:defRPr sz="1400" b="0" i="0" u="none" strike="noStrike" cap="none">
           <a:solidFill>
             <a:srgbClr val="000000"/>
           </a:solidFill>
@@ -9930,7 +9881,7 @@
       </a:lvl9pPr>
     </p:bodyStyle>
     <p:otherStyle>
-      <a:defPPr lvl="0" marR="0" rtl="0" algn="l">
+      <a:defPPr marR="0" lvl="0" algn="l" rtl="0">
         <a:lnSpc>
           <a:spcPct val="100000"/>
         </a:lnSpc>
@@ -9941,7 +9892,7 @@
           <a:spcPts val="0"/>
         </a:spcAft>
       </a:defPPr>
-      <a:lvl1pPr lvl="0" marR="0" rtl="0" algn="l">
+      <a:lvl1pPr marR="0" lvl="0" algn="l" rtl="0">
         <a:lnSpc>
           <a:spcPct val="100000"/>
         </a:lnSpc>
@@ -9955,7 +9906,7 @@
           <a:srgbClr val="000000"/>
         </a:buClr>
         <a:buFont typeface="Arial"/>
-        <a:defRPr b="0" i="0" sz="1400" u="none" cap="none" strike="noStrike">
+        <a:defRPr sz="1400" b="0" i="0" u="none" strike="noStrike" cap="none">
           <a:solidFill>
             <a:srgbClr val="000000"/>
           </a:solidFill>
@@ -9965,7 +9916,7 @@
           <a:sym typeface="Arial"/>
         </a:defRPr>
       </a:lvl1pPr>
-      <a:lvl2pPr lvl="1" marR="0" rtl="0" algn="l">
+      <a:lvl2pPr marR="0" lvl="1" algn="l" rtl="0">
         <a:lnSpc>
           <a:spcPct val="100000"/>
         </a:lnSpc>
@@ -9979,7 +9930,7 @@
           <a:srgbClr val="000000"/>
         </a:buClr>
         <a:buFont typeface="Arial"/>
-        <a:defRPr b="0" i="0" sz="1400" u="none" cap="none" strike="noStrike">
+        <a:defRPr sz="1400" b="0" i="0" u="none" strike="noStrike" cap="none">
           <a:solidFill>
             <a:srgbClr val="000000"/>
           </a:solidFill>
@@ -9989,7 +9940,7 @@
           <a:sym typeface="Arial"/>
         </a:defRPr>
       </a:lvl2pPr>
-      <a:lvl3pPr lvl="2" marR="0" rtl="0" algn="l">
+      <a:lvl3pPr marR="0" lvl="2" algn="l" rtl="0">
         <a:lnSpc>
           <a:spcPct val="100000"/>
         </a:lnSpc>
@@ -10003,7 +9954,7 @@
           <a:srgbClr val="000000"/>
         </a:buClr>
         <a:buFont typeface="Arial"/>
-        <a:defRPr b="0" i="0" sz="1400" u="none" cap="none" strike="noStrike">
+        <a:defRPr sz="1400" b="0" i="0" u="none" strike="noStrike" cap="none">
           <a:solidFill>
             <a:srgbClr val="000000"/>
           </a:solidFill>
@@ -10013,7 +9964,7 @@
           <a:sym typeface="Arial"/>
         </a:defRPr>
       </a:lvl3pPr>
-      <a:lvl4pPr lvl="3" marR="0" rtl="0" algn="l">
+      <a:lvl4pPr marR="0" lvl="3" algn="l" rtl="0">
         <a:lnSpc>
           <a:spcPct val="100000"/>
         </a:lnSpc>
@@ -10027,7 +9978,7 @@
           <a:srgbClr val="000000"/>
         </a:buClr>
         <a:buFont typeface="Arial"/>
-        <a:defRPr b="0" i="0" sz="1400" u="none" cap="none" strike="noStrike">
+        <a:defRPr sz="1400" b="0" i="0" u="none" strike="noStrike" cap="none">
           <a:solidFill>
             <a:srgbClr val="000000"/>
           </a:solidFill>
@@ -10037,7 +9988,7 @@
           <a:sym typeface="Arial"/>
         </a:defRPr>
       </a:lvl4pPr>
-      <a:lvl5pPr lvl="4" marR="0" rtl="0" algn="l">
+      <a:lvl5pPr marR="0" lvl="4" algn="l" rtl="0">
         <a:lnSpc>
           <a:spcPct val="100000"/>
         </a:lnSpc>
@@ -10051,7 +10002,7 @@
           <a:srgbClr val="000000"/>
         </a:buClr>
         <a:buFont typeface="Arial"/>
-        <a:defRPr b="0" i="0" sz="1400" u="none" cap="none" strike="noStrike">
+        <a:defRPr sz="1400" b="0" i="0" u="none" strike="noStrike" cap="none">
           <a:solidFill>
             <a:srgbClr val="000000"/>
           </a:solidFill>
@@ -10061,7 +10012,7 @@
           <a:sym typeface="Arial"/>
         </a:defRPr>
       </a:lvl5pPr>
-      <a:lvl6pPr lvl="5" marR="0" rtl="0" algn="l">
+      <a:lvl6pPr marR="0" lvl="5" algn="l" rtl="0">
         <a:lnSpc>
           <a:spcPct val="100000"/>
         </a:lnSpc>
@@ -10075,7 +10026,7 @@
           <a:srgbClr val="000000"/>
         </a:buClr>
         <a:buFont typeface="Arial"/>
-        <a:defRPr b="0" i="0" sz="1400" u="none" cap="none" strike="noStrike">
+        <a:defRPr sz="1400" b="0" i="0" u="none" strike="noStrike" cap="none">
           <a:solidFill>
             <a:srgbClr val="000000"/>
           </a:solidFill>
@@ -10085,7 +10036,7 @@
           <a:sym typeface="Arial"/>
         </a:defRPr>
       </a:lvl6pPr>
-      <a:lvl7pPr lvl="6" marR="0" rtl="0" algn="l">
+      <a:lvl7pPr marR="0" lvl="6" algn="l" rtl="0">
         <a:lnSpc>
           <a:spcPct val="100000"/>
         </a:lnSpc>
@@ -10099,7 +10050,7 @@
           <a:srgbClr val="000000"/>
         </a:buClr>
         <a:buFont typeface="Arial"/>
-        <a:defRPr b="0" i="0" sz="1400" u="none" cap="none" strike="noStrike">
+        <a:defRPr sz="1400" b="0" i="0" u="none" strike="noStrike" cap="none">
           <a:solidFill>
             <a:srgbClr val="000000"/>
           </a:solidFill>
@@ -10109,7 +10060,7 @@
           <a:sym typeface="Arial"/>
         </a:defRPr>
       </a:lvl7pPr>
-      <a:lvl8pPr lvl="7" marR="0" rtl="0" algn="l">
+      <a:lvl8pPr marR="0" lvl="7" algn="l" rtl="0">
         <a:lnSpc>
           <a:spcPct val="100000"/>
         </a:lnSpc>
@@ -10123,7 +10074,7 @@
           <a:srgbClr val="000000"/>
         </a:buClr>
         <a:buFont typeface="Arial"/>
-        <a:defRPr b="0" i="0" sz="1400" u="none" cap="none" strike="noStrike">
+        <a:defRPr sz="1400" b="0" i="0" u="none" strike="noStrike" cap="none">
           <a:solidFill>
             <a:srgbClr val="000000"/>
           </a:solidFill>
@@ -10133,7 +10084,7 @@
           <a:sym typeface="Arial"/>
         </a:defRPr>
       </a:lvl8pPr>
-      <a:lvl9pPr lvl="8" marR="0" rtl="0" algn="l">
+      <a:lvl9pPr marR="0" lvl="8" algn="l" rtl="0">
         <a:lnSpc>
           <a:spcPct val="100000"/>
         </a:lnSpc>
@@ -10147,7 +10098,7 @@
           <a:srgbClr val="000000"/>
         </a:buClr>
         <a:buFont typeface="Arial"/>
-        <a:defRPr b="0" i="0" sz="1400" u="none" cap="none" strike="noStrike">
+        <a:defRPr sz="1400" b="0" i="0" u="none" strike="noStrike" cap="none">
           <a:solidFill>
             <a:srgbClr val="000000"/>
           </a:solidFill>
@@ -10163,11 +10114,11 @@
 </file>
 
 <file path=ppt/slides/slide1.xml><?xml version="1.0" encoding="utf-8"?>
-<p:sld xmlns:a="http://schemas.openxmlformats.org/drawingml/2006/main" xmlns:r="http://schemas.openxmlformats.org/officeDocument/2006/relationships" xmlns:mc="http://schemas.openxmlformats.org/markup-compatibility/2006" xmlns:mv="urn:schemas-microsoft-com:mac:vml" xmlns:p="http://schemas.openxmlformats.org/presentationml/2006/main" xmlns:c="http://schemas.openxmlformats.org/drawingml/2006/chart" xmlns:dgm="http://schemas.openxmlformats.org/drawingml/2006/diagram" xmlns:o="urn:schemas-microsoft-com:office:office" xmlns:v="urn:schemas-microsoft-com:vml" xmlns:pvml="urn:schemas-microsoft-com:office:powerpoint" xmlns:com="http://schemas.openxmlformats.org/drawingml/2006/compatibility" xmlns:p14="http://schemas.microsoft.com/office/powerpoint/2010/main" xmlns:p15="http://schemas.microsoft.com/office/powerpoint/2012/main" xmlns:ahyp="http://schemas.microsoft.com/office/drawing/2018/hyperlinkcolor">
+<p:sld xmlns:a="http://schemas.openxmlformats.org/drawingml/2006/main" xmlns:r="http://schemas.openxmlformats.org/officeDocument/2006/relationships" xmlns:p="http://schemas.openxmlformats.org/presentationml/2006/main">
   <p:cSld>
     <p:spTree>
       <p:nvGrpSpPr>
-        <p:cNvPr id="133" name="Shape 133"/>
+        <p:cNvPr id="1" name="Shape 133"/>
         <p:cNvGrpSpPr/>
         <p:nvPr/>
       </p:nvGrpSpPr>
@@ -10182,7 +10133,9 @@
       <p:sp>
         <p:nvSpPr>
           <p:cNvPr id="134" name="Google Shape;134;p13"/>
-          <p:cNvSpPr txBox="1"/>
+          <p:cNvSpPr txBox="1">
+            <a:spLocks noGrp="1"/>
+          </p:cNvSpPr>
           <p:nvPr>
             <p:ph type="ctrTitle"/>
           </p:nvPr>
@@ -10201,12 +10154,12 @@
           </a:ln>
         </p:spPr>
         <p:txBody>
-          <a:bodyPr anchorCtr="0" anchor="b" bIns="91425" lIns="91425" spcFirstLastPara="1" rIns="91425" wrap="square" tIns="91425">
+          <a:bodyPr spcFirstLastPara="1" wrap="square" lIns="91425" tIns="91425" rIns="91425" bIns="91425" anchor="b" anchorCtr="0">
             <a:noAutofit/>
           </a:bodyPr>
           <a:lstStyle/>
           <a:p>
-            <a:pPr indent="0" lvl="0" marL="0" marR="0" rtl="0" algn="l">
+            <a:pPr marL="0" marR="0" lvl="0" indent="0" algn="l" rtl="0">
               <a:lnSpc>
                 <a:spcPct val="100000"/>
               </a:lnSpc>
@@ -10233,9 +10186,11 @@
       <p:sp>
         <p:nvSpPr>
           <p:cNvPr id="135" name="Google Shape;135;p13"/>
-          <p:cNvSpPr txBox="1"/>
+          <p:cNvSpPr txBox="1">
+            <a:spLocks noGrp="1"/>
+          </p:cNvSpPr>
           <p:nvPr>
-            <p:ph idx="1" type="subTitle"/>
+            <p:ph type="subTitle" idx="1"/>
           </p:nvPr>
         </p:nvSpPr>
         <p:spPr>
@@ -10252,12 +10207,12 @@
           </a:ln>
         </p:spPr>
         <p:txBody>
-          <a:bodyPr anchorCtr="0" anchor="t" bIns="91425" lIns="91425" spcFirstLastPara="1" rIns="91425" wrap="square" tIns="91425">
+          <a:bodyPr spcFirstLastPara="1" wrap="square" lIns="91425" tIns="91425" rIns="91425" bIns="91425" anchor="t" anchorCtr="0">
             <a:noAutofit/>
           </a:bodyPr>
           <a:lstStyle/>
           <a:p>
-            <a:pPr indent="0" lvl="0" marL="0" marR="0" rtl="0" algn="l">
+            <a:pPr marL="0" marR="0" lvl="0" indent="0" algn="l" rtl="0">
               <a:lnSpc>
                 <a:spcPct val="100000"/>
               </a:lnSpc>
@@ -10290,11 +10245,11 @@
 </file>
 
 <file path=ppt/slides/slide10.xml><?xml version="1.0" encoding="utf-8"?>
-<p:sld xmlns:a="http://schemas.openxmlformats.org/drawingml/2006/main" xmlns:r="http://schemas.openxmlformats.org/officeDocument/2006/relationships" xmlns:mc="http://schemas.openxmlformats.org/markup-compatibility/2006" xmlns:mv="urn:schemas-microsoft-com:mac:vml" xmlns:p="http://schemas.openxmlformats.org/presentationml/2006/main" xmlns:c="http://schemas.openxmlformats.org/drawingml/2006/chart" xmlns:dgm="http://schemas.openxmlformats.org/drawingml/2006/diagram" xmlns:o="urn:schemas-microsoft-com:office:office" xmlns:v="urn:schemas-microsoft-com:vml" xmlns:pvml="urn:schemas-microsoft-com:office:powerpoint" xmlns:com="http://schemas.openxmlformats.org/drawingml/2006/compatibility" xmlns:p14="http://schemas.microsoft.com/office/powerpoint/2010/main" xmlns:p15="http://schemas.microsoft.com/office/powerpoint/2012/main" xmlns:ahyp="http://schemas.microsoft.com/office/drawing/2018/hyperlinkcolor">
+<p:sld xmlns:a="http://schemas.openxmlformats.org/drawingml/2006/main" xmlns:r="http://schemas.openxmlformats.org/officeDocument/2006/relationships" xmlns:p="http://schemas.openxmlformats.org/presentationml/2006/main">
   <p:cSld>
     <p:spTree>
       <p:nvGrpSpPr>
-        <p:cNvPr id="187" name="Shape 187"/>
+        <p:cNvPr id="1" name="Shape 187"/>
         <p:cNvGrpSpPr/>
         <p:nvPr/>
       </p:nvGrpSpPr>
@@ -10309,7 +10264,9 @@
       <p:sp>
         <p:nvSpPr>
           <p:cNvPr id="188" name="Google Shape;188;p22"/>
-          <p:cNvSpPr txBox="1"/>
+          <p:cNvSpPr txBox="1">
+            <a:spLocks noGrp="1"/>
+          </p:cNvSpPr>
           <p:nvPr>
             <p:ph type="title"/>
           </p:nvPr>
@@ -10324,12 +10281,12 @@
           </a:prstGeom>
         </p:spPr>
         <p:txBody>
-          <a:bodyPr anchorCtr="0" anchor="t" bIns="91425" lIns="91425" spcFirstLastPara="1" rIns="91425" wrap="square" tIns="91425">
+          <a:bodyPr spcFirstLastPara="1" wrap="square" lIns="91425" tIns="91425" rIns="91425" bIns="91425" anchor="t" anchorCtr="0">
             <a:noAutofit/>
           </a:bodyPr>
           <a:lstStyle/>
           <a:p>
-            <a:pPr indent="0" lvl="0" marL="0" rtl="0" algn="l">
+            <a:pPr marL="0" lvl="0" indent="0" algn="l" rtl="0">
               <a:spcBef>
                 <a:spcPts val="0"/>
               </a:spcBef>
@@ -10349,9 +10306,11 @@
       <p:sp>
         <p:nvSpPr>
           <p:cNvPr id="189" name="Google Shape;189;p22"/>
-          <p:cNvSpPr txBox="1"/>
+          <p:cNvSpPr txBox="1">
+            <a:spLocks noGrp="1"/>
+          </p:cNvSpPr>
           <p:nvPr>
-            <p:ph idx="1" type="body"/>
+            <p:ph type="body" idx="1"/>
           </p:nvPr>
         </p:nvSpPr>
         <p:spPr>
@@ -10364,12 +10323,12 @@
           </a:prstGeom>
         </p:spPr>
         <p:txBody>
-          <a:bodyPr anchorCtr="0" anchor="t" bIns="91425" lIns="91425" spcFirstLastPara="1" rIns="91425" wrap="square" tIns="91425">
+          <a:bodyPr spcFirstLastPara="1" wrap="square" lIns="91425" tIns="91425" rIns="91425" bIns="91425" anchor="t" anchorCtr="0">
             <a:noAutofit/>
           </a:bodyPr>
           <a:lstStyle/>
           <a:p>
-            <a:pPr indent="0" lvl="0" marL="0" rtl="0" algn="l">
+            <a:pPr marL="0" lvl="0" indent="0" algn="l" rtl="0">
               <a:spcBef>
                 <a:spcPts val="0"/>
               </a:spcBef>
@@ -10394,7 +10353,7 @@
             <a:endParaRPr/>
           </a:p>
           <a:p>
-            <a:pPr indent="0" lvl="0" marL="0" rtl="0" algn="l">
+            <a:pPr marL="0" lvl="0" indent="0" algn="l" rtl="0">
               <a:spcBef>
                 <a:spcPts val="1600"/>
               </a:spcBef>
@@ -10415,7 +10374,7 @@
             <a:endParaRPr/>
           </a:p>
           <a:p>
-            <a:pPr indent="0" lvl="0" marL="0" rtl="0" algn="l">
+            <a:pPr marL="0" lvl="0" indent="0" algn="l" rtl="0">
               <a:spcBef>
                 <a:spcPts val="1600"/>
               </a:spcBef>
@@ -10436,7 +10395,7 @@
             <a:endParaRPr/>
           </a:p>
           <a:p>
-            <a:pPr indent="0" lvl="0" marL="0" rtl="0" algn="l">
+            <a:pPr marL="0" lvl="0" indent="0" algn="l" rtl="0">
               <a:spcBef>
                 <a:spcPts val="1600"/>
               </a:spcBef>
@@ -10457,7 +10416,7 @@
             <a:endParaRPr/>
           </a:p>
           <a:p>
-            <a:pPr indent="0" lvl="0" marL="0" rtl="0" algn="l">
+            <a:pPr marL="0" lvl="0" indent="0" algn="l" rtl="0">
               <a:spcBef>
                 <a:spcPts val="1600"/>
               </a:spcBef>
@@ -10492,11 +10451,11 @@
 </file>
 
 <file path=ppt/slides/slide2.xml><?xml version="1.0" encoding="utf-8"?>
-<p:sld xmlns:a="http://schemas.openxmlformats.org/drawingml/2006/main" xmlns:r="http://schemas.openxmlformats.org/officeDocument/2006/relationships" xmlns:mc="http://schemas.openxmlformats.org/markup-compatibility/2006" xmlns:mv="urn:schemas-microsoft-com:mac:vml" xmlns:p="http://schemas.openxmlformats.org/presentationml/2006/main" xmlns:c="http://schemas.openxmlformats.org/drawingml/2006/chart" xmlns:dgm="http://schemas.openxmlformats.org/drawingml/2006/diagram" xmlns:o="urn:schemas-microsoft-com:office:office" xmlns:v="urn:schemas-microsoft-com:vml" xmlns:pvml="urn:schemas-microsoft-com:office:powerpoint" xmlns:com="http://schemas.openxmlformats.org/drawingml/2006/compatibility" xmlns:p14="http://schemas.microsoft.com/office/powerpoint/2010/main" xmlns:p15="http://schemas.microsoft.com/office/powerpoint/2012/main" xmlns:ahyp="http://schemas.microsoft.com/office/drawing/2018/hyperlinkcolor">
+<p:sld xmlns:a="http://schemas.openxmlformats.org/drawingml/2006/main" xmlns:r="http://schemas.openxmlformats.org/officeDocument/2006/relationships" xmlns:p="http://schemas.openxmlformats.org/presentationml/2006/main">
   <p:cSld>
     <p:spTree>
       <p:nvGrpSpPr>
-        <p:cNvPr id="139" name="Shape 139"/>
+        <p:cNvPr id="1" name="Shape 139"/>
         <p:cNvGrpSpPr/>
         <p:nvPr/>
       </p:nvGrpSpPr>
@@ -10511,7 +10470,9 @@
       <p:sp>
         <p:nvSpPr>
           <p:cNvPr id="140" name="Google Shape;140;p14"/>
-          <p:cNvSpPr txBox="1"/>
+          <p:cNvSpPr txBox="1">
+            <a:spLocks noGrp="1"/>
+          </p:cNvSpPr>
           <p:nvPr>
             <p:ph type="title"/>
           </p:nvPr>
@@ -10530,12 +10491,12 @@
           </a:ln>
         </p:spPr>
         <p:txBody>
-          <a:bodyPr anchorCtr="0" anchor="t" bIns="91425" lIns="91425" spcFirstLastPara="1" rIns="91425" wrap="square" tIns="91425">
+          <a:bodyPr spcFirstLastPara="1" wrap="square" lIns="91425" tIns="91425" rIns="91425" bIns="91425" anchor="t" anchorCtr="0">
             <a:noAutofit/>
           </a:bodyPr>
           <a:lstStyle/>
           <a:p>
-            <a:pPr indent="0" lvl="0" marL="0" marR="0" rtl="0" algn="l">
+            <a:pPr marL="0" marR="0" lvl="0" indent="0" algn="l" rtl="0">
               <a:lnSpc>
                 <a:spcPct val="100000"/>
               </a:lnSpc>
@@ -10552,7 +10513,7 @@
               <a:buNone/>
             </a:pPr>
             <a:r>
-              <a:rPr b="0" i="0" lang="en-GB" sz="3000" u="none" cap="none" strike="noStrike">
+              <a:rPr lang="en-GB" sz="3000" b="0" i="0" u="none" strike="noStrike" cap="none">
                 <a:solidFill>
                   <a:srgbClr val="FFFFFF"/>
                 </a:solidFill>
@@ -10564,7 +10525,7 @@
               <a:t>Table of Contents</a:t>
             </a:r>
             <a:br>
-              <a:rPr b="0" i="0" lang="en-GB" sz="3000" u="none" cap="none" strike="noStrike">
+              <a:rPr lang="en-GB" sz="3000" b="0" i="0" u="none" strike="noStrike" cap="none">
                 <a:solidFill>
                   <a:srgbClr val="FFFFFF"/>
                 </a:solidFill>
@@ -10574,7 +10535,7 @@
                 <a:sym typeface="Roboto"/>
               </a:rPr>
             </a:br>
-            <a:endParaRPr b="0" i="0" sz="3000" u="none" cap="none" strike="noStrike">
+            <a:endParaRPr sz="3000" b="0" i="0" u="none" strike="noStrike" cap="none">
               <a:solidFill>
                 <a:srgbClr val="FFFFFF"/>
               </a:solidFill>
@@ -10589,9 +10550,11 @@
       <p:sp>
         <p:nvSpPr>
           <p:cNvPr id="141" name="Google Shape;141;p14"/>
-          <p:cNvSpPr txBox="1"/>
+          <p:cNvSpPr txBox="1">
+            <a:spLocks noGrp="1"/>
+          </p:cNvSpPr>
           <p:nvPr>
-            <p:ph idx="1" type="body"/>
+            <p:ph type="body" idx="1"/>
           </p:nvPr>
         </p:nvSpPr>
         <p:spPr>
@@ -10608,12 +10571,12 @@
           </a:ln>
         </p:spPr>
         <p:txBody>
-          <a:bodyPr anchorCtr="0" anchor="t" bIns="91425" lIns="91425" spcFirstLastPara="1" rIns="91425" wrap="square" tIns="91425">
+          <a:bodyPr spcFirstLastPara="1" wrap="square" lIns="91425" tIns="91425" rIns="91425" bIns="91425" anchor="t" anchorCtr="0">
             <a:noAutofit/>
           </a:bodyPr>
           <a:lstStyle/>
           <a:p>
-            <a:pPr indent="-361950" lvl="0" marL="457200" marR="0" rtl="0" algn="l">
+            <a:pPr marL="457200" marR="0" lvl="0" indent="-361950" algn="l" rtl="0">
               <a:lnSpc>
                 <a:spcPct val="115000"/>
               </a:lnSpc>
@@ -10637,7 +10600,7 @@
             <a:endParaRPr sz="2200"/>
           </a:p>
           <a:p>
-            <a:pPr indent="-361950" lvl="0" marL="457200" marR="0" rtl="0" algn="l">
+            <a:pPr marL="457200" marR="0" lvl="0" indent="-361950" algn="l" rtl="0">
               <a:lnSpc>
                 <a:spcPct val="115000"/>
               </a:lnSpc>
@@ -10661,7 +10624,7 @@
             <a:endParaRPr sz="2200"/>
           </a:p>
           <a:p>
-            <a:pPr indent="-361950" lvl="0" marL="457200" marR="0" rtl="0" algn="l">
+            <a:pPr marL="457200" marR="0" lvl="0" indent="-361950" algn="l" rtl="0">
               <a:lnSpc>
                 <a:spcPct val="115000"/>
               </a:lnSpc>
@@ -10685,7 +10648,7 @@
             <a:endParaRPr sz="1700"/>
           </a:p>
           <a:p>
-            <a:pPr indent="-361950" lvl="0" marL="457200" marR="0" rtl="0" algn="l">
+            <a:pPr marL="457200" marR="0" lvl="0" indent="-361950" algn="l" rtl="0">
               <a:lnSpc>
                 <a:spcPct val="115000"/>
               </a:lnSpc>
@@ -10709,7 +10672,7 @@
             <a:endParaRPr sz="1700"/>
           </a:p>
           <a:p>
-            <a:pPr indent="-361950" lvl="0" marL="457200" marR="0" rtl="0" algn="l">
+            <a:pPr marL="457200" marR="0" lvl="0" indent="-361950" algn="l" rtl="0">
               <a:lnSpc>
                 <a:spcPct val="115000"/>
               </a:lnSpc>
@@ -10733,7 +10696,7 @@
             <a:endParaRPr sz="1700"/>
           </a:p>
           <a:p>
-            <a:pPr indent="-361950" lvl="0" marL="457200" marR="0" rtl="0" algn="l">
+            <a:pPr marL="457200" marR="0" lvl="0" indent="-361950" algn="l" rtl="0">
               <a:lnSpc>
                 <a:spcPct val="115000"/>
               </a:lnSpc>
@@ -10757,7 +10720,7 @@
             <a:endParaRPr sz="1700"/>
           </a:p>
           <a:p>
-            <a:pPr indent="-361950" lvl="0" marL="457200" marR="0" rtl="0" algn="l">
+            <a:pPr marL="457200" marR="0" lvl="0" indent="-361950" algn="l" rtl="0">
               <a:lnSpc>
                 <a:spcPct val="115000"/>
               </a:lnSpc>
@@ -10779,7 +10742,7 @@
               <a:t>VR</a:t>
             </a:r>
             <a:br>
-              <a:rPr b="0" i="0" lang="en-GB" sz="1700" u="none" cap="none" strike="noStrike">
+              <a:rPr lang="en-GB" sz="1700" b="0" i="0" u="none" strike="noStrike" cap="none">
                 <a:solidFill>
                   <a:schemeClr val="dk2"/>
                 </a:solidFill>
@@ -10789,7 +10752,7 @@
                 <a:sym typeface="Roboto"/>
               </a:rPr>
             </a:br>
-            <a:endParaRPr b="0" i="0" sz="1700" u="none" cap="none" strike="noStrike">
+            <a:endParaRPr sz="1700" b="0" i="0" u="none" strike="noStrike" cap="none">
               <a:solidFill>
                 <a:schemeClr val="dk2"/>
               </a:solidFill>
@@ -10810,11 +10773,11 @@
 </file>
 
 <file path=ppt/slides/slide3.xml><?xml version="1.0" encoding="utf-8"?>
-<p:sld xmlns:a="http://schemas.openxmlformats.org/drawingml/2006/main" xmlns:r="http://schemas.openxmlformats.org/officeDocument/2006/relationships" xmlns:mc="http://schemas.openxmlformats.org/markup-compatibility/2006" xmlns:mv="urn:schemas-microsoft-com:mac:vml" xmlns:p="http://schemas.openxmlformats.org/presentationml/2006/main" xmlns:c="http://schemas.openxmlformats.org/drawingml/2006/chart" xmlns:dgm="http://schemas.openxmlformats.org/drawingml/2006/diagram" xmlns:o="urn:schemas-microsoft-com:office:office" xmlns:v="urn:schemas-microsoft-com:vml" xmlns:pvml="urn:schemas-microsoft-com:office:powerpoint" xmlns:com="http://schemas.openxmlformats.org/drawingml/2006/compatibility" xmlns:p14="http://schemas.microsoft.com/office/powerpoint/2010/main" xmlns:p15="http://schemas.microsoft.com/office/powerpoint/2012/main" xmlns:ahyp="http://schemas.microsoft.com/office/drawing/2018/hyperlinkcolor">
+<p:sld xmlns:a="http://schemas.openxmlformats.org/drawingml/2006/main" xmlns:r="http://schemas.openxmlformats.org/officeDocument/2006/relationships" xmlns:p="http://schemas.openxmlformats.org/presentationml/2006/main">
   <p:cSld>
     <p:spTree>
       <p:nvGrpSpPr>
-        <p:cNvPr id="145" name="Shape 145"/>
+        <p:cNvPr id="1" name="Shape 145"/>
         <p:cNvGrpSpPr/>
         <p:nvPr/>
       </p:nvGrpSpPr>
@@ -10829,7 +10792,9 @@
       <p:sp>
         <p:nvSpPr>
           <p:cNvPr id="146" name="Google Shape;146;p15"/>
-          <p:cNvSpPr txBox="1"/>
+          <p:cNvSpPr txBox="1">
+            <a:spLocks noGrp="1"/>
+          </p:cNvSpPr>
           <p:nvPr>
             <p:ph type="title"/>
           </p:nvPr>
@@ -10848,12 +10813,12 @@
           </a:ln>
         </p:spPr>
         <p:txBody>
-          <a:bodyPr anchorCtr="0" anchor="t" bIns="91425" lIns="91425" spcFirstLastPara="1" rIns="91425" wrap="square" tIns="91425">
+          <a:bodyPr spcFirstLastPara="1" wrap="square" lIns="91425" tIns="91425" rIns="91425" bIns="91425" anchor="t" anchorCtr="0">
             <a:noAutofit/>
           </a:bodyPr>
           <a:lstStyle/>
           <a:p>
-            <a:pPr indent="0" lvl="0" marL="0" marR="0" rtl="0" algn="l">
+            <a:pPr marL="0" marR="0" lvl="0" indent="0" algn="l" rtl="0">
               <a:lnSpc>
                 <a:spcPct val="100000"/>
               </a:lnSpc>
@@ -10880,15 +10845,17 @@
       <p:sp>
         <p:nvSpPr>
           <p:cNvPr id="147" name="Google Shape;147;p15"/>
-          <p:cNvSpPr txBox="1"/>
+          <p:cNvSpPr txBox="1">
+            <a:spLocks noGrp="1"/>
+          </p:cNvSpPr>
           <p:nvPr>
-            <p:ph idx="1" type="body"/>
+            <p:ph type="body" idx="1"/>
           </p:nvPr>
         </p:nvSpPr>
         <p:spPr>
           <a:xfrm>
-            <a:off x="311700" y="1229875"/>
-            <a:ext cx="8520600" cy="3282600"/>
+            <a:off x="1297500" y="1229875"/>
+            <a:ext cx="7534800" cy="3282600"/>
           </a:xfrm>
           <a:prstGeom prst="rect">
             <a:avLst/>
@@ -10899,12 +10866,12 @@
           </a:ln>
         </p:spPr>
         <p:txBody>
-          <a:bodyPr anchorCtr="0" anchor="t" bIns="91425" lIns="91425" spcFirstLastPara="1" rIns="91425" wrap="square" tIns="91425">
+          <a:bodyPr spcFirstLastPara="1" wrap="square" lIns="91425" tIns="91425" rIns="91425" bIns="91425" anchor="t" anchorCtr="0">
             <a:noAutofit/>
           </a:bodyPr>
           <a:lstStyle/>
           <a:p>
-            <a:pPr indent="0" lvl="0" marL="0" marR="0" rtl="0" algn="l">
+            <a:pPr marL="0" marR="0" lvl="0" indent="0" algn="l" rtl="0">
               <a:lnSpc>
                 <a:spcPct val="115000"/>
               </a:lnSpc>
@@ -10921,7 +10888,7 @@
               <a:buNone/>
             </a:pPr>
             <a:r>
-              <a:rPr lang="en-GB" u="sng">
+              <a:rPr lang="en-GB" u="sng" dirty="0">
                 <a:solidFill>
                   <a:schemeClr val="hlink"/>
                 </a:solidFill>
@@ -10929,10 +10896,10 @@
               </a:rPr>
               <a:t>http://jquery.com/</a:t>
             </a:r>
-            <a:endParaRPr/>
+            <a:endParaRPr dirty="0"/>
           </a:p>
           <a:p>
-            <a:pPr indent="0" lvl="0" marL="0" marR="0" rtl="0" algn="l">
+            <a:pPr marL="0" marR="0" lvl="0" indent="0" algn="l" rtl="0">
               <a:lnSpc>
                 <a:spcPct val="115000"/>
               </a:lnSpc>
@@ -10949,10 +10916,10 @@
               <a:buNone/>
             </a:pPr>
             <a:br>
-              <a:rPr lang="en-GB"/>
+              <a:rPr lang="en-GB" dirty="0"/>
             </a:br>
             <a:r>
-              <a:rPr lang="en-GB" u="sng">
+              <a:rPr lang="en-GB" u="sng" dirty="0">
                 <a:solidFill>
                   <a:schemeClr val="hlink"/>
                 </a:solidFill>
@@ -10960,10 +10927,10 @@
               </a:rPr>
               <a:t>https://www.w3schools.com/jquery/</a:t>
             </a:r>
-            <a:endParaRPr/>
+            <a:endParaRPr dirty="0"/>
           </a:p>
           <a:p>
-            <a:pPr indent="0" lvl="0" marL="0" marR="0" rtl="0" algn="l">
+            <a:pPr marL="0" marR="0" lvl="0" indent="0" algn="l" rtl="0">
               <a:lnSpc>
                 <a:spcPct val="115000"/>
               </a:lnSpc>
@@ -10979,13 +10946,10 @@
               <a:buFont typeface="Roboto"/>
               <a:buNone/>
             </a:pPr>
-            <a:r>
-              <a:t/>
-            </a:r>
-            <a:endParaRPr/>
+            <a:endParaRPr dirty="0"/>
           </a:p>
           <a:p>
-            <a:pPr indent="0" lvl="0" marL="0" marR="0" rtl="0" algn="l">
+            <a:pPr marL="0" marR="0" lvl="0" indent="0" algn="l" rtl="0">
               <a:lnSpc>
                 <a:spcPct val="115000"/>
               </a:lnSpc>
@@ -11002,7 +10966,7 @@
               <a:buNone/>
             </a:pPr>
             <a:r>
-              <a:rPr lang="en-GB" u="sng">
+              <a:rPr lang="en-GB" u="sng" dirty="0">
                 <a:solidFill>
                   <a:schemeClr val="hlink"/>
                 </a:solidFill>
@@ -11010,10 +10974,10 @@
               </a:rPr>
               <a:t>http://try.jquery.com</a:t>
             </a:r>
-            <a:endParaRPr/>
+            <a:endParaRPr dirty="0"/>
           </a:p>
           <a:p>
-            <a:pPr indent="0" lvl="0" marL="0" marR="0" rtl="0" algn="l">
+            <a:pPr marL="0" marR="0" lvl="0" indent="0" algn="l" rtl="0">
               <a:lnSpc>
                 <a:spcPct val="115000"/>
               </a:lnSpc>
@@ -11029,13 +10993,10 @@
               <a:buFont typeface="Roboto"/>
               <a:buNone/>
             </a:pPr>
-            <a:r>
-              <a:t/>
-            </a:r>
-            <a:endParaRPr/>
+            <a:endParaRPr dirty="0"/>
           </a:p>
           <a:p>
-            <a:pPr indent="0" lvl="0" marL="0" marR="0" rtl="0" algn="l">
+            <a:pPr marL="0" marR="0" lvl="0" indent="0" algn="l" rtl="0">
               <a:lnSpc>
                 <a:spcPct val="115000"/>
               </a:lnSpc>
@@ -11051,10 +11012,7 @@
               <a:buFont typeface="Roboto"/>
               <a:buNone/>
             </a:pPr>
-            <a:r>
-              <a:t/>
-            </a:r>
-            <a:endParaRPr/>
+            <a:endParaRPr dirty="0"/>
           </a:p>
         </p:txBody>
       </p:sp>
@@ -11067,11 +11025,11 @@
 </file>
 
 <file path=ppt/slides/slide4.xml><?xml version="1.0" encoding="utf-8"?>
-<p:sld xmlns:a="http://schemas.openxmlformats.org/drawingml/2006/main" xmlns:r="http://schemas.openxmlformats.org/officeDocument/2006/relationships" xmlns:mc="http://schemas.openxmlformats.org/markup-compatibility/2006" xmlns:mv="urn:schemas-microsoft-com:mac:vml" xmlns:p="http://schemas.openxmlformats.org/presentationml/2006/main" xmlns:c="http://schemas.openxmlformats.org/drawingml/2006/chart" xmlns:dgm="http://schemas.openxmlformats.org/drawingml/2006/diagram" xmlns:o="urn:schemas-microsoft-com:office:office" xmlns:v="urn:schemas-microsoft-com:vml" xmlns:pvml="urn:schemas-microsoft-com:office:powerpoint" xmlns:com="http://schemas.openxmlformats.org/drawingml/2006/compatibility" xmlns:p14="http://schemas.microsoft.com/office/powerpoint/2010/main" xmlns:p15="http://schemas.microsoft.com/office/powerpoint/2012/main" xmlns:ahyp="http://schemas.microsoft.com/office/drawing/2018/hyperlinkcolor">
+<p:sld xmlns:a="http://schemas.openxmlformats.org/drawingml/2006/main" xmlns:r="http://schemas.openxmlformats.org/officeDocument/2006/relationships" xmlns:p="http://schemas.openxmlformats.org/presentationml/2006/main">
   <p:cSld>
     <p:spTree>
       <p:nvGrpSpPr>
-        <p:cNvPr id="151" name="Shape 151"/>
+        <p:cNvPr id="1" name="Shape 151"/>
         <p:cNvGrpSpPr/>
         <p:nvPr/>
       </p:nvGrpSpPr>
@@ -11086,7 +11044,9 @@
       <p:sp>
         <p:nvSpPr>
           <p:cNvPr id="152" name="Google Shape;152;p16"/>
-          <p:cNvSpPr txBox="1"/>
+          <p:cNvSpPr txBox="1">
+            <a:spLocks noGrp="1"/>
+          </p:cNvSpPr>
           <p:nvPr>
             <p:ph type="title"/>
           </p:nvPr>
@@ -11101,12 +11061,12 @@
           </a:prstGeom>
         </p:spPr>
         <p:txBody>
-          <a:bodyPr anchorCtr="0" anchor="t" bIns="91425" lIns="91425" spcFirstLastPara="1" rIns="91425" wrap="square" tIns="91425">
+          <a:bodyPr spcFirstLastPara="1" wrap="square" lIns="91425" tIns="91425" rIns="91425" bIns="91425" anchor="t" anchorCtr="0">
             <a:noAutofit/>
           </a:bodyPr>
           <a:lstStyle/>
           <a:p>
-            <a:pPr indent="0" lvl="0" marL="0" rtl="0" algn="l">
+            <a:pPr marL="0" lvl="0" indent="0" algn="l" rtl="0">
               <a:spcBef>
                 <a:spcPts val="0"/>
               </a:spcBef>
@@ -11130,9 +11090,11 @@
       <p:sp>
         <p:nvSpPr>
           <p:cNvPr id="153" name="Google Shape;153;p16"/>
-          <p:cNvSpPr txBox="1"/>
+          <p:cNvSpPr txBox="1">
+            <a:spLocks noGrp="1"/>
+          </p:cNvSpPr>
           <p:nvPr>
-            <p:ph idx="1" type="body"/>
+            <p:ph type="body" idx="1"/>
           </p:nvPr>
         </p:nvSpPr>
         <p:spPr>
@@ -11145,12 +11107,12 @@
           </a:prstGeom>
         </p:spPr>
         <p:txBody>
-          <a:bodyPr anchorCtr="0" anchor="t" bIns="91425" lIns="91425" spcFirstLastPara="1" rIns="91425" wrap="square" tIns="91425">
+          <a:bodyPr spcFirstLastPara="1" wrap="square" lIns="91425" tIns="91425" rIns="91425" bIns="91425" anchor="t" anchorCtr="0">
             <a:noAutofit/>
           </a:bodyPr>
           <a:lstStyle/>
           <a:p>
-            <a:pPr indent="0" lvl="0" marL="0" rtl="0" algn="l">
+            <a:pPr marL="0" lvl="0" indent="0" algn="l" rtl="0">
               <a:spcBef>
                 <a:spcPts val="0"/>
               </a:spcBef>
@@ -11171,7 +11133,7 @@
             <a:endParaRPr/>
           </a:p>
           <a:p>
-            <a:pPr indent="0" lvl="0" marL="0" rtl="0" algn="l">
+            <a:pPr marL="0" lvl="0" indent="0" algn="l" rtl="0">
               <a:spcBef>
                 <a:spcPts val="1600"/>
               </a:spcBef>
@@ -11180,13 +11142,10 @@
               </a:spcAft>
               <a:buNone/>
             </a:pPr>
-            <a:r>
-              <a:t/>
-            </a:r>
             <a:endParaRPr/>
           </a:p>
           <a:p>
-            <a:pPr indent="0" lvl="0" marL="0" rtl="0" algn="l">
+            <a:pPr marL="0" lvl="0" indent="0" algn="l" rtl="0">
               <a:spcBef>
                 <a:spcPts val="1600"/>
               </a:spcBef>
@@ -11207,7 +11166,7 @@
             <a:endParaRPr/>
           </a:p>
           <a:p>
-            <a:pPr indent="0" lvl="0" marL="0" rtl="0" algn="l">
+            <a:pPr marL="0" lvl="0" indent="0" algn="l" rtl="0">
               <a:spcBef>
                 <a:spcPts val="1600"/>
               </a:spcBef>
@@ -11216,13 +11175,10 @@
               </a:spcAft>
               <a:buNone/>
             </a:pPr>
-            <a:r>
-              <a:t/>
-            </a:r>
             <a:endParaRPr/>
           </a:p>
           <a:p>
-            <a:pPr indent="0" lvl="0" marL="0" rtl="0" algn="l">
+            <a:pPr marL="0" lvl="0" indent="0" algn="l" rtl="0">
               <a:spcBef>
                 <a:spcPts val="1600"/>
               </a:spcBef>
@@ -11257,11 +11213,11 @@
 </file>
 
 <file path=ppt/slides/slide5.xml><?xml version="1.0" encoding="utf-8"?>
-<p:sld xmlns:a="http://schemas.openxmlformats.org/drawingml/2006/main" xmlns:r="http://schemas.openxmlformats.org/officeDocument/2006/relationships" xmlns:mc="http://schemas.openxmlformats.org/markup-compatibility/2006" xmlns:mv="urn:schemas-microsoft-com:mac:vml" xmlns:p="http://schemas.openxmlformats.org/presentationml/2006/main" xmlns:c="http://schemas.openxmlformats.org/drawingml/2006/chart" xmlns:dgm="http://schemas.openxmlformats.org/drawingml/2006/diagram" xmlns:o="urn:schemas-microsoft-com:office:office" xmlns:v="urn:schemas-microsoft-com:vml" xmlns:pvml="urn:schemas-microsoft-com:office:powerpoint" xmlns:com="http://schemas.openxmlformats.org/drawingml/2006/compatibility" xmlns:p14="http://schemas.microsoft.com/office/powerpoint/2010/main" xmlns:p15="http://schemas.microsoft.com/office/powerpoint/2012/main" xmlns:ahyp="http://schemas.microsoft.com/office/drawing/2018/hyperlinkcolor">
+<p:sld xmlns:a="http://schemas.openxmlformats.org/drawingml/2006/main" xmlns:r="http://schemas.openxmlformats.org/officeDocument/2006/relationships" xmlns:p="http://schemas.openxmlformats.org/presentationml/2006/main">
   <p:cSld>
     <p:spTree>
       <p:nvGrpSpPr>
-        <p:cNvPr id="157" name="Shape 157"/>
+        <p:cNvPr id="1" name="Shape 157"/>
         <p:cNvGrpSpPr/>
         <p:nvPr/>
       </p:nvGrpSpPr>
@@ -11276,7 +11232,9 @@
       <p:sp>
         <p:nvSpPr>
           <p:cNvPr id="158" name="Google Shape;158;p17"/>
-          <p:cNvSpPr txBox="1"/>
+          <p:cNvSpPr txBox="1">
+            <a:spLocks noGrp="1"/>
+          </p:cNvSpPr>
           <p:nvPr>
             <p:ph type="title"/>
           </p:nvPr>
@@ -11295,12 +11253,12 @@
           </a:ln>
         </p:spPr>
         <p:txBody>
-          <a:bodyPr anchorCtr="0" anchor="t" bIns="91425" lIns="91425" spcFirstLastPara="1" rIns="91425" wrap="square" tIns="91425">
+          <a:bodyPr spcFirstLastPara="1" wrap="square" lIns="91425" tIns="91425" rIns="91425" bIns="91425" anchor="t" anchorCtr="0">
             <a:noAutofit/>
           </a:bodyPr>
           <a:lstStyle/>
           <a:p>
-            <a:pPr indent="0" lvl="0" marL="0" marR="0" rtl="0" algn="l">
+            <a:pPr marL="0" marR="0" lvl="0" indent="0" algn="l" rtl="0">
               <a:lnSpc>
                 <a:spcPct val="100000"/>
               </a:lnSpc>
@@ -11327,9 +11285,11 @@
       <p:sp>
         <p:nvSpPr>
           <p:cNvPr id="159" name="Google Shape;159;p17"/>
-          <p:cNvSpPr txBox="1"/>
+          <p:cNvSpPr txBox="1">
+            <a:spLocks noGrp="1"/>
+          </p:cNvSpPr>
           <p:nvPr>
-            <p:ph idx="1" type="body"/>
+            <p:ph type="body" idx="1"/>
           </p:nvPr>
         </p:nvSpPr>
         <p:spPr>
@@ -11346,12 +11306,12 @@
           </a:ln>
         </p:spPr>
         <p:txBody>
-          <a:bodyPr anchorCtr="0" anchor="t" bIns="91425" lIns="91425" spcFirstLastPara="1" rIns="91425" wrap="square" tIns="91425">
+          <a:bodyPr spcFirstLastPara="1" wrap="square" lIns="91425" tIns="91425" rIns="91425" bIns="91425" anchor="t" anchorCtr="0">
             <a:noAutofit/>
           </a:bodyPr>
           <a:lstStyle/>
           <a:p>
-            <a:pPr indent="-368300" lvl="0" marL="457200" marR="0" rtl="0" algn="l">
+            <a:pPr marL="457200" marR="0" lvl="0" indent="-368300" algn="l" rtl="0">
               <a:lnSpc>
                 <a:spcPct val="115000"/>
               </a:lnSpc>
@@ -11379,7 +11339,7 @@
             <a:endParaRPr sz="2100"/>
           </a:p>
           <a:p>
-            <a:pPr indent="-368300" lvl="0" marL="457200" marR="0" rtl="0" algn="l">
+            <a:pPr marL="457200" marR="0" lvl="0" indent="-368300" algn="l" rtl="0">
               <a:lnSpc>
                 <a:spcPct val="115000"/>
               </a:lnSpc>
@@ -11395,13 +11355,10 @@
               <a:buFont typeface="Roboto"/>
               <a:buNone/>
             </a:pPr>
-            <a:r>
-              <a:t/>
-            </a:r>
             <a:endParaRPr sz="2100"/>
           </a:p>
           <a:p>
-            <a:pPr indent="-368300" lvl="0" marL="457200" marR="0" rtl="0" algn="l">
+            <a:pPr marL="457200" marR="0" lvl="0" indent="-368300" algn="l" rtl="0">
               <a:lnSpc>
                 <a:spcPct val="115000"/>
               </a:lnSpc>
@@ -11429,7 +11386,7 @@
             <a:endParaRPr sz="2100"/>
           </a:p>
           <a:p>
-            <a:pPr indent="-368300" lvl="0" marL="457200" marR="0" rtl="0" algn="l">
+            <a:pPr marL="457200" marR="0" lvl="0" indent="-368300" algn="l" rtl="0">
               <a:lnSpc>
                 <a:spcPct val="115000"/>
               </a:lnSpc>
@@ -11445,13 +11402,10 @@
               <a:buFont typeface="Roboto"/>
               <a:buNone/>
             </a:pPr>
-            <a:r>
-              <a:t/>
-            </a:r>
             <a:endParaRPr sz="2100"/>
           </a:p>
           <a:p>
-            <a:pPr indent="-368300" lvl="0" marL="457200" marR="0" rtl="0" algn="l">
+            <a:pPr marL="457200" marR="0" lvl="0" indent="-368300" algn="l" rtl="0">
               <a:lnSpc>
                 <a:spcPct val="115000"/>
               </a:lnSpc>
@@ -11493,11 +11447,11 @@
 </file>
 
 <file path=ppt/slides/slide6.xml><?xml version="1.0" encoding="utf-8"?>
-<p:sld xmlns:a="http://schemas.openxmlformats.org/drawingml/2006/main" xmlns:r="http://schemas.openxmlformats.org/officeDocument/2006/relationships" xmlns:mc="http://schemas.openxmlformats.org/markup-compatibility/2006" xmlns:mv="urn:schemas-microsoft-com:mac:vml" xmlns:p="http://schemas.openxmlformats.org/presentationml/2006/main" xmlns:c="http://schemas.openxmlformats.org/drawingml/2006/chart" xmlns:dgm="http://schemas.openxmlformats.org/drawingml/2006/diagram" xmlns:o="urn:schemas-microsoft-com:office:office" xmlns:v="urn:schemas-microsoft-com:vml" xmlns:pvml="urn:schemas-microsoft-com:office:powerpoint" xmlns:com="http://schemas.openxmlformats.org/drawingml/2006/compatibility" xmlns:p14="http://schemas.microsoft.com/office/powerpoint/2010/main" xmlns:p15="http://schemas.microsoft.com/office/powerpoint/2012/main" xmlns:ahyp="http://schemas.microsoft.com/office/drawing/2018/hyperlinkcolor">
+<p:sld xmlns:a="http://schemas.openxmlformats.org/drawingml/2006/main" xmlns:r="http://schemas.openxmlformats.org/officeDocument/2006/relationships" xmlns:p="http://schemas.openxmlformats.org/presentationml/2006/main">
   <p:cSld>
     <p:spTree>
       <p:nvGrpSpPr>
-        <p:cNvPr id="163" name="Shape 163"/>
+        <p:cNvPr id="1" name="Shape 163"/>
         <p:cNvGrpSpPr/>
         <p:nvPr/>
       </p:nvGrpSpPr>
@@ -11512,7 +11466,9 @@
       <p:sp>
         <p:nvSpPr>
           <p:cNvPr id="164" name="Google Shape;164;p18"/>
-          <p:cNvSpPr txBox="1"/>
+          <p:cNvSpPr txBox="1">
+            <a:spLocks noGrp="1"/>
+          </p:cNvSpPr>
           <p:nvPr>
             <p:ph type="title"/>
           </p:nvPr>
@@ -11531,12 +11487,12 @@
           </a:ln>
         </p:spPr>
         <p:txBody>
-          <a:bodyPr anchorCtr="0" anchor="t" bIns="91425" lIns="91425" spcFirstLastPara="1" rIns="91425" wrap="square" tIns="91425">
+          <a:bodyPr spcFirstLastPara="1" wrap="square" lIns="91425" tIns="91425" rIns="91425" bIns="91425" anchor="t" anchorCtr="0">
             <a:noAutofit/>
           </a:bodyPr>
           <a:lstStyle/>
           <a:p>
-            <a:pPr indent="0" lvl="0" marL="0" marR="0" rtl="0" algn="l">
+            <a:pPr marL="0" marR="0" lvl="0" indent="0" algn="l" rtl="0">
               <a:lnSpc>
                 <a:spcPct val="100000"/>
               </a:lnSpc>
@@ -11557,7 +11513,7 @@
               <a:t>Ember.js</a:t>
             </a:r>
             <a:br>
-              <a:rPr b="0" i="0" lang="en-GB" sz="3000" u="none" cap="none" strike="noStrike">
+              <a:rPr lang="en-GB" sz="3000" b="0" i="0" u="none" strike="noStrike" cap="none">
                 <a:solidFill>
                   <a:schemeClr val="dk1"/>
                 </a:solidFill>
@@ -11567,7 +11523,7 @@
                 <a:sym typeface="Roboto"/>
               </a:rPr>
             </a:br>
-            <a:endParaRPr b="0" i="0" sz="3000" u="none" cap="none" strike="noStrike">
+            <a:endParaRPr sz="3000" b="0" i="0" u="none" strike="noStrike" cap="none">
               <a:solidFill>
                 <a:schemeClr val="dk1"/>
               </a:solidFill>
@@ -11582,9 +11538,11 @@
       <p:sp>
         <p:nvSpPr>
           <p:cNvPr id="165" name="Google Shape;165;p18"/>
-          <p:cNvSpPr txBox="1"/>
+          <p:cNvSpPr txBox="1">
+            <a:spLocks noGrp="1"/>
+          </p:cNvSpPr>
           <p:nvPr>
-            <p:ph idx="1" type="body"/>
+            <p:ph type="body" idx="1"/>
           </p:nvPr>
         </p:nvSpPr>
         <p:spPr>
@@ -11601,12 +11559,12 @@
           </a:ln>
         </p:spPr>
         <p:txBody>
-          <a:bodyPr anchorCtr="0" anchor="t" bIns="91425" lIns="91425" spcFirstLastPara="1" rIns="91425" wrap="square" tIns="91425">
+          <a:bodyPr spcFirstLastPara="1" wrap="square" lIns="91425" tIns="91425" rIns="91425" bIns="91425" anchor="t" anchorCtr="0">
             <a:noAutofit/>
           </a:bodyPr>
           <a:lstStyle/>
           <a:p>
-            <a:pPr indent="0" lvl="1" marL="0" marR="0" rtl="0" algn="l">
+            <a:pPr marL="0" marR="0" lvl="1" indent="0" algn="l" rtl="0">
               <a:lnSpc>
                 <a:spcPct val="115000"/>
               </a:lnSpc>
@@ -11638,7 +11596,7 @@
             <a:endParaRPr sz="2200"/>
           </a:p>
           <a:p>
-            <a:pPr indent="0" lvl="1" marL="0" marR="0" rtl="0" algn="l">
+            <a:pPr marL="0" marR="0" lvl="1" indent="0" algn="l" rtl="0">
               <a:lnSpc>
                 <a:spcPct val="115000"/>
               </a:lnSpc>
@@ -11654,13 +11612,10 @@
               <a:buFont typeface="Roboto"/>
               <a:buNone/>
             </a:pPr>
-            <a:r>
-              <a:t/>
-            </a:r>
             <a:endParaRPr sz="2200"/>
           </a:p>
           <a:p>
-            <a:pPr indent="0" lvl="1" marL="0" marR="0" rtl="0" algn="l">
+            <a:pPr marL="0" marR="0" lvl="1" indent="0" algn="l" rtl="0">
               <a:lnSpc>
                 <a:spcPct val="115000"/>
               </a:lnSpc>
@@ -11688,7 +11643,7 @@
             <a:endParaRPr sz="2200"/>
           </a:p>
           <a:p>
-            <a:pPr indent="0" lvl="1" marL="0" marR="0" rtl="0" algn="l">
+            <a:pPr marL="0" marR="0" lvl="1" indent="0" algn="l" rtl="0">
               <a:lnSpc>
                 <a:spcPct val="115000"/>
               </a:lnSpc>
@@ -11704,13 +11659,10 @@
               <a:buFont typeface="Roboto"/>
               <a:buNone/>
             </a:pPr>
-            <a:r>
-              <a:t/>
-            </a:r>
             <a:endParaRPr sz="2200"/>
           </a:p>
           <a:p>
-            <a:pPr indent="0" lvl="1" marL="0" marR="0" rtl="0" algn="l">
+            <a:pPr marL="0" marR="0" lvl="1" indent="0" algn="l" rtl="0">
               <a:lnSpc>
                 <a:spcPct val="115000"/>
               </a:lnSpc>
@@ -11726,9 +11678,6 @@
               <a:buFont typeface="Roboto"/>
               <a:buNone/>
             </a:pPr>
-            <a:r>
-              <a:t/>
-            </a:r>
             <a:endParaRPr sz="2200"/>
           </a:p>
         </p:txBody>
@@ -11742,11 +11691,11 @@
 </file>
 
 <file path=ppt/slides/slide7.xml><?xml version="1.0" encoding="utf-8"?>
-<p:sld xmlns:a="http://schemas.openxmlformats.org/drawingml/2006/main" xmlns:r="http://schemas.openxmlformats.org/officeDocument/2006/relationships" xmlns:mc="http://schemas.openxmlformats.org/markup-compatibility/2006" xmlns:mv="urn:schemas-microsoft-com:mac:vml" xmlns:p="http://schemas.openxmlformats.org/presentationml/2006/main" xmlns:c="http://schemas.openxmlformats.org/drawingml/2006/chart" xmlns:dgm="http://schemas.openxmlformats.org/drawingml/2006/diagram" xmlns:o="urn:schemas-microsoft-com:office:office" xmlns:v="urn:schemas-microsoft-com:vml" xmlns:pvml="urn:schemas-microsoft-com:office:powerpoint" xmlns:com="http://schemas.openxmlformats.org/drawingml/2006/compatibility" xmlns:p14="http://schemas.microsoft.com/office/powerpoint/2010/main" xmlns:p15="http://schemas.microsoft.com/office/powerpoint/2012/main" xmlns:ahyp="http://schemas.microsoft.com/office/drawing/2018/hyperlinkcolor">
+<p:sld xmlns:a="http://schemas.openxmlformats.org/drawingml/2006/main" xmlns:r="http://schemas.openxmlformats.org/officeDocument/2006/relationships" xmlns:p="http://schemas.openxmlformats.org/presentationml/2006/main">
   <p:cSld>
     <p:spTree>
       <p:nvGrpSpPr>
-        <p:cNvPr id="169" name="Shape 169"/>
+        <p:cNvPr id="1" name="Shape 169"/>
         <p:cNvGrpSpPr/>
         <p:nvPr/>
       </p:nvGrpSpPr>
@@ -11761,7 +11710,9 @@
       <p:sp>
         <p:nvSpPr>
           <p:cNvPr id="170" name="Google Shape;170;p19"/>
-          <p:cNvSpPr txBox="1"/>
+          <p:cNvSpPr txBox="1">
+            <a:spLocks noGrp="1"/>
+          </p:cNvSpPr>
           <p:nvPr>
             <p:ph type="title"/>
           </p:nvPr>
@@ -11780,12 +11731,12 @@
           </a:ln>
         </p:spPr>
         <p:txBody>
-          <a:bodyPr anchorCtr="0" anchor="t" bIns="91425" lIns="91425" spcFirstLastPara="1" rIns="91425" wrap="square" tIns="91425">
+          <a:bodyPr spcFirstLastPara="1" wrap="square" lIns="91425" tIns="91425" rIns="91425" bIns="91425" anchor="t" anchorCtr="0">
             <a:noAutofit/>
           </a:bodyPr>
           <a:lstStyle/>
           <a:p>
-            <a:pPr indent="0" lvl="0" marL="0" marR="0" rtl="0" algn="l">
+            <a:pPr marL="0" marR="0" lvl="0" indent="0" algn="l" rtl="0">
               <a:lnSpc>
                 <a:spcPct val="100000"/>
               </a:lnSpc>
@@ -11812,9 +11763,11 @@
       <p:sp>
         <p:nvSpPr>
           <p:cNvPr id="171" name="Google Shape;171;p19"/>
-          <p:cNvSpPr txBox="1"/>
+          <p:cNvSpPr txBox="1">
+            <a:spLocks noGrp="1"/>
+          </p:cNvSpPr>
           <p:nvPr>
-            <p:ph idx="1" type="body"/>
+            <p:ph type="body" idx="1"/>
           </p:nvPr>
         </p:nvSpPr>
         <p:spPr>
@@ -11831,12 +11784,12 @@
           </a:ln>
         </p:spPr>
         <p:txBody>
-          <a:bodyPr anchorCtr="0" anchor="t" bIns="91425" lIns="91425" spcFirstLastPara="1" rIns="91425" wrap="square" tIns="91425">
+          <a:bodyPr spcFirstLastPara="1" wrap="square" lIns="91425" tIns="91425" rIns="91425" bIns="91425" anchor="t" anchorCtr="0">
             <a:noAutofit/>
           </a:bodyPr>
           <a:lstStyle/>
           <a:p>
-            <a:pPr indent="0" lvl="0" marL="228600" marR="0" rtl="0" algn="l">
+            <a:pPr marL="228600" marR="0" lvl="0" indent="0" algn="l" rtl="0">
               <a:lnSpc>
                 <a:spcPct val="115000"/>
               </a:lnSpc>
@@ -11864,7 +11817,7 @@
             <a:endParaRPr/>
           </a:p>
           <a:p>
-            <a:pPr indent="0" lvl="0" marL="228600" marR="0" rtl="0" algn="l">
+            <a:pPr marL="228600" marR="0" lvl="0" indent="0" algn="l" rtl="0">
               <a:lnSpc>
                 <a:spcPct val="115000"/>
               </a:lnSpc>
@@ -11880,13 +11833,10 @@
               <a:buFont typeface="Roboto"/>
               <a:buNone/>
             </a:pPr>
-            <a:r>
-              <a:t/>
-            </a:r>
             <a:endParaRPr/>
           </a:p>
           <a:p>
-            <a:pPr indent="0" lvl="0" marL="228600" marR="0" rtl="0" algn="l">
+            <a:pPr marL="228600" marR="0" lvl="0" indent="0" algn="l" rtl="0">
               <a:lnSpc>
                 <a:spcPct val="115000"/>
               </a:lnSpc>
@@ -11914,7 +11864,7 @@
             <a:endParaRPr/>
           </a:p>
           <a:p>
-            <a:pPr indent="0" lvl="0" marL="228600" marR="0" rtl="0" algn="l">
+            <a:pPr marL="228600" marR="0" lvl="0" indent="0" algn="l" rtl="0">
               <a:lnSpc>
                 <a:spcPct val="115000"/>
               </a:lnSpc>
@@ -11930,13 +11880,10 @@
               <a:buFont typeface="Roboto"/>
               <a:buNone/>
             </a:pPr>
-            <a:r>
-              <a:t/>
-            </a:r>
             <a:endParaRPr/>
           </a:p>
           <a:p>
-            <a:pPr indent="0" lvl="0" marL="228600" marR="0" rtl="0" algn="l">
+            <a:pPr marL="228600" marR="0" lvl="0" indent="0" algn="l" rtl="0">
               <a:lnSpc>
                 <a:spcPct val="115000"/>
               </a:lnSpc>
@@ -11978,11 +11925,11 @@
 </file>
 
 <file path=ppt/slides/slide8.xml><?xml version="1.0" encoding="utf-8"?>
-<p:sld xmlns:a="http://schemas.openxmlformats.org/drawingml/2006/main" xmlns:r="http://schemas.openxmlformats.org/officeDocument/2006/relationships" xmlns:mc="http://schemas.openxmlformats.org/markup-compatibility/2006" xmlns:mv="urn:schemas-microsoft-com:mac:vml" xmlns:p="http://schemas.openxmlformats.org/presentationml/2006/main" xmlns:c="http://schemas.openxmlformats.org/drawingml/2006/chart" xmlns:dgm="http://schemas.openxmlformats.org/drawingml/2006/diagram" xmlns:o="urn:schemas-microsoft-com:office:office" xmlns:v="urn:schemas-microsoft-com:vml" xmlns:pvml="urn:schemas-microsoft-com:office:powerpoint" xmlns:com="http://schemas.openxmlformats.org/drawingml/2006/compatibility" xmlns:p14="http://schemas.microsoft.com/office/powerpoint/2010/main" xmlns:p15="http://schemas.microsoft.com/office/powerpoint/2012/main" xmlns:ahyp="http://schemas.microsoft.com/office/drawing/2018/hyperlinkcolor">
+<p:sld xmlns:a="http://schemas.openxmlformats.org/drawingml/2006/main" xmlns:r="http://schemas.openxmlformats.org/officeDocument/2006/relationships" xmlns:p="http://schemas.openxmlformats.org/presentationml/2006/main">
   <p:cSld>
     <p:spTree>
       <p:nvGrpSpPr>
-        <p:cNvPr id="175" name="Shape 175"/>
+        <p:cNvPr id="1" name="Shape 175"/>
         <p:cNvGrpSpPr/>
         <p:nvPr/>
       </p:nvGrpSpPr>
@@ -11997,7 +11944,9 @@
       <p:sp>
         <p:nvSpPr>
           <p:cNvPr id="176" name="Google Shape;176;p20"/>
-          <p:cNvSpPr txBox="1"/>
+          <p:cNvSpPr txBox="1">
+            <a:spLocks noGrp="1"/>
+          </p:cNvSpPr>
           <p:nvPr>
             <p:ph type="title"/>
           </p:nvPr>
@@ -12016,12 +11965,12 @@
           </a:ln>
         </p:spPr>
         <p:txBody>
-          <a:bodyPr anchorCtr="0" anchor="t" bIns="91425" lIns="91425" spcFirstLastPara="1" rIns="91425" wrap="square" tIns="91425">
+          <a:bodyPr spcFirstLastPara="1" wrap="square" lIns="91425" tIns="91425" rIns="91425" bIns="91425" anchor="t" anchorCtr="0">
             <a:noAutofit/>
           </a:bodyPr>
           <a:lstStyle/>
           <a:p>
-            <a:pPr indent="0" lvl="0" marL="0" rtl="0" algn="l">
+            <a:pPr marL="0" lvl="0" indent="0" algn="l" rtl="0">
               <a:spcBef>
                 <a:spcPts val="0"/>
               </a:spcBef>
@@ -12038,7 +11987,7 @@
               <a:rPr lang="en-GB"/>
               <a:t>React.js</a:t>
             </a:r>
-            <a:endParaRPr b="0" i="0" sz="3000" u="none" cap="none" strike="noStrike">
+            <a:endParaRPr sz="3000" b="0" i="0" u="none" strike="noStrike" cap="none">
               <a:solidFill>
                 <a:schemeClr val="dk1"/>
               </a:solidFill>
@@ -12053,9 +12002,11 @@
       <p:sp>
         <p:nvSpPr>
           <p:cNvPr id="177" name="Google Shape;177;p20"/>
-          <p:cNvSpPr txBox="1"/>
+          <p:cNvSpPr txBox="1">
+            <a:spLocks noGrp="1"/>
+          </p:cNvSpPr>
           <p:nvPr>
-            <p:ph idx="1" type="body"/>
+            <p:ph type="body" idx="1"/>
           </p:nvPr>
         </p:nvSpPr>
         <p:spPr>
@@ -12072,12 +12023,12 @@
           </a:ln>
         </p:spPr>
         <p:txBody>
-          <a:bodyPr anchorCtr="0" anchor="t" bIns="91425" lIns="91425" spcFirstLastPara="1" rIns="91425" wrap="square" tIns="91425">
+          <a:bodyPr spcFirstLastPara="1" wrap="square" lIns="91425" tIns="91425" rIns="91425" bIns="91425" anchor="t" anchorCtr="0">
             <a:noAutofit/>
           </a:bodyPr>
           <a:lstStyle/>
           <a:p>
-            <a:pPr indent="0" lvl="0" marL="0" marR="0" rtl="0" algn="l">
+            <a:pPr marL="0" marR="0" lvl="0" indent="0" algn="l" rtl="0">
               <a:lnSpc>
                 <a:spcPct val="115000"/>
               </a:lnSpc>
@@ -12105,7 +12056,7 @@
             <a:endParaRPr sz="2200"/>
           </a:p>
           <a:p>
-            <a:pPr indent="0" lvl="0" marL="0" marR="0" rtl="0" algn="l">
+            <a:pPr marL="0" marR="0" lvl="0" indent="0" algn="l" rtl="0">
               <a:lnSpc>
                 <a:spcPct val="115000"/>
               </a:lnSpc>
@@ -12121,13 +12072,10 @@
               <a:buFont typeface="Roboto"/>
               <a:buNone/>
             </a:pPr>
-            <a:r>
-              <a:t/>
-            </a:r>
             <a:endParaRPr sz="2200"/>
           </a:p>
           <a:p>
-            <a:pPr indent="0" lvl="0" marL="0" marR="0" rtl="0" algn="l">
+            <a:pPr marL="0" marR="0" lvl="0" indent="0" algn="l" rtl="0">
               <a:lnSpc>
                 <a:spcPct val="115000"/>
               </a:lnSpc>
@@ -12155,7 +12103,7 @@
             <a:endParaRPr sz="2200"/>
           </a:p>
           <a:p>
-            <a:pPr indent="0" lvl="0" marL="0" marR="0" rtl="0" algn="l">
+            <a:pPr marL="0" marR="0" lvl="0" indent="0" algn="l" rtl="0">
               <a:lnSpc>
                 <a:spcPct val="115000"/>
               </a:lnSpc>
@@ -12171,13 +12119,10 @@
               <a:buFont typeface="Roboto"/>
               <a:buNone/>
             </a:pPr>
-            <a:r>
-              <a:t/>
-            </a:r>
             <a:endParaRPr sz="2200"/>
           </a:p>
           <a:p>
-            <a:pPr indent="0" lvl="0" marL="0" marR="0" rtl="0" algn="l">
+            <a:pPr marL="0" marR="0" lvl="0" indent="0" algn="l" rtl="0">
               <a:lnSpc>
                 <a:spcPct val="115000"/>
               </a:lnSpc>
@@ -12209,7 +12154,7 @@
             <a:endParaRPr sz="2200"/>
           </a:p>
           <a:p>
-            <a:pPr indent="0" lvl="0" marL="0" marR="0" rtl="0" algn="l">
+            <a:pPr marL="0" marR="0" lvl="0" indent="0" algn="l" rtl="0">
               <a:lnSpc>
                 <a:spcPct val="115000"/>
               </a:lnSpc>
@@ -12225,13 +12170,10 @@
               <a:buFont typeface="Roboto"/>
               <a:buNone/>
             </a:pPr>
-            <a:r>
-              <a:t/>
-            </a:r>
             <a:endParaRPr sz="2200"/>
           </a:p>
           <a:p>
-            <a:pPr indent="0" lvl="0" marL="0" marR="0" rtl="0" algn="l">
+            <a:pPr marL="0" marR="0" lvl="0" indent="0" algn="l" rtl="0">
               <a:lnSpc>
                 <a:spcPct val="115000"/>
               </a:lnSpc>
@@ -12259,7 +12201,7 @@
             <a:endParaRPr sz="2200"/>
           </a:p>
           <a:p>
-            <a:pPr indent="0" lvl="0" marL="0" marR="0" rtl="0" algn="l">
+            <a:pPr marL="0" marR="0" lvl="0" indent="0" algn="l" rtl="0">
               <a:lnSpc>
                 <a:spcPct val="115000"/>
               </a:lnSpc>
@@ -12275,9 +12217,6 @@
               <a:buFont typeface="Roboto"/>
               <a:buNone/>
             </a:pPr>
-            <a:r>
-              <a:t/>
-            </a:r>
             <a:endParaRPr sz="2200"/>
           </a:p>
         </p:txBody>
@@ -12291,11 +12230,11 @@
 </file>
 
 <file path=ppt/slides/slide9.xml><?xml version="1.0" encoding="utf-8"?>
-<p:sld xmlns:a="http://schemas.openxmlformats.org/drawingml/2006/main" xmlns:r="http://schemas.openxmlformats.org/officeDocument/2006/relationships" xmlns:mc="http://schemas.openxmlformats.org/markup-compatibility/2006" xmlns:mv="urn:schemas-microsoft-com:mac:vml" xmlns:p="http://schemas.openxmlformats.org/presentationml/2006/main" xmlns:c="http://schemas.openxmlformats.org/drawingml/2006/chart" xmlns:dgm="http://schemas.openxmlformats.org/drawingml/2006/diagram" xmlns:o="urn:schemas-microsoft-com:office:office" xmlns:v="urn:schemas-microsoft-com:vml" xmlns:pvml="urn:schemas-microsoft-com:office:powerpoint" xmlns:com="http://schemas.openxmlformats.org/drawingml/2006/compatibility" xmlns:p14="http://schemas.microsoft.com/office/powerpoint/2010/main" xmlns:p15="http://schemas.microsoft.com/office/powerpoint/2012/main" xmlns:ahyp="http://schemas.microsoft.com/office/drawing/2018/hyperlinkcolor">
+<p:sld xmlns:a="http://schemas.openxmlformats.org/drawingml/2006/main" xmlns:r="http://schemas.openxmlformats.org/officeDocument/2006/relationships" xmlns:p="http://schemas.openxmlformats.org/presentationml/2006/main">
   <p:cSld>
     <p:spTree>
       <p:nvGrpSpPr>
-        <p:cNvPr id="181" name="Shape 181"/>
+        <p:cNvPr id="1" name="Shape 181"/>
         <p:cNvGrpSpPr/>
         <p:nvPr/>
       </p:nvGrpSpPr>
@@ -12310,7 +12249,9 @@
       <p:sp>
         <p:nvSpPr>
           <p:cNvPr id="182" name="Google Shape;182;p21"/>
-          <p:cNvSpPr txBox="1"/>
+          <p:cNvSpPr txBox="1">
+            <a:spLocks noGrp="1"/>
+          </p:cNvSpPr>
           <p:nvPr>
             <p:ph type="title"/>
           </p:nvPr>
@@ -12329,12 +12270,12 @@
           </a:ln>
         </p:spPr>
         <p:txBody>
-          <a:bodyPr anchorCtr="0" anchor="t" bIns="91425" lIns="91425" spcFirstLastPara="1" rIns="91425" wrap="square" tIns="91425">
+          <a:bodyPr spcFirstLastPara="1" wrap="square" lIns="91425" tIns="91425" rIns="91425" bIns="91425" anchor="t" anchorCtr="0">
             <a:noAutofit/>
           </a:bodyPr>
           <a:lstStyle/>
           <a:p>
-            <a:pPr indent="0" lvl="0" marL="0" rtl="0" algn="l">
+            <a:pPr marL="0" lvl="0" indent="0" algn="l" rtl="0">
               <a:spcBef>
                 <a:spcPts val="0"/>
               </a:spcBef>
@@ -12351,7 +12292,7 @@
               <a:rPr lang="en-GB"/>
               <a:t>Node.js</a:t>
             </a:r>
-            <a:endParaRPr b="0" i="0" sz="3000" u="none" cap="none" strike="noStrike">
+            <a:endParaRPr sz="3000" b="0" i="0" u="none" strike="noStrike" cap="none">
               <a:solidFill>
                 <a:schemeClr val="dk1"/>
               </a:solidFill>
@@ -12366,9 +12307,11 @@
       <p:sp>
         <p:nvSpPr>
           <p:cNvPr id="183" name="Google Shape;183;p21"/>
-          <p:cNvSpPr txBox="1"/>
+          <p:cNvSpPr txBox="1">
+            <a:spLocks noGrp="1"/>
+          </p:cNvSpPr>
           <p:nvPr>
-            <p:ph idx="1" type="body"/>
+            <p:ph type="body" idx="1"/>
           </p:nvPr>
         </p:nvSpPr>
         <p:spPr>
@@ -12385,12 +12328,12 @@
           </a:ln>
         </p:spPr>
         <p:txBody>
-          <a:bodyPr anchorCtr="0" anchor="t" bIns="91425" lIns="91425" spcFirstLastPara="1" rIns="91425" wrap="square" tIns="91425">
+          <a:bodyPr spcFirstLastPara="1" wrap="square" lIns="91425" tIns="91425" rIns="91425" bIns="91425" anchor="t" anchorCtr="0">
             <a:noAutofit/>
           </a:bodyPr>
           <a:lstStyle/>
           <a:p>
-            <a:pPr indent="0" lvl="0" marL="0" marR="0" rtl="0" algn="l">
+            <a:pPr marL="0" marR="0" lvl="0" indent="0" algn="l" rtl="0">
               <a:lnSpc>
                 <a:spcPct val="115000"/>
               </a:lnSpc>
@@ -12418,7 +12361,7 @@
             <a:endParaRPr sz="2900"/>
           </a:p>
           <a:p>
-            <a:pPr indent="0" lvl="0" marL="0" marR="0" rtl="0" algn="l">
+            <a:pPr marL="0" marR="0" lvl="0" indent="0" algn="l" rtl="0">
               <a:lnSpc>
                 <a:spcPct val="115000"/>
               </a:lnSpc>
@@ -12434,13 +12377,10 @@
               <a:buFont typeface="Roboto"/>
               <a:buNone/>
             </a:pPr>
-            <a:r>
-              <a:t/>
-            </a:r>
             <a:endParaRPr sz="2900"/>
           </a:p>
           <a:p>
-            <a:pPr indent="0" lvl="0" marL="0" marR="0" rtl="0" algn="l">
+            <a:pPr marL="0" marR="0" lvl="0" indent="0" algn="l" rtl="0">
               <a:lnSpc>
                 <a:spcPct val="115000"/>
               </a:lnSpc>
@@ -12468,7 +12408,7 @@
             <a:endParaRPr sz="2600"/>
           </a:p>
           <a:p>
-            <a:pPr indent="0" lvl="0" marL="0" marR="0" rtl="0" algn="l">
+            <a:pPr marL="0" marR="0" lvl="0" indent="0" algn="l" rtl="0">
               <a:lnSpc>
                 <a:spcPct val="115000"/>
               </a:lnSpc>
@@ -12484,9 +12424,6 @@
               <a:buFont typeface="Roboto"/>
               <a:buNone/>
             </a:pPr>
-            <a:r>
-              <a:t/>
-            </a:r>
             <a:endParaRPr sz="2600"/>
           </a:p>
         </p:txBody>
@@ -12500,7 +12437,7 @@
 </file>
 
 <file path=ppt/theme/theme1.xml><?xml version="1.0" encoding="utf-8"?>
-<a:theme xmlns:a="http://schemas.openxmlformats.org/drawingml/2006/main" xmlns:r="http://schemas.openxmlformats.org/officeDocument/2006/relationships" name="Focus">
+<a:theme xmlns:a="http://schemas.openxmlformats.org/drawingml/2006/main" name="Focus">
   <a:themeElements>
     <a:clrScheme name="Focus">
       <a:dk1>
@@ -12775,11 +12712,13 @@
       </a:bgFillStyleLst>
     </a:fmtScheme>
   </a:themeElements>
+  <a:objectDefaults/>
+  <a:extraClrSchemeLst/>
 </a:theme>
 </file>
 
 <file path=ppt/theme/theme2.xml><?xml version="1.0" encoding="utf-8"?>
-<a:theme xmlns:a="http://schemas.openxmlformats.org/drawingml/2006/main" xmlns:r="http://schemas.openxmlformats.org/officeDocument/2006/relationships">
+<a:theme xmlns:a="http://schemas.openxmlformats.org/drawingml/2006/main">
   <a:themeElements>
     <a:clrScheme name="Default">
       <a:dk1>
@@ -13054,5 +12993,7 @@
       </a:bgFillStyleLst>
     </a:fmtScheme>
   </a:themeElements>
+  <a:objectDefaults/>
+  <a:extraClrSchemeLst/>
 </a:theme>
 </file>